--- a/Final Presentation.pptx
+++ b/Final Presentation.pptx
@@ -1,31 +1,31 @@
 
 <file path=ppt/presentation.xml><?xml version="1.0" encoding="utf-8"?>
-<p:presentation xmlns:a="http://schemas.openxmlformats.org/drawingml/2006/main" xmlns:r="http://schemas.openxmlformats.org/officeDocument/2006/relationships" xmlns:p="http://schemas.openxmlformats.org/presentationml/2006/main" saveSubsetFonts="1">
+<p:presentation xmlns:a="http://schemas.openxmlformats.org/drawingml/2006/main" xmlns:r="http://schemas.openxmlformats.org/officeDocument/2006/relationships" xmlns:p="http://schemas.openxmlformats.org/presentationml/2006/main">
   <p:sldMasterIdLst>
-    <p:sldMasterId id="2147483708" r:id="rId1"/>
+    <p:sldMasterId id="2147483648" r:id="rId1"/>
   </p:sldMasterIdLst>
   <p:sldIdLst>
-    <p:sldId id="256" r:id="rId2"/>
-    <p:sldId id="270" r:id="rId3"/>
-    <p:sldId id="269" r:id="rId4"/>
-    <p:sldId id="268" r:id="rId5"/>
-    <p:sldId id="264" r:id="rId6"/>
-    <p:sldId id="280" r:id="rId7"/>
-    <p:sldId id="271" r:id="rId8"/>
-    <p:sldId id="263" r:id="rId9"/>
-    <p:sldId id="265" r:id="rId10"/>
-    <p:sldId id="266" r:id="rId11"/>
-    <p:sldId id="267" r:id="rId12"/>
-    <p:sldId id="275" r:id="rId13"/>
-    <p:sldId id="276" r:id="rId14"/>
-    <p:sldId id="282" r:id="rId15"/>
-    <p:sldId id="281" r:id="rId16"/>
-    <p:sldId id="283" r:id="rId17"/>
-    <p:sldId id="277" r:id="rId18"/>
-    <p:sldId id="273" r:id="rId19"/>
-    <p:sldId id="272" r:id="rId20"/>
-    <p:sldId id="274" r:id="rId21"/>
-    <p:sldId id="278" r:id="rId22"/>
+    <p:sldId id="256" r:id="rId3"/>
+    <p:sldId id="270" r:id="rId4"/>
+    <p:sldId id="269" r:id="rId5"/>
+    <p:sldId id="268" r:id="rId6"/>
+    <p:sldId id="264" r:id="rId7"/>
+    <p:sldId id="296" r:id="rId8"/>
+    <p:sldId id="297" r:id="rId9"/>
+    <p:sldId id="298" r:id="rId10"/>
+    <p:sldId id="280" r:id="rId11"/>
+    <p:sldId id="271" r:id="rId12"/>
+    <p:sldId id="263" r:id="rId13"/>
+    <p:sldId id="265" r:id="rId14"/>
+    <p:sldId id="266" r:id="rId15"/>
+    <p:sldId id="267" r:id="rId16"/>
+    <p:sldId id="275" r:id="rId17"/>
+    <p:sldId id="276" r:id="rId18"/>
+    <p:sldId id="277" r:id="rId19"/>
+    <p:sldId id="273" r:id="rId20"/>
+    <p:sldId id="272" r:id="rId21"/>
+    <p:sldId id="274" r:id="rId22"/>
+    <p:sldId id="278" r:id="rId23"/>
   </p:sldIdLst>
   <p:sldSz cx="12192000" cy="6858000"/>
   <p:notesSz cx="6858000" cy="9144000"/>
@@ -124,16 +124,11 @@
       </a:defRPr>
     </a:lvl9pPr>
   </p:defaultTextStyle>
-  <p:extLst>
-    <p:ext uri="{EFAFB233-063F-42B5-8137-9DF3F51BA10A}">
-      <p15:sldGuideLst xmlns:p15="http://schemas.microsoft.com/office/powerpoint/2012/main"/>
-    </p:ext>
-  </p:extLst>
 </p:presentation>
 </file>
 
 <file path=ppt/slideLayouts/slideLayout1.xml><?xml version="1.0" encoding="utf-8"?>
-<p:sldLayout xmlns:a="http://schemas.openxmlformats.org/drawingml/2006/main" xmlns:r="http://schemas.openxmlformats.org/officeDocument/2006/relationships" xmlns:p="http://schemas.openxmlformats.org/presentationml/2006/main" showMasterSp="0" type="title" preserve="1">
+<p:sldLayout xmlns:a="http://schemas.openxmlformats.org/drawingml/2006/main" xmlns:r="http://schemas.openxmlformats.org/officeDocument/2006/relationships" xmlns:p="http://schemas.openxmlformats.org/presentationml/2006/main" type="title" preserve="1" showMasterSp="0">
   <p:cSld name="Title Slide">
     <p:spTree>
       <p:nvGrpSpPr>
@@ -854,7 +849,6 @@
           <a:p>
             <a:fld id="{CCB8A4D1-5705-48B7-9532-7BF7CABD60AB}" type="datetimeFigureOut">
               <a:rPr lang="en-MY" smtClean="0"/>
-              <a:t>13/12/2020</a:t>
             </a:fld>
             <a:endParaRPr lang="en-MY"/>
           </a:p>
@@ -896,18 +890,12 @@
           <a:p>
             <a:fld id="{0B40B843-5B60-4BA5-B94A-7079FF9451A8}" type="slidenum">
               <a:rPr lang="en-MY" smtClean="0"/>
-              <a:t>‹#›</a:t>
             </a:fld>
             <a:endParaRPr lang="en-MY"/>
           </a:p>
         </p:txBody>
       </p:sp>
     </p:spTree>
-    <p:extLst>
-      <p:ext uri="{BB962C8B-B14F-4D97-AF65-F5344CB8AC3E}">
-        <p14:creationId xmlns:p14="http://schemas.microsoft.com/office/powerpoint/2010/main" val="3426087989"/>
-      </p:ext>
-    </p:extLst>
   </p:cSld>
   <p:clrMapOvr>
     <a:masterClrMapping/>
@@ -1085,6 +1073,7 @@
               <a:rPr lang="en-US"/>
               <a:t>Click to edit Master text styles</a:t>
             </a:r>
+            <a:endParaRPr lang="en-US"/>
           </a:p>
         </p:txBody>
       </p:sp>
@@ -1105,7 +1094,6 @@
           <a:p>
             <a:fld id="{CCB8A4D1-5705-48B7-9532-7BF7CABD60AB}" type="datetimeFigureOut">
               <a:rPr lang="en-MY" smtClean="0"/>
-              <a:t>13/12/2020</a:t>
             </a:fld>
             <a:endParaRPr lang="en-MY"/>
           </a:p>
@@ -1147,18 +1135,12 @@
           <a:p>
             <a:fld id="{0B40B843-5B60-4BA5-B94A-7079FF9451A8}" type="slidenum">
               <a:rPr lang="en-MY" smtClean="0"/>
-              <a:t>‹#›</a:t>
             </a:fld>
             <a:endParaRPr lang="en-MY"/>
           </a:p>
         </p:txBody>
       </p:sp>
     </p:spTree>
-    <p:extLst>
-      <p:ext uri="{BB962C8B-B14F-4D97-AF65-F5344CB8AC3E}">
-        <p14:creationId xmlns:p14="http://schemas.microsoft.com/office/powerpoint/2010/main" val="1372815598"/>
-      </p:ext>
-    </p:extLst>
   </p:cSld>
   <p:clrMapOvr>
     <a:masterClrMapping/>
@@ -1277,6 +1259,7 @@
               <a:rPr lang="en-US"/>
               <a:t>Click to edit Master text styles</a:t>
             </a:r>
+            <a:endParaRPr lang="en-US"/>
           </a:p>
         </p:txBody>
       </p:sp>
@@ -1399,6 +1382,7 @@
               <a:rPr lang="en-US"/>
               <a:t>Click to edit Master text styles</a:t>
             </a:r>
+            <a:endParaRPr lang="en-US"/>
           </a:p>
         </p:txBody>
       </p:sp>
@@ -1419,7 +1403,6 @@
           <a:p>
             <a:fld id="{CCB8A4D1-5705-48B7-9532-7BF7CABD60AB}" type="datetimeFigureOut">
               <a:rPr lang="en-MY" smtClean="0"/>
-              <a:t>13/12/2020</a:t>
             </a:fld>
             <a:endParaRPr lang="en-MY"/>
           </a:p>
@@ -1461,7 +1444,6 @@
           <a:p>
             <a:fld id="{0B40B843-5B60-4BA5-B94A-7079FF9451A8}" type="slidenum">
               <a:rPr lang="en-MY" smtClean="0"/>
-              <a:t>‹#›</a:t>
             </a:fld>
             <a:endParaRPr lang="en-MY"/>
           </a:p>
@@ -1501,10 +1483,23 @@
                   </a:schemeClr>
                 </a:solidFill>
                 <a:effectLst/>
-                <a:latin typeface="Arial"/>
+                <a:latin typeface="Arial" panose="020B0604020202020204"/>
               </a:rPr>
               <a:t>“</a:t>
             </a:r>
+            <a:endParaRPr lang="en-US" sz="8000" baseline="0" dirty="0">
+              <a:ln w="3175" cmpd="sng">
+                <a:noFill/>
+              </a:ln>
+              <a:solidFill>
+                <a:schemeClr val="accent1">
+                  <a:lumMod val="60000"/>
+                  <a:lumOff val="40000"/>
+                </a:schemeClr>
+              </a:solidFill>
+              <a:effectLst/>
+              <a:latin typeface="Arial" panose="020B0604020202020204"/>
+            </a:endParaRPr>
           </a:p>
         </p:txBody>
       </p:sp>
@@ -1541,7 +1536,7 @@
                     <a:lumOff val="40000"/>
                   </a:schemeClr>
                 </a:solidFill>
-                <a:latin typeface="Arial"/>
+                <a:latin typeface="Arial" panose="020B0604020202020204"/>
               </a:rPr>
               <a:t>”</a:t>
             </a:r>
@@ -1552,17 +1547,12 @@
                   <a:lumOff val="40000"/>
                 </a:schemeClr>
               </a:solidFill>
-              <a:latin typeface="Arial"/>
+              <a:latin typeface="Arial" panose="020B0604020202020204"/>
             </a:endParaRPr>
           </a:p>
         </p:txBody>
       </p:sp>
     </p:spTree>
-    <p:extLst>
-      <p:ext uri="{BB962C8B-B14F-4D97-AF65-F5344CB8AC3E}">
-        <p14:creationId xmlns:p14="http://schemas.microsoft.com/office/powerpoint/2010/main" val="3124076778"/>
-      </p:ext>
-    </p:extLst>
   </p:cSld>
   <p:clrMapOvr>
     <a:masterClrMapping/>
@@ -1740,6 +1730,7 @@
               <a:rPr lang="en-US"/>
               <a:t>Click to edit Master text styles</a:t>
             </a:r>
+            <a:endParaRPr lang="en-US"/>
           </a:p>
         </p:txBody>
       </p:sp>
@@ -1760,7 +1751,6 @@
           <a:p>
             <a:fld id="{CCB8A4D1-5705-48B7-9532-7BF7CABD60AB}" type="datetimeFigureOut">
               <a:rPr lang="en-MY" smtClean="0"/>
-              <a:t>13/12/2020</a:t>
             </a:fld>
             <a:endParaRPr lang="en-MY"/>
           </a:p>
@@ -1802,18 +1792,12 @@
           <a:p>
             <a:fld id="{0B40B843-5B60-4BA5-B94A-7079FF9451A8}" type="slidenum">
               <a:rPr lang="en-MY" smtClean="0"/>
-              <a:t>‹#›</a:t>
             </a:fld>
             <a:endParaRPr lang="en-MY"/>
           </a:p>
         </p:txBody>
       </p:sp>
     </p:spTree>
-    <p:extLst>
-      <p:ext uri="{BB962C8B-B14F-4D97-AF65-F5344CB8AC3E}">
-        <p14:creationId xmlns:p14="http://schemas.microsoft.com/office/powerpoint/2010/main" val="2108147845"/>
-      </p:ext>
-    </p:extLst>
   </p:cSld>
   <p:clrMapOvr>
     <a:masterClrMapping/>
@@ -1932,6 +1916,7 @@
               <a:rPr lang="en-US"/>
               <a:t>Click to edit Master text styles</a:t>
             </a:r>
+            <a:endParaRPr lang="en-US"/>
           </a:p>
         </p:txBody>
       </p:sp>
@@ -2054,6 +2039,7 @@
               <a:rPr lang="en-US"/>
               <a:t>Click to edit Master text styles</a:t>
             </a:r>
+            <a:endParaRPr lang="en-US"/>
           </a:p>
         </p:txBody>
       </p:sp>
@@ -2074,7 +2060,6 @@
           <a:p>
             <a:fld id="{CCB8A4D1-5705-48B7-9532-7BF7CABD60AB}" type="datetimeFigureOut">
               <a:rPr lang="en-MY" smtClean="0"/>
-              <a:t>13/12/2020</a:t>
             </a:fld>
             <a:endParaRPr lang="en-MY"/>
           </a:p>
@@ -2116,7 +2101,6 @@
           <a:p>
             <a:fld id="{0B40B843-5B60-4BA5-B94A-7079FF9451A8}" type="slidenum">
               <a:rPr lang="en-MY" smtClean="0"/>
-              <a:t>‹#›</a:t>
             </a:fld>
             <a:endParaRPr lang="en-MY"/>
           </a:p>
@@ -2156,10 +2140,23 @@
                   </a:schemeClr>
                 </a:solidFill>
                 <a:effectLst/>
-                <a:latin typeface="Arial"/>
+                <a:latin typeface="Arial" panose="020B0604020202020204"/>
               </a:rPr>
               <a:t>“</a:t>
             </a:r>
+            <a:endParaRPr lang="en-US" sz="8000" baseline="0" dirty="0">
+              <a:ln w="3175" cmpd="sng">
+                <a:noFill/>
+              </a:ln>
+              <a:solidFill>
+                <a:schemeClr val="accent1">
+                  <a:lumMod val="60000"/>
+                  <a:lumOff val="40000"/>
+                </a:schemeClr>
+              </a:solidFill>
+              <a:effectLst/>
+              <a:latin typeface="Arial" panose="020B0604020202020204"/>
+            </a:endParaRPr>
           </a:p>
         </p:txBody>
       </p:sp>
@@ -2197,19 +2194,27 @@
                   </a:schemeClr>
                 </a:solidFill>
                 <a:effectLst/>
-                <a:latin typeface="Arial"/>
+                <a:latin typeface="Arial" panose="020B0604020202020204"/>
               </a:rPr>
               <a:t>”</a:t>
             </a:r>
+            <a:endParaRPr lang="en-US" sz="8000" baseline="0" dirty="0">
+              <a:ln w="3175" cmpd="sng">
+                <a:noFill/>
+              </a:ln>
+              <a:solidFill>
+                <a:schemeClr val="accent1">
+                  <a:lumMod val="60000"/>
+                  <a:lumOff val="40000"/>
+                </a:schemeClr>
+              </a:solidFill>
+              <a:effectLst/>
+              <a:latin typeface="Arial" panose="020B0604020202020204"/>
+            </a:endParaRPr>
           </a:p>
         </p:txBody>
       </p:sp>
     </p:spTree>
-    <p:extLst>
-      <p:ext uri="{BB962C8B-B14F-4D97-AF65-F5344CB8AC3E}">
-        <p14:creationId xmlns:p14="http://schemas.microsoft.com/office/powerpoint/2010/main" val="3672834939"/>
-      </p:ext>
-    </p:extLst>
   </p:cSld>
   <p:clrMapOvr>
     <a:masterClrMapping/>
@@ -2325,6 +2330,7 @@
               <a:rPr lang="en-US"/>
               <a:t>Click to edit Master text styles</a:t>
             </a:r>
+            <a:endParaRPr lang="en-US"/>
           </a:p>
         </p:txBody>
       </p:sp>
@@ -2447,6 +2453,7 @@
               <a:rPr lang="en-US"/>
               <a:t>Click to edit Master text styles</a:t>
             </a:r>
+            <a:endParaRPr lang="en-US"/>
           </a:p>
         </p:txBody>
       </p:sp>
@@ -2467,7 +2474,6 @@
           <a:p>
             <a:fld id="{CCB8A4D1-5705-48B7-9532-7BF7CABD60AB}" type="datetimeFigureOut">
               <a:rPr lang="en-MY" smtClean="0"/>
-              <a:t>13/12/2020</a:t>
             </a:fld>
             <a:endParaRPr lang="en-MY"/>
           </a:p>
@@ -2509,18 +2515,12 @@
           <a:p>
             <a:fld id="{0B40B843-5B60-4BA5-B94A-7079FF9451A8}" type="slidenum">
               <a:rPr lang="en-MY" smtClean="0"/>
-              <a:t>‹#›</a:t>
             </a:fld>
             <a:endParaRPr lang="en-MY"/>
           </a:p>
         </p:txBody>
       </p:sp>
     </p:spTree>
-    <p:extLst>
-      <p:ext uri="{BB962C8B-B14F-4D97-AF65-F5344CB8AC3E}">
-        <p14:creationId xmlns:p14="http://schemas.microsoft.com/office/powerpoint/2010/main" val="1483041449"/>
-      </p:ext>
-    </p:extLst>
   </p:cSld>
   <p:clrMapOvr>
     <a:masterClrMapping/>
@@ -2588,6 +2588,7 @@
               <a:rPr lang="en-US"/>
               <a:t>Click to edit Master text styles</a:t>
             </a:r>
+            <a:endParaRPr lang="en-US"/>
           </a:p>
           <a:p>
             <a:pPr lvl="1"/>
@@ -2595,6 +2596,7 @@
               <a:rPr lang="en-US"/>
               <a:t>Second level</a:t>
             </a:r>
+            <a:endParaRPr lang="en-US"/>
           </a:p>
           <a:p>
             <a:pPr lvl="2"/>
@@ -2602,6 +2604,7 @@
               <a:rPr lang="en-US"/>
               <a:t>Third level</a:t>
             </a:r>
+            <a:endParaRPr lang="en-US"/>
           </a:p>
           <a:p>
             <a:pPr lvl="3"/>
@@ -2609,6 +2612,7 @@
               <a:rPr lang="en-US"/>
               <a:t>Fourth level</a:t>
             </a:r>
+            <a:endParaRPr lang="en-US"/>
           </a:p>
           <a:p>
             <a:pPr lvl="4"/>
@@ -2637,7 +2641,6 @@
           <a:p>
             <a:fld id="{CCB8A4D1-5705-48B7-9532-7BF7CABD60AB}" type="datetimeFigureOut">
               <a:rPr lang="en-MY" smtClean="0"/>
-              <a:t>13/12/2020</a:t>
             </a:fld>
             <a:endParaRPr lang="en-MY"/>
           </a:p>
@@ -2679,18 +2682,12 @@
           <a:p>
             <a:fld id="{0B40B843-5B60-4BA5-B94A-7079FF9451A8}" type="slidenum">
               <a:rPr lang="en-MY" smtClean="0"/>
-              <a:t>‹#›</a:t>
             </a:fld>
             <a:endParaRPr lang="en-MY"/>
           </a:p>
         </p:txBody>
       </p:sp>
     </p:spTree>
-    <p:extLst>
-      <p:ext uri="{BB962C8B-B14F-4D97-AF65-F5344CB8AC3E}">
-        <p14:creationId xmlns:p14="http://schemas.microsoft.com/office/powerpoint/2010/main" val="1135909464"/>
-      </p:ext>
-    </p:extLst>
   </p:cSld>
   <p:clrMapOvr>
     <a:masterClrMapping/>
@@ -2768,6 +2765,7 @@
               <a:rPr lang="en-US"/>
               <a:t>Click to edit Master text styles</a:t>
             </a:r>
+            <a:endParaRPr lang="en-US"/>
           </a:p>
           <a:p>
             <a:pPr lvl="1"/>
@@ -2775,6 +2773,7 @@
               <a:rPr lang="en-US"/>
               <a:t>Second level</a:t>
             </a:r>
+            <a:endParaRPr lang="en-US"/>
           </a:p>
           <a:p>
             <a:pPr lvl="2"/>
@@ -2782,6 +2781,7 @@
               <a:rPr lang="en-US"/>
               <a:t>Third level</a:t>
             </a:r>
+            <a:endParaRPr lang="en-US"/>
           </a:p>
           <a:p>
             <a:pPr lvl="3"/>
@@ -2789,6 +2789,7 @@
               <a:rPr lang="en-US"/>
               <a:t>Fourth level</a:t>
             </a:r>
+            <a:endParaRPr lang="en-US"/>
           </a:p>
           <a:p>
             <a:pPr lvl="4"/>
@@ -2817,7 +2818,6 @@
           <a:p>
             <a:fld id="{CCB8A4D1-5705-48B7-9532-7BF7CABD60AB}" type="datetimeFigureOut">
               <a:rPr lang="en-MY" smtClean="0"/>
-              <a:t>13/12/2020</a:t>
             </a:fld>
             <a:endParaRPr lang="en-MY"/>
           </a:p>
@@ -2859,18 +2859,12 @@
           <a:p>
             <a:fld id="{0B40B843-5B60-4BA5-B94A-7079FF9451A8}" type="slidenum">
               <a:rPr lang="en-MY" smtClean="0"/>
-              <a:t>‹#›</a:t>
             </a:fld>
             <a:endParaRPr lang="en-MY"/>
           </a:p>
         </p:txBody>
       </p:sp>
     </p:spTree>
-    <p:extLst>
-      <p:ext uri="{BB962C8B-B14F-4D97-AF65-F5344CB8AC3E}">
-        <p14:creationId xmlns:p14="http://schemas.microsoft.com/office/powerpoint/2010/main" val="825013046"/>
-      </p:ext>
-    </p:extLst>
   </p:cSld>
   <p:clrMapOvr>
     <a:masterClrMapping/>
@@ -2944,6 +2938,7 @@
               <a:rPr lang="en-US"/>
               <a:t>Click to edit Master text styles</a:t>
             </a:r>
+            <a:endParaRPr lang="en-US"/>
           </a:p>
           <a:p>
             <a:pPr lvl="1"/>
@@ -2951,6 +2946,7 @@
               <a:rPr lang="en-US"/>
               <a:t>Second level</a:t>
             </a:r>
+            <a:endParaRPr lang="en-US"/>
           </a:p>
           <a:p>
             <a:pPr lvl="2"/>
@@ -2958,6 +2954,7 @@
               <a:rPr lang="en-US"/>
               <a:t>Third level</a:t>
             </a:r>
+            <a:endParaRPr lang="en-US"/>
           </a:p>
           <a:p>
             <a:pPr lvl="3"/>
@@ -2965,6 +2962,7 @@
               <a:rPr lang="en-US"/>
               <a:t>Fourth level</a:t>
             </a:r>
+            <a:endParaRPr lang="en-US"/>
           </a:p>
           <a:p>
             <a:pPr lvl="4"/>
@@ -2993,7 +2991,6 @@
           <a:p>
             <a:fld id="{CCB8A4D1-5705-48B7-9532-7BF7CABD60AB}" type="datetimeFigureOut">
               <a:rPr lang="en-MY" smtClean="0"/>
-              <a:t>13/12/2020</a:t>
             </a:fld>
             <a:endParaRPr lang="en-MY"/>
           </a:p>
@@ -3035,18 +3032,12 @@
           <a:p>
             <a:fld id="{0B40B843-5B60-4BA5-B94A-7079FF9451A8}" type="slidenum">
               <a:rPr lang="en-MY" smtClean="0"/>
-              <a:t>‹#›</a:t>
             </a:fld>
             <a:endParaRPr lang="en-MY"/>
           </a:p>
         </p:txBody>
       </p:sp>
     </p:spTree>
-    <p:extLst>
-      <p:ext uri="{BB962C8B-B14F-4D97-AF65-F5344CB8AC3E}">
-        <p14:creationId xmlns:p14="http://schemas.microsoft.com/office/powerpoint/2010/main" val="2405266485"/>
-      </p:ext>
-    </p:extLst>
   </p:cSld>
   <p:clrMapOvr>
     <a:masterClrMapping/>
@@ -3220,6 +3211,7 @@
               <a:rPr lang="en-US"/>
               <a:t>Click to edit Master text styles</a:t>
             </a:r>
+            <a:endParaRPr lang="en-US"/>
           </a:p>
         </p:txBody>
       </p:sp>
@@ -3240,7 +3232,6 @@
           <a:p>
             <a:fld id="{CCB8A4D1-5705-48B7-9532-7BF7CABD60AB}" type="datetimeFigureOut">
               <a:rPr lang="en-MY" smtClean="0"/>
-              <a:t>13/12/2020</a:t>
             </a:fld>
             <a:endParaRPr lang="en-MY"/>
           </a:p>
@@ -3282,18 +3273,12 @@
           <a:p>
             <a:fld id="{0B40B843-5B60-4BA5-B94A-7079FF9451A8}" type="slidenum">
               <a:rPr lang="en-MY" smtClean="0"/>
-              <a:t>‹#›</a:t>
             </a:fld>
             <a:endParaRPr lang="en-MY"/>
           </a:p>
         </p:txBody>
       </p:sp>
     </p:spTree>
-    <p:extLst>
-      <p:ext uri="{BB962C8B-B14F-4D97-AF65-F5344CB8AC3E}">
-        <p14:creationId xmlns:p14="http://schemas.microsoft.com/office/powerpoint/2010/main" val="3896526110"/>
-      </p:ext>
-    </p:extLst>
   </p:cSld>
   <p:clrMapOvr>
     <a:masterClrMapping/>
@@ -3366,6 +3351,7 @@
               <a:rPr lang="en-US"/>
               <a:t>Click to edit Master text styles</a:t>
             </a:r>
+            <a:endParaRPr lang="en-US"/>
           </a:p>
           <a:p>
             <a:pPr lvl="1"/>
@@ -3373,6 +3359,7 @@
               <a:rPr lang="en-US"/>
               <a:t>Second level</a:t>
             </a:r>
+            <a:endParaRPr lang="en-US"/>
           </a:p>
           <a:p>
             <a:pPr lvl="2"/>
@@ -3380,6 +3367,7 @@
               <a:rPr lang="en-US"/>
               <a:t>Third level</a:t>
             </a:r>
+            <a:endParaRPr lang="en-US"/>
           </a:p>
           <a:p>
             <a:pPr lvl="3"/>
@@ -3387,6 +3375,7 @@
               <a:rPr lang="en-US"/>
               <a:t>Fourth level</a:t>
             </a:r>
+            <a:endParaRPr lang="en-US"/>
           </a:p>
           <a:p>
             <a:pPr lvl="4"/>
@@ -3423,6 +3412,7 @@
               <a:rPr lang="en-US"/>
               <a:t>Click to edit Master text styles</a:t>
             </a:r>
+            <a:endParaRPr lang="en-US"/>
           </a:p>
           <a:p>
             <a:pPr lvl="1"/>
@@ -3430,6 +3420,7 @@
               <a:rPr lang="en-US"/>
               <a:t>Second level</a:t>
             </a:r>
+            <a:endParaRPr lang="en-US"/>
           </a:p>
           <a:p>
             <a:pPr lvl="2"/>
@@ -3437,6 +3428,7 @@
               <a:rPr lang="en-US"/>
               <a:t>Third level</a:t>
             </a:r>
+            <a:endParaRPr lang="en-US"/>
           </a:p>
           <a:p>
             <a:pPr lvl="3"/>
@@ -3444,6 +3436,7 @@
               <a:rPr lang="en-US"/>
               <a:t>Fourth level</a:t>
             </a:r>
+            <a:endParaRPr lang="en-US"/>
           </a:p>
           <a:p>
             <a:pPr lvl="4"/>
@@ -3472,7 +3465,6 @@
           <a:p>
             <a:fld id="{CCB8A4D1-5705-48B7-9532-7BF7CABD60AB}" type="datetimeFigureOut">
               <a:rPr lang="en-MY" smtClean="0"/>
-              <a:t>13/12/2020</a:t>
             </a:fld>
             <a:endParaRPr lang="en-MY"/>
           </a:p>
@@ -3514,18 +3506,12 @@
           <a:p>
             <a:fld id="{0B40B843-5B60-4BA5-B94A-7079FF9451A8}" type="slidenum">
               <a:rPr lang="en-MY" smtClean="0"/>
-              <a:t>‹#›</a:t>
             </a:fld>
             <a:endParaRPr lang="en-MY"/>
           </a:p>
         </p:txBody>
       </p:sp>
     </p:spTree>
-    <p:extLst>
-      <p:ext uri="{BB962C8B-B14F-4D97-AF65-F5344CB8AC3E}">
-        <p14:creationId xmlns:p14="http://schemas.microsoft.com/office/powerpoint/2010/main" val="1931722029"/>
-      </p:ext>
-    </p:extLst>
   </p:cSld>
   <p:clrMapOvr>
     <a:masterClrMapping/>
@@ -3641,6 +3627,7 @@
               <a:rPr lang="en-US"/>
               <a:t>Click to edit Master text styles</a:t>
             </a:r>
+            <a:endParaRPr lang="en-US"/>
           </a:p>
         </p:txBody>
       </p:sp>
@@ -3671,6 +3658,7 @@
               <a:rPr lang="en-US"/>
               <a:t>Click to edit Master text styles</a:t>
             </a:r>
+            <a:endParaRPr lang="en-US"/>
           </a:p>
           <a:p>
             <a:pPr lvl="1"/>
@@ -3678,6 +3666,7 @@
               <a:rPr lang="en-US"/>
               <a:t>Second level</a:t>
             </a:r>
+            <a:endParaRPr lang="en-US"/>
           </a:p>
           <a:p>
             <a:pPr lvl="2"/>
@@ -3685,6 +3674,7 @@
               <a:rPr lang="en-US"/>
               <a:t>Third level</a:t>
             </a:r>
+            <a:endParaRPr lang="en-US"/>
           </a:p>
           <a:p>
             <a:pPr lvl="3"/>
@@ -3692,6 +3682,7 @@
               <a:rPr lang="en-US"/>
               <a:t>Fourth level</a:t>
             </a:r>
+            <a:endParaRPr lang="en-US"/>
           </a:p>
           <a:p>
             <a:pPr lvl="4"/>
@@ -3767,6 +3758,7 @@
               <a:rPr lang="en-US"/>
               <a:t>Click to edit Master text styles</a:t>
             </a:r>
+            <a:endParaRPr lang="en-US"/>
           </a:p>
         </p:txBody>
       </p:sp>
@@ -3797,6 +3789,7 @@
               <a:rPr lang="en-US"/>
               <a:t>Click to edit Master text styles</a:t>
             </a:r>
+            <a:endParaRPr lang="en-US"/>
           </a:p>
           <a:p>
             <a:pPr lvl="1"/>
@@ -3804,6 +3797,7 @@
               <a:rPr lang="en-US"/>
               <a:t>Second level</a:t>
             </a:r>
+            <a:endParaRPr lang="en-US"/>
           </a:p>
           <a:p>
             <a:pPr lvl="2"/>
@@ -3811,6 +3805,7 @@
               <a:rPr lang="en-US"/>
               <a:t>Third level</a:t>
             </a:r>
+            <a:endParaRPr lang="en-US"/>
           </a:p>
           <a:p>
             <a:pPr lvl="3"/>
@@ -3818,6 +3813,7 @@
               <a:rPr lang="en-US"/>
               <a:t>Fourth level</a:t>
             </a:r>
+            <a:endParaRPr lang="en-US"/>
           </a:p>
           <a:p>
             <a:pPr lvl="4"/>
@@ -3846,7 +3842,6 @@
           <a:p>
             <a:fld id="{CCB8A4D1-5705-48B7-9532-7BF7CABD60AB}" type="datetimeFigureOut">
               <a:rPr lang="en-MY" smtClean="0"/>
-              <a:t>13/12/2020</a:t>
             </a:fld>
             <a:endParaRPr lang="en-MY"/>
           </a:p>
@@ -3888,18 +3883,12 @@
           <a:p>
             <a:fld id="{0B40B843-5B60-4BA5-B94A-7079FF9451A8}" type="slidenum">
               <a:rPr lang="en-MY" smtClean="0"/>
-              <a:t>‹#›</a:t>
             </a:fld>
             <a:endParaRPr lang="en-MY"/>
           </a:p>
         </p:txBody>
       </p:sp>
     </p:spTree>
-    <p:extLst>
-      <p:ext uri="{BB962C8B-B14F-4D97-AF65-F5344CB8AC3E}">
-        <p14:creationId xmlns:p14="http://schemas.microsoft.com/office/powerpoint/2010/main" val="1548188507"/>
-      </p:ext>
-    </p:extLst>
   </p:cSld>
   <p:clrMapOvr>
     <a:masterClrMapping/>
@@ -3969,7 +3958,6 @@
           <a:p>
             <a:fld id="{CCB8A4D1-5705-48B7-9532-7BF7CABD60AB}" type="datetimeFigureOut">
               <a:rPr lang="en-MY" smtClean="0"/>
-              <a:t>13/12/2020</a:t>
             </a:fld>
             <a:endParaRPr lang="en-MY"/>
           </a:p>
@@ -4011,18 +3999,12 @@
           <a:p>
             <a:fld id="{0B40B843-5B60-4BA5-B94A-7079FF9451A8}" type="slidenum">
               <a:rPr lang="en-MY" smtClean="0"/>
-              <a:t>‹#›</a:t>
             </a:fld>
             <a:endParaRPr lang="en-MY"/>
           </a:p>
         </p:txBody>
       </p:sp>
     </p:spTree>
-    <p:extLst>
-      <p:ext uri="{BB962C8B-B14F-4D97-AF65-F5344CB8AC3E}">
-        <p14:creationId xmlns:p14="http://schemas.microsoft.com/office/powerpoint/2010/main" val="1132179852"/>
-      </p:ext>
-    </p:extLst>
   </p:cSld>
   <p:clrMapOvr>
     <a:masterClrMapping/>
@@ -4064,7 +4046,6 @@
           <a:p>
             <a:fld id="{CCB8A4D1-5705-48B7-9532-7BF7CABD60AB}" type="datetimeFigureOut">
               <a:rPr lang="en-MY" smtClean="0"/>
-              <a:t>13/12/2020</a:t>
             </a:fld>
             <a:endParaRPr lang="en-MY"/>
           </a:p>
@@ -4106,18 +4087,12 @@
           <a:p>
             <a:fld id="{0B40B843-5B60-4BA5-B94A-7079FF9451A8}" type="slidenum">
               <a:rPr lang="en-MY" smtClean="0"/>
-              <a:t>‹#›</a:t>
             </a:fld>
             <a:endParaRPr lang="en-MY"/>
           </a:p>
         </p:txBody>
       </p:sp>
     </p:spTree>
-    <p:extLst>
-      <p:ext uri="{BB962C8B-B14F-4D97-AF65-F5344CB8AC3E}">
-        <p14:creationId xmlns:p14="http://schemas.microsoft.com/office/powerpoint/2010/main" val="537919780"/>
-      </p:ext>
-    </p:extLst>
   </p:cSld>
   <p:clrMapOvr>
     <a:masterClrMapping/>
@@ -4203,6 +4178,7 @@
               <a:rPr lang="en-US"/>
               <a:t>Click to edit Master text styles</a:t>
             </a:r>
+            <a:endParaRPr lang="en-US"/>
           </a:p>
           <a:p>
             <a:pPr lvl="1"/>
@@ -4210,6 +4186,7 @@
               <a:rPr lang="en-US"/>
               <a:t>Second level</a:t>
             </a:r>
+            <a:endParaRPr lang="en-US"/>
           </a:p>
           <a:p>
             <a:pPr lvl="2"/>
@@ -4217,6 +4194,7 @@
               <a:rPr lang="en-US"/>
               <a:t>Third level</a:t>
             </a:r>
+            <a:endParaRPr lang="en-US"/>
           </a:p>
           <a:p>
             <a:pPr lvl="3"/>
@@ -4224,6 +4202,7 @@
               <a:rPr lang="en-US"/>
               <a:t>Fourth level</a:t>
             </a:r>
+            <a:endParaRPr lang="en-US"/>
           </a:p>
           <a:p>
             <a:pPr lvl="4"/>
@@ -4260,35 +4239,35 @@
               <a:buNone/>
               <a:defRPr sz="1400"/>
             </a:lvl1pPr>
-            <a:lvl2pPr marL="457063" indent="0">
+            <a:lvl2pPr marL="457200" indent="0">
               <a:buNone/>
               <a:defRPr sz="1400"/>
             </a:lvl2pPr>
-            <a:lvl3pPr marL="914126" indent="0">
+            <a:lvl3pPr marL="914400" indent="0">
               <a:buNone/>
               <a:defRPr sz="1200"/>
             </a:lvl3pPr>
-            <a:lvl4pPr marL="1371189" indent="0">
+            <a:lvl4pPr marL="1370965" indent="0">
               <a:buNone/>
               <a:defRPr sz="1000"/>
             </a:lvl4pPr>
-            <a:lvl5pPr marL="1828251" indent="0">
+            <a:lvl5pPr marL="1828165" indent="0">
               <a:buNone/>
               <a:defRPr sz="1000"/>
             </a:lvl5pPr>
-            <a:lvl6pPr marL="2285314" indent="0">
+            <a:lvl6pPr marL="2285365" indent="0">
               <a:buNone/>
               <a:defRPr sz="1000"/>
             </a:lvl6pPr>
-            <a:lvl7pPr marL="2742377" indent="0">
+            <a:lvl7pPr marL="2742565" indent="0">
               <a:buNone/>
               <a:defRPr sz="1000"/>
             </a:lvl7pPr>
-            <a:lvl8pPr marL="3199440" indent="0">
+            <a:lvl8pPr marL="3199130" indent="0">
               <a:buNone/>
               <a:defRPr sz="1000"/>
             </a:lvl8pPr>
-            <a:lvl9pPr marL="3656503" indent="0">
+            <a:lvl9pPr marL="3656330" indent="0">
               <a:buNone/>
               <a:defRPr sz="1000"/>
             </a:lvl9pPr>
@@ -4299,6 +4278,7 @@
               <a:rPr lang="en-US"/>
               <a:t>Click to edit Master text styles</a:t>
             </a:r>
+            <a:endParaRPr lang="en-US"/>
           </a:p>
         </p:txBody>
       </p:sp>
@@ -4319,7 +4299,6 @@
           <a:p>
             <a:fld id="{CCB8A4D1-5705-48B7-9532-7BF7CABD60AB}" type="datetimeFigureOut">
               <a:rPr lang="en-MY" smtClean="0"/>
-              <a:t>13/12/2020</a:t>
             </a:fld>
             <a:endParaRPr lang="en-MY"/>
           </a:p>
@@ -4361,18 +4340,12 @@
           <a:p>
             <a:fld id="{0B40B843-5B60-4BA5-B94A-7079FF9451A8}" type="slidenum">
               <a:rPr lang="en-MY" smtClean="0"/>
-              <a:t>‹#›</a:t>
             </a:fld>
             <a:endParaRPr lang="en-MY"/>
           </a:p>
         </p:txBody>
       </p:sp>
     </p:spTree>
-    <p:extLst>
-      <p:ext uri="{BB962C8B-B14F-4D97-AF65-F5344CB8AC3E}">
-        <p14:creationId xmlns:p14="http://schemas.microsoft.com/office/powerpoint/2010/main" val="2535805857"/>
-      </p:ext>
-    </p:extLst>
   </p:cSld>
   <p:clrMapOvr>
     <a:masterClrMapping/>
@@ -4562,6 +4535,7 @@
               <a:rPr lang="en-US"/>
               <a:t>Click to edit Master text styles</a:t>
             </a:r>
+            <a:endParaRPr lang="en-US"/>
           </a:p>
         </p:txBody>
       </p:sp>
@@ -4582,7 +4556,6 @@
           <a:p>
             <a:fld id="{CCB8A4D1-5705-48B7-9532-7BF7CABD60AB}" type="datetimeFigureOut">
               <a:rPr lang="en-MY" smtClean="0"/>
-              <a:t>13/12/2020</a:t>
             </a:fld>
             <a:endParaRPr lang="en-MY"/>
           </a:p>
@@ -4624,18 +4597,12 @@
           <a:p>
             <a:fld id="{0B40B843-5B60-4BA5-B94A-7079FF9451A8}" type="slidenum">
               <a:rPr lang="en-MY" smtClean="0"/>
-              <a:t>‹#›</a:t>
             </a:fld>
             <a:endParaRPr lang="en-MY"/>
           </a:p>
         </p:txBody>
       </p:sp>
     </p:spTree>
-    <p:extLst>
-      <p:ext uri="{BB962C8B-B14F-4D97-AF65-F5344CB8AC3E}">
-        <p14:creationId xmlns:p14="http://schemas.microsoft.com/office/powerpoint/2010/main" val="327622251"/>
-      </p:ext>
-    </p:extLst>
   </p:cSld>
   <p:clrMapOvr>
     <a:masterClrMapping/>
@@ -5258,6 +5225,7 @@
               <a:rPr lang="en-US"/>
               <a:t>Click to edit Master text styles</a:t>
             </a:r>
+            <a:endParaRPr lang="en-US"/>
           </a:p>
           <a:p>
             <a:pPr lvl="1"/>
@@ -5265,6 +5233,7 @@
               <a:rPr lang="en-US"/>
               <a:t>Second level</a:t>
             </a:r>
+            <a:endParaRPr lang="en-US"/>
           </a:p>
           <a:p>
             <a:pPr lvl="2"/>
@@ -5272,6 +5241,7 @@
               <a:rPr lang="en-US"/>
               <a:t>Third level</a:t>
             </a:r>
+            <a:endParaRPr lang="en-US"/>
           </a:p>
           <a:p>
             <a:pPr lvl="3"/>
@@ -5279,6 +5249,7 @@
               <a:rPr lang="en-US"/>
               <a:t>Fourth level</a:t>
             </a:r>
+            <a:endParaRPr lang="en-US"/>
           </a:p>
           <a:p>
             <a:pPr lvl="4"/>
@@ -5325,7 +5296,6 @@
           <a:p>
             <a:fld id="{CCB8A4D1-5705-48B7-9532-7BF7CABD60AB}" type="datetimeFigureOut">
               <a:rPr lang="en-MY" smtClean="0"/>
-              <a:t>13/12/2020</a:t>
             </a:fld>
             <a:endParaRPr lang="en-MY"/>
           </a:p>
@@ -5401,37 +5371,31 @@
           <a:p>
             <a:fld id="{0B40B843-5B60-4BA5-B94A-7079FF9451A8}" type="slidenum">
               <a:rPr lang="en-MY" smtClean="0"/>
-              <a:t>‹#›</a:t>
             </a:fld>
             <a:endParaRPr lang="en-MY"/>
           </a:p>
         </p:txBody>
       </p:sp>
     </p:spTree>
-    <p:extLst>
-      <p:ext uri="{BB962C8B-B14F-4D97-AF65-F5344CB8AC3E}">
-        <p14:creationId xmlns:p14="http://schemas.microsoft.com/office/powerpoint/2010/main" val="2213037609"/>
-      </p:ext>
-    </p:extLst>
   </p:cSld>
   <p:clrMap bg1="lt1" tx1="dk1" bg2="lt2" tx2="dk2" accent1="accent1" accent2="accent2" accent3="accent3" accent4="accent4" accent5="accent5" accent6="accent6" hlink="hlink" folHlink="folHlink"/>
   <p:sldLayoutIdLst>
-    <p:sldLayoutId id="2147483709" r:id="rId1"/>
-    <p:sldLayoutId id="2147483710" r:id="rId2"/>
-    <p:sldLayoutId id="2147483711" r:id="rId3"/>
-    <p:sldLayoutId id="2147483712" r:id="rId4"/>
-    <p:sldLayoutId id="2147483713" r:id="rId5"/>
-    <p:sldLayoutId id="2147483714" r:id="rId6"/>
-    <p:sldLayoutId id="2147483715" r:id="rId7"/>
-    <p:sldLayoutId id="2147483716" r:id="rId8"/>
-    <p:sldLayoutId id="2147483717" r:id="rId9"/>
-    <p:sldLayoutId id="2147483718" r:id="rId10"/>
-    <p:sldLayoutId id="2147483719" r:id="rId11"/>
-    <p:sldLayoutId id="2147483720" r:id="rId12"/>
-    <p:sldLayoutId id="2147483721" r:id="rId13"/>
-    <p:sldLayoutId id="2147483722" r:id="rId14"/>
-    <p:sldLayoutId id="2147483723" r:id="rId15"/>
-    <p:sldLayoutId id="2147483724" r:id="rId16"/>
+    <p:sldLayoutId id="2147483649" r:id="rId1"/>
+    <p:sldLayoutId id="2147483650" r:id="rId2"/>
+    <p:sldLayoutId id="2147483651" r:id="rId3"/>
+    <p:sldLayoutId id="2147483652" r:id="rId4"/>
+    <p:sldLayoutId id="2147483653" r:id="rId5"/>
+    <p:sldLayoutId id="2147483654" r:id="rId6"/>
+    <p:sldLayoutId id="2147483655" r:id="rId7"/>
+    <p:sldLayoutId id="2147483656" r:id="rId8"/>
+    <p:sldLayoutId id="2147483657" r:id="rId9"/>
+    <p:sldLayoutId id="2147483658" r:id="rId10"/>
+    <p:sldLayoutId id="2147483659" r:id="rId11"/>
+    <p:sldLayoutId id="2147483660" r:id="rId12"/>
+    <p:sldLayoutId id="2147483661" r:id="rId13"/>
+    <p:sldLayoutId id="2147483662" r:id="rId14"/>
+    <p:sldLayoutId id="2147483663" r:id="rId15"/>
+    <p:sldLayoutId id="2147483664" r:id="rId16"/>
   </p:sldLayoutIdLst>
   <p:txStyles>
     <p:titleStyle>
@@ -5851,13 +5815,7 @@
       </p:grpSpPr>
       <p:sp>
         <p:nvSpPr>
-          <p:cNvPr id="2" name="Title 1">
-            <a:extLst>
-              <a:ext uri="{FF2B5EF4-FFF2-40B4-BE49-F238E27FC236}">
-                <a16:creationId xmlns:a16="http://schemas.microsoft.com/office/drawing/2014/main" id="{AEAE3AAE-3446-46BB-B03C-4ED7F9B4D454}"/>
-              </a:ext>
-            </a:extLst>
-          </p:cNvPr>
+          <p:cNvPr id="2" name="Title 1"/>
           <p:cNvSpPr>
             <a:spLocks noGrp="1"/>
           </p:cNvSpPr>
@@ -5938,13 +5896,7 @@
       </p:sp>
       <p:sp>
         <p:nvSpPr>
-          <p:cNvPr id="3" name="Subtitle 2">
-            <a:extLst>
-              <a:ext uri="{FF2B5EF4-FFF2-40B4-BE49-F238E27FC236}">
-                <a16:creationId xmlns:a16="http://schemas.microsoft.com/office/drawing/2014/main" id="{6E71CA92-122E-4350-87D8-49BCFEF10A70}"/>
-              </a:ext>
-            </a:extLst>
-          </p:cNvPr>
+          <p:cNvPr id="3" name="Subtitle 2"/>
           <p:cNvSpPr>
             <a:spLocks noGrp="1"/>
           </p:cNvSpPr>
@@ -5986,11 +5938,6 @@
         </p:txBody>
       </p:sp>
     </p:spTree>
-    <p:extLst>
-      <p:ext uri="{BB962C8B-B14F-4D97-AF65-F5344CB8AC3E}">
-        <p14:creationId xmlns:p14="http://schemas.microsoft.com/office/powerpoint/2010/main" val="1625321647"/>
-      </p:ext>
-    </p:extLst>
   </p:cSld>
   <p:clrMapOvr>
     <a:masterClrMapping/>
@@ -6017,48 +5964,185 @@
       </p:grpSpPr>
       <p:sp>
         <p:nvSpPr>
-          <p:cNvPr id="2" name="Title 1">
+          <p:cNvPr id="2" name="Title 1"/>
+          <p:cNvSpPr>
+            <a:spLocks noGrp="1"/>
+          </p:cNvSpPr>
+          <p:nvPr>
+            <p:ph type="title"/>
+          </p:nvPr>
+        </p:nvSpPr>
+        <p:spPr/>
+        <p:txBody>
+          <a:bodyPr/>
+          <a:lstStyle/>
+          <a:p>
+            <a:r>
+              <a:rPr lang="zh-CN" altLang="en-US" dirty="0"/>
+              <a:t>实现过程学习到的内容</a:t>
+            </a:r>
+            <a:endParaRPr lang="en-MY" dirty="0"/>
+          </a:p>
+        </p:txBody>
+      </p:sp>
+      <p:sp>
+        <p:nvSpPr>
+          <p:cNvPr id="3" name="Content Placeholder 2"/>
+          <p:cNvSpPr>
+            <a:spLocks noGrp="1"/>
+          </p:cNvSpPr>
+          <p:nvPr>
+            <p:ph idx="1"/>
+          </p:nvPr>
+        </p:nvSpPr>
+        <p:spPr/>
+        <p:txBody>
+          <a:bodyPr>
+            <a:normAutofit/>
+          </a:bodyPr>
+          <a:lstStyle/>
+          <a:p>
+            <a:r>
+              <a:rPr lang="en-MY" sz="2800" dirty="0" err="1">
+                <a:latin typeface="+mn-ea"/>
+              </a:rPr>
+              <a:t>libpcap</a:t>
+            </a:r>
+            <a:r>
+              <a:rPr lang="zh-CN" altLang="en-US" sz="2800" dirty="0">
+                <a:latin typeface="+mn-ea"/>
+              </a:rPr>
+              <a:t>库的使用</a:t>
+            </a:r>
+            <a:endParaRPr lang="en-MY" altLang="zh-CN" sz="2800" dirty="0">
+              <a:latin typeface="+mn-ea"/>
+            </a:endParaRPr>
+          </a:p>
+          <a:p>
+            <a:pPr lvl="1"/>
+            <a:r>
+              <a:rPr lang="zh-CN" altLang="en-US" sz="2800" dirty="0">
+                <a:latin typeface="+mn-ea"/>
+              </a:rPr>
+              <a:t>包的抓取、过滤、分析</a:t>
+            </a:r>
+            <a:endParaRPr lang="en-MY" altLang="zh-CN" sz="2800" dirty="0">
+              <a:latin typeface="+mn-ea"/>
+            </a:endParaRPr>
+          </a:p>
+          <a:p>
+            <a:r>
+              <a:rPr lang="en-US" altLang="zh-CN" sz="2800" dirty="0">
+                <a:latin typeface="+mn-ea"/>
+                <a:cs typeface="Times New Roman" panose="02020603050405020304" pitchFamily="18" charset="0"/>
+              </a:rPr>
+              <a:t>IP</a:t>
+            </a:r>
+            <a:r>
+              <a:rPr lang="zh-CN" sz="2800" dirty="0">
+                <a:effectLst/>
+                <a:latin typeface="+mn-ea"/>
+                <a:cs typeface="Times New Roman" panose="02020603050405020304" pitchFamily="18" charset="0"/>
+              </a:rPr>
+              <a:t>数据包的格式</a:t>
+            </a:r>
+            <a:endParaRPr lang="en-MY" altLang="zh-CN" sz="2800" dirty="0">
+              <a:effectLst/>
+              <a:latin typeface="+mn-ea"/>
+              <a:cs typeface="Times New Roman" panose="02020603050405020304" pitchFamily="18" charset="0"/>
+            </a:endParaRPr>
+          </a:p>
+          <a:p>
+            <a:r>
+              <a:rPr lang="en-US" altLang="zh-CN" sz="2800" dirty="0">
+                <a:latin typeface="+mn-ea"/>
+                <a:cs typeface="Times New Roman" panose="02020603050405020304" pitchFamily="18" charset="0"/>
+              </a:rPr>
+              <a:t>TCP</a:t>
+            </a:r>
+            <a:r>
+              <a:rPr lang="zh-CN" sz="2800" dirty="0">
+                <a:effectLst/>
+                <a:latin typeface="+mn-ea"/>
+                <a:cs typeface="Times New Roman" panose="02020603050405020304" pitchFamily="18" charset="0"/>
+              </a:rPr>
+              <a:t>数据包的格式</a:t>
+            </a:r>
+            <a:endParaRPr lang="en-MY" altLang="zh-CN" sz="2800" dirty="0">
+              <a:effectLst/>
+              <a:latin typeface="+mn-ea"/>
+              <a:cs typeface="Times New Roman" panose="02020603050405020304" pitchFamily="18" charset="0"/>
+            </a:endParaRPr>
+          </a:p>
+          <a:p>
+            <a:r>
+              <a:rPr lang="zh-CN" altLang="en-US" sz="2800" dirty="0">
+                <a:latin typeface="+mn-ea"/>
+              </a:rPr>
+              <a:t>搭建论文所述的状态机</a:t>
+            </a:r>
+            <a:endParaRPr lang="en-MY" altLang="zh-CN" sz="2800" dirty="0">
+              <a:latin typeface="+mn-ea"/>
+            </a:endParaRPr>
+          </a:p>
+          <a:p>
+            <a:pPr lvl="1"/>
+            <a:r>
+              <a:rPr lang="zh-CN" altLang="en-US" sz="2800" dirty="0">
+                <a:latin typeface="+mn-ea"/>
+              </a:rPr>
+              <a:t>检测是否发生</a:t>
+            </a:r>
+            <a:r>
+              <a:rPr lang="en-US" sz="2800" dirty="0">
+                <a:latin typeface="+mn-ea"/>
+              </a:rPr>
+              <a:t>TCP ACK storm attack</a:t>
+            </a:r>
+            <a:endParaRPr lang="en-MY" sz="2800" dirty="0">
+              <a:latin typeface="+mn-ea"/>
+            </a:endParaRPr>
+          </a:p>
+        </p:txBody>
+      </p:sp>
+      <p:pic>
+        <p:nvPicPr>
+          <p:cNvPr id="4" name="图片 8"/>
+          <p:cNvPicPr/>
+          <p:nvPr/>
+        </p:nvPicPr>
+        <p:blipFill>
+          <a:blip r:embed="rId1">
             <a:extLst>
-              <a:ext uri="{FF2B5EF4-FFF2-40B4-BE49-F238E27FC236}">
-                <a16:creationId xmlns:a16="http://schemas.microsoft.com/office/drawing/2014/main" id="{77940174-CE48-4117-AC30-229FA5070E54}"/>
+              <a:ext uri="{28A0092B-C50C-407E-A947-70E740481C1C}">
+                <a14:useLocalDpi xmlns:a14="http://schemas.microsoft.com/office/drawing/2010/main" val="0"/>
               </a:ext>
             </a:extLst>
-          </p:cNvPr>
-          <p:cNvSpPr>
-            <a:spLocks noGrp="1"/>
-          </p:cNvSpPr>
-          <p:nvPr>
-            <p:ph type="title"/>
-          </p:nvPr>
-        </p:nvSpPr>
-        <p:spPr/>
-        <p:txBody>
-          <a:bodyPr/>
-          <a:lstStyle/>
-          <a:p>
-            <a:r>
-              <a:rPr lang="zh-CN" altLang="en-US" dirty="0"/>
-              <a:t>结构体数组的初始化</a:t>
-            </a:r>
-            <a:endParaRPr lang="en-MY" dirty="0"/>
-          </a:p>
-        </p:txBody>
-      </p:sp>
+          </a:blip>
+          <a:srcRect/>
+          <a:stretch>
+            <a:fillRect/>
+          </a:stretch>
+        </p:blipFill>
+        <p:spPr bwMode="auto">
+          <a:xfrm>
+            <a:off x="529634" y="1748099"/>
+            <a:ext cx="8055821" cy="4316495"/>
+          </a:xfrm>
+          <a:prstGeom prst="rect">
+            <a:avLst/>
+          </a:prstGeom>
+          <a:noFill/>
+          <a:ln>
+            <a:noFill/>
+          </a:ln>
+        </p:spPr>
+      </p:pic>
       <p:pic>
         <p:nvPicPr>
-          <p:cNvPr id="8" name="Content Placeholder 7">
-            <a:extLst>
-              <a:ext uri="{FF2B5EF4-FFF2-40B4-BE49-F238E27FC236}">
-                <a16:creationId xmlns:a16="http://schemas.microsoft.com/office/drawing/2014/main" id="{30C02CF9-9373-40D3-B202-71F34AE4AAC1}"/>
-              </a:ext>
-            </a:extLst>
-          </p:cNvPr>
-          <p:cNvPicPr>
-            <a:picLocks noGrp="1" noChangeAspect="1"/>
-          </p:cNvPicPr>
-          <p:nvPr>
-            <p:ph idx="1"/>
-          </p:nvPr>
+          <p:cNvPr id="5" name="图片 7"/>
+          <p:cNvPicPr/>
+          <p:nvPr/>
         </p:nvPicPr>
         <p:blipFill>
           <a:blip r:embed="rId2">
@@ -6068,27 +6152,363 @@
               </a:ext>
             </a:extLst>
           </a:blip>
+          <a:srcRect/>
           <a:stretch>
             <a:fillRect/>
           </a:stretch>
         </p:blipFill>
-        <p:spPr>
+        <p:spPr bwMode="auto">
           <a:xfrm>
-            <a:off x="895990" y="2726422"/>
-            <a:ext cx="8378012" cy="2464121"/>
+            <a:off x="485718" y="2015573"/>
+            <a:ext cx="8055821" cy="4025789"/>
           </a:xfrm>
+          <a:prstGeom prst="rect">
+            <a:avLst/>
+          </a:prstGeom>
+          <a:noFill/>
+          <a:ln>
+            <a:noFill/>
+          </a:ln>
+        </p:spPr>
+      </p:pic>
+      <p:pic>
+        <p:nvPicPr>
+          <p:cNvPr id="6" name="图片 6"/>
+          <p:cNvPicPr/>
+          <p:nvPr/>
+        </p:nvPicPr>
+        <p:blipFill>
+          <a:blip r:embed="rId3">
+            <a:extLst>
+              <a:ext uri="{28A0092B-C50C-407E-A947-70E740481C1C}">
+                <a14:useLocalDpi xmlns:a14="http://schemas.microsoft.com/office/drawing/2010/main" val="0"/>
+              </a:ext>
+            </a:extLst>
+          </a:blip>
+          <a:srcRect/>
+          <a:stretch>
+            <a:fillRect/>
+          </a:stretch>
+        </p:blipFill>
+        <p:spPr bwMode="auto">
+          <a:xfrm>
+            <a:off x="441802" y="1930400"/>
+            <a:ext cx="8055821" cy="3951895"/>
+          </a:xfrm>
+          <a:prstGeom prst="rect">
+            <a:avLst/>
+          </a:prstGeom>
+          <a:noFill/>
+          <a:ln>
+            <a:noFill/>
+          </a:ln>
         </p:spPr>
       </p:pic>
     </p:spTree>
-    <p:extLst>
-      <p:ext uri="{BB962C8B-B14F-4D97-AF65-F5344CB8AC3E}">
-        <p14:creationId xmlns:p14="http://schemas.microsoft.com/office/powerpoint/2010/main" val="3525603495"/>
-      </p:ext>
-    </p:extLst>
   </p:cSld>
   <p:clrMapOvr>
     <a:masterClrMapping/>
   </p:clrMapOvr>
+  <p:timing>
+    <p:tnLst>
+      <p:par>
+        <p:cTn id="1" dur="indefinite" restart="never" nodeType="tmRoot">
+          <p:childTnLst>
+            <p:seq concurrent="1" nextAc="seek">
+              <p:cTn id="2" dur="indefinite" nodeType="mainSeq">
+                <p:childTnLst>
+                  <p:par>
+                    <p:cTn id="3" fill="hold">
+                      <p:stCondLst>
+                        <p:cond delay="indefinite"/>
+                      </p:stCondLst>
+                      <p:childTnLst>
+                        <p:par>
+                          <p:cTn id="4" fill="hold">
+                            <p:stCondLst>
+                              <p:cond delay="0"/>
+                            </p:stCondLst>
+                            <p:childTnLst>
+                              <p:par>
+                                <p:cTn id="5" presetID="1" presetClass="entr" presetSubtype="0" fill="hold" nodeType="clickEffect">
+                                  <p:stCondLst>
+                                    <p:cond delay="0"/>
+                                  </p:stCondLst>
+                                  <p:childTnLst>
+                                    <p:set>
+                                      <p:cBhvr>
+                                        <p:cTn id="6" dur="1" fill="hold">
+                                          <p:stCondLst>
+                                            <p:cond delay="0"/>
+                                          </p:stCondLst>
+                                        </p:cTn>
+                                        <p:tgtEl>
+                                          <p:spTgt spid="4"/>
+                                        </p:tgtEl>
+                                        <p:attrNameLst>
+                                          <p:attrName>style.visibility</p:attrName>
+                                        </p:attrNameLst>
+                                      </p:cBhvr>
+                                      <p:to>
+                                        <p:strVal val="visible"/>
+                                      </p:to>
+                                    </p:set>
+                                  </p:childTnLst>
+                                </p:cTn>
+                              </p:par>
+                            </p:childTnLst>
+                          </p:cTn>
+                        </p:par>
+                      </p:childTnLst>
+                    </p:cTn>
+                  </p:par>
+                  <p:par>
+                    <p:cTn id="7" fill="hold">
+                      <p:stCondLst>
+                        <p:cond delay="indefinite"/>
+                      </p:stCondLst>
+                      <p:childTnLst>
+                        <p:par>
+                          <p:cTn id="8" fill="hold">
+                            <p:stCondLst>
+                              <p:cond delay="0"/>
+                            </p:stCondLst>
+                            <p:childTnLst>
+                              <p:par>
+                                <p:cTn id="9" presetID="1" presetClass="exit" presetSubtype="0" fill="hold" nodeType="clickEffect">
+                                  <p:stCondLst>
+                                    <p:cond delay="0"/>
+                                  </p:stCondLst>
+                                  <p:childTnLst>
+                                    <p:set>
+                                      <p:cBhvr>
+                                        <p:cTn id="10" dur="1" fill="hold">
+                                          <p:stCondLst>
+                                            <p:cond delay="0"/>
+                                          </p:stCondLst>
+                                        </p:cTn>
+                                        <p:tgtEl>
+                                          <p:spTgt spid="4"/>
+                                        </p:tgtEl>
+                                        <p:attrNameLst>
+                                          <p:attrName>style.visibility</p:attrName>
+                                        </p:attrNameLst>
+                                      </p:cBhvr>
+                                      <p:to>
+                                        <p:strVal val="hidden"/>
+                                      </p:to>
+                                    </p:set>
+                                  </p:childTnLst>
+                                </p:cTn>
+                              </p:par>
+                            </p:childTnLst>
+                          </p:cTn>
+                        </p:par>
+                      </p:childTnLst>
+                    </p:cTn>
+                  </p:par>
+                  <p:par>
+                    <p:cTn id="11" fill="hold">
+                      <p:stCondLst>
+                        <p:cond delay="indefinite"/>
+                      </p:stCondLst>
+                      <p:childTnLst>
+                        <p:par>
+                          <p:cTn id="12" fill="hold">
+                            <p:stCondLst>
+                              <p:cond delay="0"/>
+                            </p:stCondLst>
+                            <p:childTnLst>
+                              <p:par>
+                                <p:cTn id="13" presetID="1" presetClass="entr" presetSubtype="0" fill="hold" nodeType="clickEffect">
+                                  <p:stCondLst>
+                                    <p:cond delay="0"/>
+                                  </p:stCondLst>
+                                  <p:childTnLst>
+                                    <p:set>
+                                      <p:cBhvr>
+                                        <p:cTn id="14" dur="1" fill="hold">
+                                          <p:stCondLst>
+                                            <p:cond delay="0"/>
+                                          </p:stCondLst>
+                                        </p:cTn>
+                                        <p:tgtEl>
+                                          <p:spTgt spid="5"/>
+                                        </p:tgtEl>
+                                        <p:attrNameLst>
+                                          <p:attrName>style.visibility</p:attrName>
+                                        </p:attrNameLst>
+                                      </p:cBhvr>
+                                      <p:to>
+                                        <p:strVal val="visible"/>
+                                      </p:to>
+                                    </p:set>
+                                  </p:childTnLst>
+                                </p:cTn>
+                              </p:par>
+                            </p:childTnLst>
+                          </p:cTn>
+                        </p:par>
+                      </p:childTnLst>
+                    </p:cTn>
+                  </p:par>
+                  <p:par>
+                    <p:cTn id="15" fill="hold">
+                      <p:stCondLst>
+                        <p:cond delay="indefinite"/>
+                      </p:stCondLst>
+                      <p:childTnLst>
+                        <p:par>
+                          <p:cTn id="16" fill="hold">
+                            <p:stCondLst>
+                              <p:cond delay="0"/>
+                            </p:stCondLst>
+                            <p:childTnLst>
+                              <p:par>
+                                <p:cTn id="17" presetID="1" presetClass="exit" presetSubtype="0" fill="hold" nodeType="clickEffect">
+                                  <p:stCondLst>
+                                    <p:cond delay="0"/>
+                                  </p:stCondLst>
+                                  <p:childTnLst>
+                                    <p:set>
+                                      <p:cBhvr>
+                                        <p:cTn id="18" dur="1" fill="hold">
+                                          <p:stCondLst>
+                                            <p:cond delay="0"/>
+                                          </p:stCondLst>
+                                        </p:cTn>
+                                        <p:tgtEl>
+                                          <p:spTgt spid="5"/>
+                                        </p:tgtEl>
+                                        <p:attrNameLst>
+                                          <p:attrName>style.visibility</p:attrName>
+                                        </p:attrNameLst>
+                                      </p:cBhvr>
+                                      <p:to>
+                                        <p:strVal val="hidden"/>
+                                      </p:to>
+                                    </p:set>
+                                  </p:childTnLst>
+                                </p:cTn>
+                              </p:par>
+                            </p:childTnLst>
+                          </p:cTn>
+                        </p:par>
+                      </p:childTnLst>
+                    </p:cTn>
+                  </p:par>
+                  <p:par>
+                    <p:cTn id="19" fill="hold">
+                      <p:stCondLst>
+                        <p:cond delay="indefinite"/>
+                      </p:stCondLst>
+                      <p:childTnLst>
+                        <p:par>
+                          <p:cTn id="20" fill="hold">
+                            <p:stCondLst>
+                              <p:cond delay="0"/>
+                            </p:stCondLst>
+                            <p:childTnLst>
+                              <p:par>
+                                <p:cTn id="21" presetID="1" presetClass="entr" presetSubtype="0" fill="hold" nodeType="clickEffect">
+                                  <p:stCondLst>
+                                    <p:cond delay="0"/>
+                                  </p:stCondLst>
+                                  <p:childTnLst>
+                                    <p:set>
+                                      <p:cBhvr>
+                                        <p:cTn id="22" dur="1" fill="hold">
+                                          <p:stCondLst>
+                                            <p:cond delay="0"/>
+                                          </p:stCondLst>
+                                        </p:cTn>
+                                        <p:tgtEl>
+                                          <p:spTgt spid="6"/>
+                                        </p:tgtEl>
+                                        <p:attrNameLst>
+                                          <p:attrName>style.visibility</p:attrName>
+                                        </p:attrNameLst>
+                                      </p:cBhvr>
+                                      <p:to>
+                                        <p:strVal val="visible"/>
+                                      </p:to>
+                                    </p:set>
+                                  </p:childTnLst>
+                                </p:cTn>
+                              </p:par>
+                            </p:childTnLst>
+                          </p:cTn>
+                        </p:par>
+                      </p:childTnLst>
+                    </p:cTn>
+                  </p:par>
+                  <p:par>
+                    <p:cTn id="23" fill="hold">
+                      <p:stCondLst>
+                        <p:cond delay="indefinite"/>
+                      </p:stCondLst>
+                      <p:childTnLst>
+                        <p:par>
+                          <p:cTn id="24" fill="hold">
+                            <p:stCondLst>
+                              <p:cond delay="0"/>
+                            </p:stCondLst>
+                            <p:childTnLst>
+                              <p:par>
+                                <p:cTn id="25" presetID="1" presetClass="exit" presetSubtype="0" fill="hold" nodeType="clickEffect">
+                                  <p:stCondLst>
+                                    <p:cond delay="0"/>
+                                  </p:stCondLst>
+                                  <p:childTnLst>
+                                    <p:set>
+                                      <p:cBhvr>
+                                        <p:cTn id="26" dur="1" fill="hold">
+                                          <p:stCondLst>
+                                            <p:cond delay="0"/>
+                                          </p:stCondLst>
+                                        </p:cTn>
+                                        <p:tgtEl>
+                                          <p:spTgt spid="6"/>
+                                        </p:tgtEl>
+                                        <p:attrNameLst>
+                                          <p:attrName>style.visibility</p:attrName>
+                                        </p:attrNameLst>
+                                      </p:cBhvr>
+                                      <p:to>
+                                        <p:strVal val="hidden"/>
+                                      </p:to>
+                                    </p:set>
+                                  </p:childTnLst>
+                                </p:cTn>
+                              </p:par>
+                            </p:childTnLst>
+                          </p:cTn>
+                        </p:par>
+                      </p:childTnLst>
+                    </p:cTn>
+                  </p:par>
+                </p:childTnLst>
+              </p:cTn>
+              <p:prevCondLst>
+                <p:cond evt="onPrev" delay="0">
+                  <p:tgtEl>
+                    <p:sldTgt/>
+                  </p:tgtEl>
+                </p:cond>
+              </p:prevCondLst>
+              <p:nextCondLst>
+                <p:cond evt="onNext" delay="0">
+                  <p:tgtEl>
+                    <p:sldTgt/>
+                  </p:tgtEl>
+                </p:cond>
+              </p:nextCondLst>
+            </p:seq>
+          </p:childTnLst>
+        </p:cTn>
+      </p:par>
+    </p:tnLst>
+  </p:timing>
 </p:sld>
 </file>
 
@@ -6111,13 +6531,7 @@
       </p:grpSpPr>
       <p:sp>
         <p:nvSpPr>
-          <p:cNvPr id="2" name="Title 1">
-            <a:extLst>
-              <a:ext uri="{FF2B5EF4-FFF2-40B4-BE49-F238E27FC236}">
-                <a16:creationId xmlns:a16="http://schemas.microsoft.com/office/drawing/2014/main" id="{92CD0742-B5F9-4E3F-ADBE-319EA4821F54}"/>
-              </a:ext>
-            </a:extLst>
-          </p:cNvPr>
+          <p:cNvPr id="2" name="Title 1"/>
           <p:cNvSpPr>
             <a:spLocks noGrp="1"/>
           </p:cNvSpPr>
@@ -6132,15 +6546,7 @@
           <a:p>
             <a:r>
               <a:rPr lang="zh-CN" altLang="en-US" dirty="0"/>
-              <a:t>每发出</a:t>
-            </a:r>
-            <a:r>
-              <a:rPr lang="en-US" altLang="zh-CN" dirty="0"/>
-              <a:t>/</a:t>
-            </a:r>
-            <a:r>
-              <a:rPr lang="zh-CN" altLang="en-US" dirty="0"/>
-              <a:t>收到一个包的更新步骤</a:t>
+              <a:t>遇到的困难</a:t>
             </a:r>
             <a:endParaRPr lang="en-MY" dirty="0"/>
           </a:p>
@@ -6148,13 +6554,7 @@
       </p:sp>
       <p:sp>
         <p:nvSpPr>
-          <p:cNvPr id="3" name="Content Placeholder 2">
-            <a:extLst>
-              <a:ext uri="{FF2B5EF4-FFF2-40B4-BE49-F238E27FC236}">
-                <a16:creationId xmlns:a16="http://schemas.microsoft.com/office/drawing/2014/main" id="{60597B68-046E-471A-978A-9BE7828B8C92}"/>
-              </a:ext>
-            </a:extLst>
-          </p:cNvPr>
+          <p:cNvPr id="3" name="Content Placeholder 2"/>
           <p:cNvSpPr>
             <a:spLocks noGrp="1"/>
           </p:cNvSpPr>
@@ -6162,88 +6562,67 @@
             <p:ph idx="1"/>
           </p:nvPr>
         </p:nvSpPr>
-        <p:spPr>
-          <a:xfrm>
-            <a:off x="677334" y="1501629"/>
-            <a:ext cx="8596668" cy="4539733"/>
-          </a:xfrm>
-        </p:spPr>
-        <p:txBody>
-          <a:bodyPr>
-            <a:noAutofit/>
-          </a:bodyPr>
+        <p:spPr/>
+        <p:txBody>
+          <a:bodyPr/>
           <a:lstStyle/>
           <a:p>
-            <a:pPr>
-              <a:buFont typeface="+mj-lt"/>
-              <a:buAutoNum type="arabicPeriod"/>
-            </a:pPr>
-            <a:r>
-              <a:rPr lang="zh-CN" sz="1600" dirty="0">
-                <a:effectLst/>
-                <a:latin typeface="+mn-ea"/>
-                <a:cs typeface="Times New Roman" panose="02020603050405020304" pitchFamily="18" charset="0"/>
-              </a:rPr>
-              <a:t>查找通讯</a:t>
-            </a:r>
-            <a:r>
-              <a:rPr lang="en-US" altLang="zh-CN" sz="1600" dirty="0">
-                <a:latin typeface="+mn-ea"/>
-                <a:cs typeface="Times New Roman" panose="02020603050405020304" pitchFamily="18" charset="0"/>
+            <a:r>
+              <a:rPr lang="zh-CN" altLang="en-US" sz="2400" dirty="0">
+                <a:latin typeface="+mn-ea"/>
+              </a:rPr>
+              <a:t>抓到的</a:t>
+            </a:r>
+            <a:r>
+              <a:rPr lang="en-MY" altLang="zh-CN" sz="2400" dirty="0">
+                <a:latin typeface="+mn-ea"/>
+              </a:rPr>
+              <a:t>TCP</a:t>
+            </a:r>
+            <a:r>
+              <a:rPr lang="zh-CN" altLang="en-US" sz="2400" dirty="0">
+                <a:latin typeface="+mn-ea"/>
+              </a:rPr>
+              <a:t>包杂乱无章</a:t>
+            </a:r>
+            <a:endParaRPr lang="en-MY" altLang="zh-CN" sz="2400" dirty="0">
+              <a:latin typeface="+mn-ea"/>
+            </a:endParaRPr>
+          </a:p>
+          <a:p>
+            <a:pPr lvl="1"/>
+            <a:r>
+              <a:rPr lang="zh-CN" altLang="en-US" sz="2400" dirty="0">
+                <a:latin typeface="+mn-ea"/>
+              </a:rPr>
+              <a:t>原因：同时和不同</a:t>
+            </a:r>
+            <a:r>
+              <a:rPr lang="en-MY" altLang="zh-CN" sz="2400" dirty="0">
+                <a:latin typeface="+mn-ea"/>
               </a:rPr>
               <a:t>IP</a:t>
             </a:r>
             <a:r>
-              <a:rPr lang="en-US" sz="1600" dirty="0">
-                <a:effectLst/>
-                <a:latin typeface="+mn-ea"/>
-                <a:cs typeface="Times New Roman" panose="02020603050405020304" pitchFamily="18" charset="0"/>
-              </a:rPr>
-              <a:t> </a:t>
-            </a:r>
-          </a:p>
-          <a:p>
-            <a:pPr lvl="1"/>
-            <a:r>
-              <a:rPr lang="zh-CN" altLang="en-US" dirty="0">
-                <a:effectLst/>
-                <a:latin typeface="+mn-ea"/>
-                <a:cs typeface="Times New Roman" panose="02020603050405020304" pitchFamily="18" charset="0"/>
-              </a:rPr>
-              <a:t>遍历</a:t>
-            </a:r>
-            <a:r>
-              <a:rPr lang="zh-CN" dirty="0">
-                <a:effectLst/>
-                <a:latin typeface="+mn-ea"/>
-                <a:cs typeface="Times New Roman" panose="02020603050405020304" pitchFamily="18" charset="0"/>
-              </a:rPr>
-              <a:t>查找通讯</a:t>
-            </a:r>
-            <a:r>
-              <a:rPr lang="en-US" altLang="zh-CN" dirty="0">
-                <a:latin typeface="+mn-ea"/>
-                <a:cs typeface="Times New Roman" panose="02020603050405020304" pitchFamily="18" charset="0"/>
-              </a:rPr>
-              <a:t>IP</a:t>
-            </a:r>
-            <a:r>
-              <a:rPr lang="zh-CN" dirty="0">
-                <a:effectLst/>
-                <a:latin typeface="+mn-ea"/>
-                <a:cs typeface="Times New Roman" panose="02020603050405020304" pitchFamily="18" charset="0"/>
-              </a:rPr>
-              <a:t>是否已经被储存</a:t>
-            </a:r>
-            <a:r>
-              <a:rPr lang="zh-CN" altLang="en-US" dirty="0">
-                <a:effectLst/>
-                <a:latin typeface="+mn-ea"/>
-                <a:cs typeface="Times New Roman" panose="02020603050405020304" pitchFamily="18" charset="0"/>
-              </a:rPr>
-              <a:t>。</a:t>
-            </a:r>
-            <a:endParaRPr lang="en-MY" altLang="zh-CN" dirty="0">
+              <a:rPr lang="zh-CN" altLang="en-US" sz="2400" dirty="0">
+                <a:latin typeface="+mn-ea"/>
+              </a:rPr>
+              <a:t>通讯，导致相邻包的通讯对象不一样</a:t>
+            </a:r>
+            <a:endParaRPr lang="en-MY" altLang="zh-CN" sz="2400" dirty="0">
+              <a:latin typeface="+mn-ea"/>
+            </a:endParaRPr>
+          </a:p>
+          <a:p>
+            <a:r>
+              <a:rPr lang="zh-CN" sz="2400" dirty="0">
+                <a:effectLst/>
+                <a:latin typeface="+mn-ea"/>
+                <a:cs typeface="Times New Roman" panose="02020603050405020304" pitchFamily="18" charset="0"/>
+              </a:rPr>
+              <a:t>判断一个包到底是本机向外发送的还是本机接收的</a:t>
+            </a:r>
+            <a:endParaRPr lang="en-MY" altLang="zh-CN" sz="2400" dirty="0">
               <a:effectLst/>
               <a:latin typeface="+mn-ea"/>
               <a:cs typeface="Times New Roman" panose="02020603050405020304" pitchFamily="18" charset="0"/>
@@ -6252,59 +6631,74 @@
           <a:p>
             <a:pPr lvl="1"/>
             <a:r>
-              <a:rPr lang="zh-CN" altLang="en-US" dirty="0">
-                <a:latin typeface="+mn-ea"/>
-                <a:cs typeface="Times New Roman" panose="02020603050405020304" pitchFamily="18" charset="0"/>
-              </a:rPr>
-              <a:t>未储存</a:t>
-            </a:r>
-            <a:r>
-              <a:rPr lang="zh-CN" altLang="en-US" dirty="0">
-                <a:effectLst/>
-                <a:latin typeface="+mn-ea"/>
-                <a:cs typeface="Times New Roman" panose="02020603050405020304" pitchFamily="18" charset="0"/>
-              </a:rPr>
-              <a:t>：</a:t>
-            </a:r>
-            <a:r>
-              <a:rPr lang="zh-CN" dirty="0">
-                <a:effectLst/>
-                <a:latin typeface="+mn-ea"/>
-                <a:cs typeface="Times New Roman" panose="02020603050405020304" pitchFamily="18" charset="0"/>
-              </a:rPr>
-              <a:t>则在数组尾部新增</a:t>
-            </a:r>
-            <a:r>
-              <a:rPr lang="en-US" altLang="zh-CN" dirty="0">
-                <a:latin typeface="+mn-ea"/>
-                <a:cs typeface="Times New Roman" panose="02020603050405020304" pitchFamily="18" charset="0"/>
-              </a:rPr>
-              <a:t>IP</a:t>
-            </a:r>
-            <a:r>
-              <a:rPr lang="zh-CN" dirty="0">
-                <a:effectLst/>
-                <a:latin typeface="+mn-ea"/>
-                <a:cs typeface="Times New Roman" panose="02020603050405020304" pitchFamily="18" charset="0"/>
-              </a:rPr>
-              <a:t>为通讯</a:t>
-            </a:r>
-            <a:r>
-              <a:rPr lang="en-US" altLang="zh-CN" dirty="0">
-                <a:latin typeface="+mn-ea"/>
-                <a:cs typeface="Times New Roman" panose="02020603050405020304" pitchFamily="18" charset="0"/>
-              </a:rPr>
-              <a:t>IP</a:t>
-            </a:r>
-            <a:r>
-              <a:rPr lang="zh-CN" dirty="0">
-                <a:effectLst/>
-                <a:latin typeface="+mn-ea"/>
-                <a:cs typeface="Times New Roman" panose="02020603050405020304" pitchFamily="18" charset="0"/>
-              </a:rPr>
-              <a:t>，并更新该元素；</a:t>
-            </a:r>
-            <a:endParaRPr lang="en-MY" altLang="zh-CN" dirty="0">
+              <a:rPr lang="zh-CN" altLang="en-US" sz="2400" dirty="0">
+                <a:latin typeface="+mn-ea"/>
+                <a:cs typeface="Times New Roman" panose="02020603050405020304" pitchFamily="18" charset="0"/>
+              </a:rPr>
+              <a:t>解决方法：查</a:t>
+            </a:r>
+            <a:r>
+              <a:rPr lang="en-MY" altLang="zh-CN" sz="2400" dirty="0">
+                <a:latin typeface="+mn-ea"/>
+                <a:cs typeface="Times New Roman" panose="02020603050405020304" pitchFamily="18" charset="0"/>
+              </a:rPr>
+              <a:t>source IP</a:t>
+            </a:r>
+            <a:endParaRPr lang="en-MY" altLang="zh-CN" sz="2400" dirty="0">
+              <a:latin typeface="+mn-ea"/>
+              <a:cs typeface="Times New Roman" panose="02020603050405020304" pitchFamily="18" charset="0"/>
+            </a:endParaRPr>
+          </a:p>
+          <a:p>
+            <a:r>
+              <a:rPr lang="zh-CN" sz="2400" dirty="0">
+                <a:effectLst/>
+                <a:latin typeface="+mn-ea"/>
+                <a:cs typeface="Times New Roman" panose="02020603050405020304" pitchFamily="18" charset="0"/>
+              </a:rPr>
+              <a:t>怎么在</a:t>
+            </a:r>
+            <a:r>
+              <a:rPr lang="zh-CN" altLang="en-US" sz="2400" dirty="0">
+                <a:effectLst/>
+                <a:latin typeface="+mn-ea"/>
+                <a:cs typeface="Times New Roman" panose="02020603050405020304" pitchFamily="18" charset="0"/>
+              </a:rPr>
+              <a:t>杂乱</a:t>
+            </a:r>
+            <a:r>
+              <a:rPr lang="zh-CN" sz="2400" dirty="0">
+                <a:effectLst/>
+                <a:latin typeface="+mn-ea"/>
+                <a:cs typeface="Times New Roman" panose="02020603050405020304" pitchFamily="18" charset="0"/>
+              </a:rPr>
+              <a:t>的</a:t>
+            </a:r>
+            <a:r>
+              <a:rPr lang="en-MY" altLang="zh-CN" sz="2400" dirty="0">
+                <a:effectLst/>
+                <a:latin typeface="+mn-ea"/>
+                <a:cs typeface="Times New Roman" panose="02020603050405020304" pitchFamily="18" charset="0"/>
+              </a:rPr>
+              <a:t>TCP</a:t>
+            </a:r>
+            <a:r>
+              <a:rPr lang="zh-CN" sz="2400" dirty="0">
+                <a:effectLst/>
+                <a:latin typeface="+mn-ea"/>
+                <a:cs typeface="Times New Roman" panose="02020603050405020304" pitchFamily="18" charset="0"/>
+              </a:rPr>
+              <a:t>包中找到状态需要比较的对应的两个包</a:t>
+            </a:r>
+            <a:r>
+              <a:rPr lang="zh-CN" altLang="en-US" sz="2400" dirty="0">
+                <a:effectLst/>
+                <a:latin typeface="+mn-ea"/>
+                <a:cs typeface="Times New Roman" panose="02020603050405020304" pitchFamily="18" charset="0"/>
+              </a:rPr>
+              <a:t>（接收包与发出包）</a:t>
+            </a:r>
+            <a:endParaRPr lang="en-MY" altLang="zh-CN" sz="2400" dirty="0">
               <a:effectLst/>
               <a:latin typeface="+mn-ea"/>
               <a:cs typeface="Times New Roman" panose="02020603050405020304" pitchFamily="18" charset="0"/>
@@ -6313,492 +6707,49 @@
           <a:p>
             <a:pPr lvl="1"/>
             <a:r>
-              <a:rPr lang="zh-CN" altLang="en-US" dirty="0">
-                <a:effectLst/>
-                <a:latin typeface="+mn-ea"/>
-                <a:cs typeface="Times New Roman" panose="02020603050405020304" pitchFamily="18" charset="0"/>
-              </a:rPr>
-              <a:t>已储存：</a:t>
-            </a:r>
-            <a:r>
-              <a:rPr lang="zh-CN" dirty="0">
-                <a:effectLst/>
-                <a:latin typeface="+mn-ea"/>
-                <a:cs typeface="Times New Roman" panose="02020603050405020304" pitchFamily="18" charset="0"/>
-              </a:rPr>
-              <a:t>则更新数组该元素</a:t>
-            </a:r>
-            <a:r>
-              <a:rPr lang="zh-CN" altLang="en-US" dirty="0">
-                <a:effectLst/>
-                <a:latin typeface="+mn-ea"/>
-                <a:cs typeface="Times New Roman" panose="02020603050405020304" pitchFamily="18" charset="0"/>
-              </a:rPr>
-              <a:t>。</a:t>
-            </a:r>
-            <a:endParaRPr lang="en-MY" altLang="zh-CN" dirty="0">
+              <a:rPr lang="zh-CN" altLang="en-US" sz="2400" dirty="0">
+                <a:latin typeface="+mn-ea"/>
+                <a:cs typeface="Times New Roman" panose="02020603050405020304" pitchFamily="18" charset="0"/>
+              </a:rPr>
+              <a:t>初始解决方法：</a:t>
+            </a:r>
+            <a:r>
+              <a:rPr lang="zh-CN" sz="2400" dirty="0">
+                <a:effectLst/>
+                <a:latin typeface="+mn-ea"/>
+                <a:cs typeface="Times New Roman" panose="02020603050405020304" pitchFamily="18" charset="0"/>
+              </a:rPr>
+              <a:t>用过滤表达式过滤抓到的包，单独判断</a:t>
+            </a:r>
+            <a:r>
+              <a:rPr lang="zh-CN" altLang="en-US" sz="2400" dirty="0">
+                <a:effectLst/>
+                <a:latin typeface="+mn-ea"/>
+                <a:cs typeface="Times New Roman" panose="02020603050405020304" pitchFamily="18" charset="0"/>
+              </a:rPr>
+              <a:t>与</a:t>
+            </a:r>
+            <a:r>
+              <a:rPr lang="zh-CN" sz="2400" dirty="0">
+                <a:effectLst/>
+                <a:latin typeface="+mn-ea"/>
+                <a:cs typeface="Times New Roman" panose="02020603050405020304" pitchFamily="18" charset="0"/>
+              </a:rPr>
+              <a:t>某个地址之间的通讯是否受到攻击</a:t>
+            </a:r>
+            <a:endParaRPr lang="en-MY" altLang="zh-CN" sz="2400" dirty="0">
               <a:effectLst/>
               <a:latin typeface="+mn-ea"/>
               <a:cs typeface="Times New Roman" panose="02020603050405020304" pitchFamily="18" charset="0"/>
             </a:endParaRPr>
           </a:p>
           <a:p>
-            <a:pPr marL="457200" indent="-457200">
-              <a:buFont typeface="+mj-lt"/>
-              <a:buAutoNum type="arabicPeriod"/>
-            </a:pPr>
-            <a:r>
-              <a:rPr lang="zh-CN" sz="1600" dirty="0">
-                <a:effectLst/>
-                <a:latin typeface="+mn-ea"/>
-                <a:cs typeface="Times New Roman" panose="02020603050405020304" pitchFamily="18" charset="0"/>
-              </a:rPr>
-              <a:t>更新数组元素 </a:t>
-            </a:r>
-            <a:endParaRPr lang="en-MY" altLang="zh-CN" sz="1600" dirty="0">
-              <a:effectLst/>
-              <a:latin typeface="+mn-ea"/>
-              <a:cs typeface="Times New Roman" panose="02020603050405020304" pitchFamily="18" charset="0"/>
-            </a:endParaRPr>
-          </a:p>
-          <a:p>
             <a:pPr lvl="1"/>
-            <a:r>
-              <a:rPr lang="zh-CN" dirty="0">
-                <a:effectLst/>
-                <a:latin typeface="+mn-ea"/>
-                <a:cs typeface="Times New Roman" panose="02020603050405020304" pitchFamily="18" charset="0"/>
-              </a:rPr>
-              <a:t>首先判断该包是本机发送的包还是收到的包</a:t>
-            </a:r>
-            <a:r>
-              <a:rPr lang="zh-CN" altLang="en-US" dirty="0">
-                <a:effectLst/>
-                <a:latin typeface="+mn-ea"/>
-                <a:cs typeface="Times New Roman" panose="02020603050405020304" pitchFamily="18" charset="0"/>
-              </a:rPr>
-              <a:t>。</a:t>
-            </a:r>
-            <a:endParaRPr lang="en-MY" altLang="zh-CN" dirty="0">
-              <a:effectLst/>
-              <a:latin typeface="+mn-ea"/>
-              <a:cs typeface="Times New Roman" panose="02020603050405020304" pitchFamily="18" charset="0"/>
-            </a:endParaRPr>
-          </a:p>
-          <a:p>
-            <a:pPr lvl="1"/>
-            <a:r>
-              <a:rPr lang="zh-CN" dirty="0">
-                <a:effectLst/>
-                <a:latin typeface="+mn-ea"/>
-                <a:cs typeface="Times New Roman" panose="02020603050405020304" pitchFamily="18" charset="0"/>
-              </a:rPr>
-              <a:t>发送包</a:t>
-            </a:r>
-            <a:r>
-              <a:rPr lang="zh-CN" altLang="en-US" dirty="0">
-                <a:effectLst/>
-                <a:latin typeface="+mn-ea"/>
-                <a:cs typeface="Times New Roman" panose="02020603050405020304" pitchFamily="18" charset="0"/>
-              </a:rPr>
-              <a:t>：</a:t>
-            </a:r>
-            <a:r>
-              <a:rPr lang="zh-CN" dirty="0">
-                <a:effectLst/>
-                <a:latin typeface="+mn-ea"/>
-                <a:cs typeface="Times New Roman" panose="02020603050405020304" pitchFamily="18" charset="0"/>
-              </a:rPr>
-              <a:t>用</a:t>
-            </a:r>
-            <a:r>
-              <a:rPr lang="en-US" dirty="0">
-                <a:effectLst/>
-                <a:latin typeface="+mn-ea"/>
-                <a:cs typeface="Times New Roman" panose="02020603050405020304" pitchFamily="18" charset="0"/>
-              </a:rPr>
-              <a:t>ack</a:t>
-            </a:r>
-            <a:r>
-              <a:rPr lang="zh-CN" dirty="0">
-                <a:effectLst/>
-                <a:latin typeface="+mn-ea"/>
-                <a:cs typeface="Times New Roman" panose="02020603050405020304" pitchFamily="18" charset="0"/>
-              </a:rPr>
-              <a:t>，</a:t>
-            </a:r>
-            <a:r>
-              <a:rPr lang="en-US" dirty="0">
-                <a:effectLst/>
-                <a:latin typeface="+mn-ea"/>
-                <a:cs typeface="Times New Roman" panose="02020603050405020304" pitchFamily="18" charset="0"/>
-              </a:rPr>
-              <a:t>seq</a:t>
-            </a:r>
-            <a:r>
-              <a:rPr lang="zh-CN" dirty="0">
-                <a:effectLst/>
-                <a:latin typeface="+mn-ea"/>
-                <a:cs typeface="Times New Roman" panose="02020603050405020304" pitchFamily="18" charset="0"/>
-              </a:rPr>
-              <a:t>的值更新</a:t>
-            </a:r>
-            <a:r>
-              <a:rPr lang="en-US" dirty="0" err="1">
-                <a:effectLst/>
-                <a:latin typeface="+mn-ea"/>
-                <a:cs typeface="Times New Roman" panose="02020603050405020304" pitchFamily="18" charset="0"/>
-              </a:rPr>
-              <a:t>send_packet_ack</a:t>
-            </a:r>
-            <a:r>
-              <a:rPr lang="zh-CN" dirty="0">
-                <a:effectLst/>
-                <a:latin typeface="+mn-ea"/>
-                <a:cs typeface="Times New Roman" panose="02020603050405020304" pitchFamily="18" charset="0"/>
-              </a:rPr>
-              <a:t>与</a:t>
-            </a:r>
-            <a:r>
-              <a:rPr lang="en-US" dirty="0" err="1">
-                <a:effectLst/>
-                <a:latin typeface="+mn-ea"/>
-                <a:cs typeface="Times New Roman" panose="02020603050405020304" pitchFamily="18" charset="0"/>
-              </a:rPr>
-              <a:t>send_packet_seq</a:t>
-            </a:r>
-            <a:r>
-              <a:rPr lang="zh-CN" altLang="en-US" dirty="0">
-                <a:effectLst/>
-                <a:latin typeface="+mn-ea"/>
-                <a:cs typeface="Times New Roman" panose="02020603050405020304" pitchFamily="18" charset="0"/>
-              </a:rPr>
-              <a:t>；</a:t>
-            </a:r>
-            <a:endParaRPr lang="en-MY" altLang="zh-CN" dirty="0">
-              <a:effectLst/>
-              <a:latin typeface="+mn-ea"/>
-              <a:cs typeface="Times New Roman" panose="02020603050405020304" pitchFamily="18" charset="0"/>
-            </a:endParaRPr>
-          </a:p>
-          <a:p>
-            <a:pPr lvl="1"/>
-            <a:r>
-              <a:rPr lang="zh-CN" altLang="en-US" dirty="0">
-                <a:latin typeface="+mn-ea"/>
-                <a:cs typeface="Times New Roman" panose="02020603050405020304" pitchFamily="18" charset="0"/>
-              </a:rPr>
-              <a:t>接收</a:t>
-            </a:r>
-            <a:r>
-              <a:rPr lang="zh-CN" dirty="0">
-                <a:effectLst/>
-                <a:latin typeface="+mn-ea"/>
-                <a:cs typeface="Times New Roman" panose="02020603050405020304" pitchFamily="18" charset="0"/>
-              </a:rPr>
-              <a:t>包，用</a:t>
-            </a:r>
-            <a:r>
-              <a:rPr lang="en-US" dirty="0">
-                <a:effectLst/>
-                <a:latin typeface="+mn-ea"/>
-                <a:cs typeface="Times New Roman" panose="02020603050405020304" pitchFamily="18" charset="0"/>
-              </a:rPr>
-              <a:t>ack</a:t>
-            </a:r>
-            <a:r>
-              <a:rPr lang="zh-CN" dirty="0">
-                <a:effectLst/>
-                <a:latin typeface="+mn-ea"/>
-                <a:cs typeface="Times New Roman" panose="02020603050405020304" pitchFamily="18" charset="0"/>
-              </a:rPr>
-              <a:t>，</a:t>
-            </a:r>
-            <a:r>
-              <a:rPr lang="en-US" dirty="0">
-                <a:effectLst/>
-                <a:latin typeface="+mn-ea"/>
-                <a:cs typeface="Times New Roman" panose="02020603050405020304" pitchFamily="18" charset="0"/>
-              </a:rPr>
-              <a:t>seq</a:t>
-            </a:r>
-            <a:r>
-              <a:rPr lang="zh-CN" dirty="0">
-                <a:effectLst/>
-                <a:latin typeface="+mn-ea"/>
-                <a:cs typeface="Times New Roman" panose="02020603050405020304" pitchFamily="18" charset="0"/>
-              </a:rPr>
-              <a:t>的值</a:t>
-            </a:r>
-            <a:r>
-              <a:rPr lang="zh-CN" altLang="en-US" dirty="0">
-                <a:effectLst/>
-                <a:latin typeface="+mn-ea"/>
-                <a:cs typeface="Times New Roman" panose="02020603050405020304" pitchFamily="18" charset="0"/>
-              </a:rPr>
-              <a:t>更新</a:t>
-            </a:r>
-            <a:r>
-              <a:rPr lang="en-US" dirty="0" err="1">
-                <a:effectLst/>
-                <a:latin typeface="+mn-ea"/>
-                <a:cs typeface="Times New Roman" panose="02020603050405020304" pitchFamily="18" charset="0"/>
-              </a:rPr>
-              <a:t>rcvd_packet_ack</a:t>
-            </a:r>
-            <a:r>
-              <a:rPr lang="zh-CN" dirty="0">
-                <a:effectLst/>
-                <a:latin typeface="+mn-ea"/>
-                <a:cs typeface="Times New Roman" panose="02020603050405020304" pitchFamily="18" charset="0"/>
-              </a:rPr>
-              <a:t>与</a:t>
-            </a:r>
-            <a:r>
-              <a:rPr lang="en-US" dirty="0" err="1">
-                <a:effectLst/>
-                <a:latin typeface="+mn-ea"/>
-                <a:cs typeface="Times New Roman" panose="02020603050405020304" pitchFamily="18" charset="0"/>
-              </a:rPr>
-              <a:t>rcvd_packet_seq</a:t>
-            </a:r>
-            <a:r>
-              <a:rPr lang="zh-CN" altLang="en-US" dirty="0">
-                <a:effectLst/>
-                <a:latin typeface="+mn-ea"/>
-                <a:cs typeface="Times New Roman" panose="02020603050405020304" pitchFamily="18" charset="0"/>
-              </a:rPr>
-              <a:t>。</a:t>
-            </a:r>
-            <a:endParaRPr lang="en-MY" altLang="zh-CN" dirty="0">
-              <a:effectLst/>
-              <a:latin typeface="+mn-ea"/>
-              <a:cs typeface="Times New Roman" panose="02020603050405020304" pitchFamily="18" charset="0"/>
-            </a:endParaRPr>
-          </a:p>
-          <a:p>
-            <a:pPr>
-              <a:buFont typeface="+mj-lt"/>
-              <a:buAutoNum type="arabicPeriod"/>
-            </a:pPr>
-            <a:r>
-              <a:rPr lang="zh-CN" sz="1600" dirty="0">
-                <a:effectLst/>
-                <a:latin typeface="+mn-ea"/>
-                <a:cs typeface="Times New Roman" panose="02020603050405020304" pitchFamily="18" charset="0"/>
-              </a:rPr>
-              <a:t>状态更新 </a:t>
-            </a:r>
-            <a:endParaRPr lang="en-MY" altLang="zh-CN" sz="1600" dirty="0">
-              <a:effectLst/>
-              <a:latin typeface="+mn-ea"/>
-              <a:cs typeface="Times New Roman" panose="02020603050405020304" pitchFamily="18" charset="0"/>
-            </a:endParaRPr>
-          </a:p>
-          <a:p>
-            <a:pPr lvl="1"/>
-            <a:r>
-              <a:rPr lang="zh-CN" dirty="0">
-                <a:effectLst/>
-                <a:latin typeface="+mn-ea"/>
-                <a:cs typeface="Times New Roman" panose="02020603050405020304" pitchFamily="18" charset="0"/>
-              </a:rPr>
-              <a:t>在更新数组元素的同时，判断另外两个元素是否被更新过（</a:t>
-            </a:r>
-            <a:r>
-              <a:rPr lang="zh-CN" altLang="en-US" dirty="0">
-                <a:effectLst/>
-                <a:latin typeface="+mn-ea"/>
-                <a:cs typeface="Times New Roman" panose="02020603050405020304" pitchFamily="18" charset="0"/>
-              </a:rPr>
-              <a:t>发送</a:t>
-            </a:r>
-            <a:r>
-              <a:rPr lang="zh-CN" dirty="0">
-                <a:effectLst/>
-                <a:latin typeface="+mn-ea"/>
-                <a:cs typeface="Times New Roman" panose="02020603050405020304" pitchFamily="18" charset="0"/>
-              </a:rPr>
-              <a:t>包</a:t>
-            </a:r>
-            <a:r>
-              <a:rPr lang="zh-CN" altLang="en-US" dirty="0">
-                <a:effectLst/>
-                <a:latin typeface="+mn-ea"/>
-                <a:cs typeface="Times New Roman" panose="02020603050405020304" pitchFamily="18" charset="0"/>
-              </a:rPr>
-              <a:t>查接收包</a:t>
-            </a:r>
-            <a:r>
-              <a:rPr lang="en-MY" altLang="zh-CN" dirty="0" err="1">
-                <a:effectLst/>
-                <a:latin typeface="+mn-ea"/>
-                <a:cs typeface="Times New Roman" panose="02020603050405020304" pitchFamily="18" charset="0"/>
-              </a:rPr>
-              <a:t>rcvd</a:t>
-            </a:r>
-            <a:r>
-              <a:rPr lang="zh-CN" altLang="en-US" dirty="0">
-                <a:effectLst/>
-                <a:latin typeface="+mn-ea"/>
-                <a:cs typeface="Times New Roman" panose="02020603050405020304" pitchFamily="18" charset="0"/>
-              </a:rPr>
-              <a:t>参数</a:t>
-            </a:r>
-            <a:r>
-              <a:rPr lang="zh-CN" dirty="0">
-                <a:effectLst/>
-                <a:latin typeface="+mn-ea"/>
-                <a:cs typeface="Times New Roman" panose="02020603050405020304" pitchFamily="18" charset="0"/>
-              </a:rPr>
-              <a:t>，</a:t>
-            </a:r>
-            <a:r>
-              <a:rPr lang="en-US" dirty="0">
-                <a:effectLst/>
-                <a:latin typeface="+mn-ea"/>
-                <a:cs typeface="Times New Roman" panose="02020603050405020304" pitchFamily="18" charset="0"/>
-              </a:rPr>
-              <a:t> </a:t>
-            </a:r>
-            <a:r>
-              <a:rPr lang="zh-CN" altLang="en-US" dirty="0">
-                <a:effectLst/>
-                <a:latin typeface="+mn-ea"/>
-                <a:cs typeface="Times New Roman" panose="02020603050405020304" pitchFamily="18" charset="0"/>
-              </a:rPr>
-              <a:t>接收包</a:t>
-            </a:r>
-            <a:r>
-              <a:rPr lang="zh-CN" altLang="en-US" dirty="0">
-                <a:latin typeface="+mn-ea"/>
-                <a:cs typeface="Times New Roman" panose="02020603050405020304" pitchFamily="18" charset="0"/>
-              </a:rPr>
-              <a:t>查</a:t>
-            </a:r>
-            <a:r>
-              <a:rPr lang="en-MY" altLang="zh-CN" dirty="0">
-                <a:latin typeface="+mn-ea"/>
-                <a:cs typeface="Times New Roman" panose="02020603050405020304" pitchFamily="18" charset="0"/>
-              </a:rPr>
-              <a:t>send</a:t>
-            </a:r>
-            <a:r>
-              <a:rPr lang="zh-CN" altLang="en-US" dirty="0">
-                <a:latin typeface="+mn-ea"/>
-                <a:cs typeface="Times New Roman" panose="02020603050405020304" pitchFamily="18" charset="0"/>
-              </a:rPr>
-              <a:t>参数</a:t>
-            </a:r>
-            <a:r>
-              <a:rPr lang="zh-CN" dirty="0">
-                <a:effectLst/>
-                <a:latin typeface="+mn-ea"/>
-                <a:cs typeface="Times New Roman" panose="02020603050405020304" pitchFamily="18" charset="0"/>
-              </a:rPr>
-              <a:t>）</a:t>
-            </a:r>
-            <a:r>
-              <a:rPr lang="zh-CN" altLang="en-US" dirty="0">
-                <a:effectLst/>
-                <a:latin typeface="+mn-ea"/>
-                <a:cs typeface="Times New Roman" panose="02020603050405020304" pitchFamily="18" charset="0"/>
-              </a:rPr>
-              <a:t>。</a:t>
-            </a:r>
-            <a:endParaRPr lang="en-MY" altLang="zh-CN" dirty="0">
-              <a:effectLst/>
-              <a:latin typeface="+mn-ea"/>
-              <a:cs typeface="Times New Roman" panose="02020603050405020304" pitchFamily="18" charset="0"/>
-            </a:endParaRPr>
-          </a:p>
-          <a:p>
-            <a:pPr lvl="1"/>
-            <a:r>
-              <a:rPr lang="zh-CN" dirty="0">
-                <a:effectLst/>
-                <a:latin typeface="+mn-ea"/>
-                <a:cs typeface="Times New Roman" panose="02020603050405020304" pitchFamily="18" charset="0"/>
-              </a:rPr>
-              <a:t>未更新</a:t>
-            </a:r>
-            <a:r>
-              <a:rPr lang="zh-CN" altLang="en-US" dirty="0">
-                <a:effectLst/>
-                <a:latin typeface="+mn-ea"/>
-                <a:cs typeface="Times New Roman" panose="02020603050405020304" pitchFamily="18" charset="0"/>
-              </a:rPr>
-              <a:t>：</a:t>
-            </a:r>
-            <a:r>
-              <a:rPr lang="zh-CN" dirty="0">
-                <a:effectLst/>
-                <a:latin typeface="+mn-ea"/>
-                <a:cs typeface="Times New Roman" panose="02020603050405020304" pitchFamily="18" charset="0"/>
-              </a:rPr>
-              <a:t>不做比较，</a:t>
-            </a:r>
-            <a:endParaRPr lang="en-MY" altLang="zh-CN" dirty="0">
-              <a:effectLst/>
-              <a:latin typeface="+mn-ea"/>
-              <a:cs typeface="Times New Roman" panose="02020603050405020304" pitchFamily="18" charset="0"/>
-            </a:endParaRPr>
-          </a:p>
-          <a:p>
-            <a:pPr lvl="1"/>
-            <a:r>
-              <a:rPr lang="zh-CN" dirty="0">
-                <a:effectLst/>
-                <a:latin typeface="+mn-ea"/>
-                <a:cs typeface="Times New Roman" panose="02020603050405020304" pitchFamily="18" charset="0"/>
-              </a:rPr>
-              <a:t>更新过</a:t>
-            </a:r>
-            <a:r>
-              <a:rPr lang="zh-CN" altLang="en-US" dirty="0">
-                <a:effectLst/>
-                <a:latin typeface="+mn-ea"/>
-                <a:cs typeface="Times New Roman" panose="02020603050405020304" pitchFamily="18" charset="0"/>
-              </a:rPr>
-              <a:t>：</a:t>
-            </a:r>
-            <a:r>
-              <a:rPr lang="zh-CN" dirty="0">
-                <a:effectLst/>
-                <a:latin typeface="+mn-ea"/>
-                <a:cs typeface="Times New Roman" panose="02020603050405020304" pitchFamily="18" charset="0"/>
-              </a:rPr>
-              <a:t>根据状态转换的规则进行比较，并修改</a:t>
-            </a:r>
-            <a:r>
-              <a:rPr lang="en-US" dirty="0">
-                <a:effectLst/>
-                <a:latin typeface="+mn-ea"/>
-                <a:cs typeface="Times New Roman" panose="02020603050405020304" pitchFamily="18" charset="0"/>
-              </a:rPr>
-              <a:t>status</a:t>
-            </a:r>
-            <a:r>
-              <a:rPr lang="zh-CN" dirty="0">
-                <a:effectLst/>
-                <a:latin typeface="+mn-ea"/>
-                <a:cs typeface="Times New Roman" panose="02020603050405020304" pitchFamily="18" charset="0"/>
-              </a:rPr>
-              <a:t>参数进行状态转换</a:t>
-            </a:r>
-            <a:endParaRPr lang="en-MY" dirty="0">
-              <a:latin typeface="+mn-ea"/>
-              <a:cs typeface="Times New Roman" panose="02020603050405020304" pitchFamily="18" charset="0"/>
-            </a:endParaRPr>
+            <a:endParaRPr lang="en-MY" altLang="zh-CN" dirty="0"/>
           </a:p>
         </p:txBody>
       </p:sp>
     </p:spTree>
-    <p:extLst>
-      <p:ext uri="{BB962C8B-B14F-4D97-AF65-F5344CB8AC3E}">
-        <p14:creationId xmlns:p14="http://schemas.microsoft.com/office/powerpoint/2010/main" val="1443457266"/>
-      </p:ext>
-    </p:extLst>
   </p:cSld>
   <p:clrMapOvr>
     <a:masterClrMapping/>
@@ -6825,13 +6776,7 @@
       </p:grpSpPr>
       <p:sp>
         <p:nvSpPr>
-          <p:cNvPr id="2" name="Title 1">
-            <a:extLst>
-              <a:ext uri="{FF2B5EF4-FFF2-40B4-BE49-F238E27FC236}">
-                <a16:creationId xmlns:a16="http://schemas.microsoft.com/office/drawing/2014/main" id="{56F96DC4-1378-47F6-A4E6-DF8C539B84C9}"/>
-              </a:ext>
-            </a:extLst>
-          </p:cNvPr>
+          <p:cNvPr id="2" name="Title 1"/>
           <p:cNvSpPr>
             <a:spLocks noGrp="1"/>
           </p:cNvSpPr>
@@ -6841,62 +6786,85 @@
         </p:nvSpPr>
         <p:spPr/>
         <p:txBody>
-          <a:bodyPr/>
+          <a:bodyPr>
+            <a:normAutofit fontScale="90000"/>
+          </a:bodyPr>
           <a:lstStyle/>
           <a:p>
             <a:r>
-              <a:rPr lang="en-MY" dirty="0"/>
-              <a:t>TCP</a:t>
-            </a:r>
-            <a:r>
               <a:rPr lang="zh-CN" altLang="en-US" dirty="0"/>
-              <a:t>包分析</a:t>
-            </a:r>
+              <a:t>最终采用的解决方法：存储</a:t>
+            </a:r>
+            <a:r>
+              <a:rPr lang="zh-CN" altLang="en-US" sz="3600" dirty="0"/>
+              <a:t>维护一个结构体数组</a:t>
+            </a:r>
+            <a:br>
+              <a:rPr lang="en-MY" altLang="zh-CN" sz="3600" dirty="0"/>
+            </a:br>
             <a:endParaRPr lang="en-MY" dirty="0"/>
+          </a:p>
+        </p:txBody>
+      </p:sp>
+      <p:sp>
+        <p:nvSpPr>
+          <p:cNvPr id="3" name="Content Placeholder 2"/>
+          <p:cNvSpPr>
+            <a:spLocks noGrp="1"/>
+          </p:cNvSpPr>
+          <p:nvPr>
+            <p:ph idx="1"/>
+          </p:nvPr>
+        </p:nvSpPr>
+        <p:spPr/>
+        <p:txBody>
+          <a:bodyPr>
+            <a:normAutofit/>
+          </a:bodyPr>
+          <a:lstStyle/>
+          <a:p>
+            <a:r>
+              <a:rPr lang="zh-CN" altLang="en-US" sz="2800" dirty="0"/>
+              <a:t>结构体定义：</a:t>
+            </a:r>
+            <a:endParaRPr lang="en-MY" sz="2800" dirty="0"/>
           </a:p>
         </p:txBody>
       </p:sp>
       <p:pic>
         <p:nvPicPr>
-          <p:cNvPr id="5" name="Content Placeholder 4">
-            <a:extLst>
-              <a:ext uri="{FF2B5EF4-FFF2-40B4-BE49-F238E27FC236}">
-                <a16:creationId xmlns:a16="http://schemas.microsoft.com/office/drawing/2014/main" id="{DFA3E012-874C-4B3F-8F01-099EACEFFFF2}"/>
-              </a:ext>
-            </a:extLst>
-          </p:cNvPr>
-          <p:cNvPicPr>
-            <a:picLocks noGrp="1" noChangeAspect="1"/>
-          </p:cNvPicPr>
-          <p:nvPr>
-            <p:ph idx="1"/>
-          </p:nvPr>
+          <p:cNvPr id="4" name="图片 1"/>
+          <p:cNvPicPr/>
+          <p:nvPr/>
         </p:nvPicPr>
         <p:blipFill>
-          <a:blip r:embed="rId2">
+          <a:blip r:embed="rId1">
             <a:extLst>
               <a:ext uri="{28A0092B-C50C-407E-A947-70E740481C1C}">
                 <a14:useLocalDpi xmlns:a14="http://schemas.microsoft.com/office/drawing/2010/main" val="0"/>
               </a:ext>
             </a:extLst>
           </a:blip>
+          <a:srcRect/>
           <a:stretch>
             <a:fillRect/>
           </a:stretch>
         </p:blipFill>
-        <p:spPr>
+        <p:spPr bwMode="auto">
           <a:xfrm>
-            <a:off x="677334" y="1342253"/>
-            <a:ext cx="8466666" cy="5434217"/>
+            <a:off x="1223432" y="2834409"/>
+            <a:ext cx="6678997" cy="3297943"/>
           </a:xfrm>
+          <a:prstGeom prst="rect">
+            <a:avLst/>
+          </a:prstGeom>
+          <a:noFill/>
+          <a:ln>
+            <a:noFill/>
+          </a:ln>
         </p:spPr>
       </p:pic>
     </p:spTree>
-    <p:extLst>
-      <p:ext uri="{BB962C8B-B14F-4D97-AF65-F5344CB8AC3E}">
-        <p14:creationId xmlns:p14="http://schemas.microsoft.com/office/powerpoint/2010/main" val="1026050136"/>
-      </p:ext>
-    </p:extLst>
   </p:cSld>
   <p:clrMapOvr>
     <a:masterClrMapping/>
@@ -6923,13 +6891,7 @@
       </p:grpSpPr>
       <p:sp>
         <p:nvSpPr>
-          <p:cNvPr id="2" name="Title 1">
-            <a:extLst>
-              <a:ext uri="{FF2B5EF4-FFF2-40B4-BE49-F238E27FC236}">
-                <a16:creationId xmlns:a16="http://schemas.microsoft.com/office/drawing/2014/main" id="{1B1DE788-0346-474B-B365-7997D29358EF}"/>
-              </a:ext>
-            </a:extLst>
-          </p:cNvPr>
+          <p:cNvPr id="2" name="Title 1"/>
           <p:cNvSpPr>
             <a:spLocks noGrp="1"/>
           </p:cNvSpPr>
@@ -6944,15 +6906,7 @@
           <a:p>
             <a:r>
               <a:rPr lang="zh-CN" altLang="en-US" dirty="0"/>
-              <a:t>过滤后的</a:t>
-            </a:r>
-            <a:r>
-              <a:rPr lang="en-MY" altLang="zh-CN" dirty="0"/>
-              <a:t>TCP</a:t>
-            </a:r>
-            <a:r>
-              <a:rPr lang="zh-CN" altLang="en-US" dirty="0"/>
-              <a:t>包</a:t>
+              <a:t>结构体数组的初始化</a:t>
             </a:r>
             <a:endParaRPr lang="en-MY" dirty="0"/>
           </a:p>
@@ -6960,13 +6914,7 @@
       </p:sp>
       <p:pic>
         <p:nvPicPr>
-          <p:cNvPr id="5" name="Content Placeholder 4">
-            <a:extLst>
-              <a:ext uri="{FF2B5EF4-FFF2-40B4-BE49-F238E27FC236}">
-                <a16:creationId xmlns:a16="http://schemas.microsoft.com/office/drawing/2014/main" id="{F69ADB2E-E45D-4059-8C69-EC2ECBEDD253}"/>
-              </a:ext>
-            </a:extLst>
-          </p:cNvPr>
+          <p:cNvPr id="8" name="Content Placeholder 7"/>
           <p:cNvPicPr>
             <a:picLocks noGrp="1" noChangeAspect="1"/>
           </p:cNvPicPr>
@@ -6975,7 +6923,7 @@
           </p:nvPr>
         </p:nvPicPr>
         <p:blipFill>
-          <a:blip r:embed="rId2">
+          <a:blip r:embed="rId1">
             <a:extLst>
               <a:ext uri="{28A0092B-C50C-407E-A947-70E740481C1C}">
                 <a14:useLocalDpi xmlns:a14="http://schemas.microsoft.com/office/drawing/2010/main" val="0"/>
@@ -6988,17 +6936,12 @@
         </p:blipFill>
         <p:spPr>
           <a:xfrm>
-            <a:off x="830218" y="1430747"/>
-            <a:ext cx="8290899" cy="5079110"/>
+            <a:off x="895990" y="2726422"/>
+            <a:ext cx="8378012" cy="2464121"/>
           </a:xfrm>
         </p:spPr>
       </p:pic>
     </p:spTree>
-    <p:extLst>
-      <p:ext uri="{BB962C8B-B14F-4D97-AF65-F5344CB8AC3E}">
-        <p14:creationId xmlns:p14="http://schemas.microsoft.com/office/powerpoint/2010/main" val="3962095922"/>
-      </p:ext>
-    </p:extLst>
   </p:cSld>
   <p:clrMapOvr>
     <a:masterClrMapping/>
@@ -7025,73 +6968,682 @@
       </p:grpSpPr>
       <p:sp>
         <p:nvSpPr>
-          <p:cNvPr id="2" name="Title 1">
-            <a:extLst>
-              <a:ext uri="{FF2B5EF4-FFF2-40B4-BE49-F238E27FC236}">
-                <a16:creationId xmlns:a16="http://schemas.microsoft.com/office/drawing/2014/main" id="{13EBCDCC-AC0E-4224-98FD-2780A74AE843}"/>
-              </a:ext>
-            </a:extLst>
-          </p:cNvPr>
-          <p:cNvSpPr>
-            <a:spLocks noGrp="1"/>
-          </p:cNvSpPr>
-          <p:nvPr>
-            <p:ph type="ctrTitle"/>
+          <p:cNvPr id="2" name="Title 1"/>
+          <p:cNvSpPr>
+            <a:spLocks noGrp="1"/>
+          </p:cNvSpPr>
+          <p:nvPr>
+            <p:ph type="title"/>
+          </p:nvPr>
+        </p:nvSpPr>
+        <p:spPr/>
+        <p:txBody>
+          <a:bodyPr/>
+          <a:lstStyle/>
+          <a:p>
+            <a:r>
+              <a:rPr lang="zh-CN" altLang="en-US" dirty="0"/>
+              <a:t>每发出</a:t>
+            </a:r>
+            <a:r>
+              <a:rPr lang="en-US" altLang="zh-CN" dirty="0"/>
+              <a:t>/</a:t>
+            </a:r>
+            <a:r>
+              <a:rPr lang="zh-CN" altLang="en-US" dirty="0"/>
+              <a:t>收到一个包的更新步骤</a:t>
+            </a:r>
+            <a:endParaRPr lang="en-MY" dirty="0"/>
+          </a:p>
+        </p:txBody>
+      </p:sp>
+      <p:sp>
+        <p:nvSpPr>
+          <p:cNvPr id="3" name="Content Placeholder 2"/>
+          <p:cNvSpPr>
+            <a:spLocks noGrp="1"/>
+          </p:cNvSpPr>
+          <p:nvPr>
+            <p:ph idx="1"/>
           </p:nvPr>
         </p:nvSpPr>
         <p:spPr>
           <a:xfrm>
-            <a:off x="1507067" y="2404531"/>
-            <a:ext cx="7766936" cy="1646302"/>
+            <a:off x="677334" y="1501629"/>
+            <a:ext cx="8596668" cy="4539733"/>
           </a:xfrm>
         </p:spPr>
         <p:txBody>
-          <a:bodyPr/>
+          <a:bodyPr>
+            <a:noAutofit/>
+          </a:bodyPr>
           <a:lstStyle/>
           <a:p>
-            <a:r>
-              <a:rPr lang="zh-CN" altLang="en-US" sz="4800" dirty="0"/>
-              <a:t>实现</a:t>
-            </a:r>
-            <a:r>
-              <a:rPr lang="en-US" altLang="zh-CN" sz="4800" dirty="0"/>
-              <a:t>ACK Storm</a:t>
-            </a:r>
-            <a:endParaRPr lang="en-MY" sz="4800" dirty="0"/>
-          </a:p>
-        </p:txBody>
-      </p:sp>
-      <p:sp>
-        <p:nvSpPr>
-          <p:cNvPr id="3" name="Subtitle 2">
-            <a:extLst>
-              <a:ext uri="{FF2B5EF4-FFF2-40B4-BE49-F238E27FC236}">
-                <a16:creationId xmlns:a16="http://schemas.microsoft.com/office/drawing/2014/main" id="{C8ACB5B7-FC3C-43ED-BB53-3FBA32F7AAAA}"/>
-              </a:ext>
-            </a:extLst>
-          </p:cNvPr>
-          <p:cNvSpPr>
-            <a:spLocks noGrp="1"/>
-          </p:cNvSpPr>
-          <p:nvPr>
-            <p:ph type="subTitle" idx="1"/>
-          </p:nvPr>
-        </p:nvSpPr>
-        <p:spPr/>
-        <p:txBody>
-          <a:bodyPr/>
-          <a:lstStyle/>
-          <a:p>
-            <a:endParaRPr lang="en-MY" dirty="0"/>
+            <a:pPr>
+              <a:buFont typeface="+mj-lt"/>
+              <a:buAutoNum type="arabicPeriod"/>
+            </a:pPr>
+            <a:r>
+              <a:rPr lang="zh-CN" sz="1600" dirty="0">
+                <a:effectLst/>
+                <a:latin typeface="+mn-ea"/>
+                <a:cs typeface="Times New Roman" panose="02020603050405020304" pitchFamily="18" charset="0"/>
+              </a:rPr>
+              <a:t>查找通讯</a:t>
+            </a:r>
+            <a:r>
+              <a:rPr lang="en-US" altLang="zh-CN" sz="1600" dirty="0">
+                <a:latin typeface="+mn-ea"/>
+                <a:cs typeface="Times New Roman" panose="02020603050405020304" pitchFamily="18" charset="0"/>
+              </a:rPr>
+              <a:t>IP</a:t>
+            </a:r>
+            <a:r>
+              <a:rPr lang="en-US" sz="1600" dirty="0">
+                <a:effectLst/>
+                <a:latin typeface="+mn-ea"/>
+                <a:cs typeface="Times New Roman" panose="02020603050405020304" pitchFamily="18" charset="0"/>
+              </a:rPr>
+              <a:t> </a:t>
+            </a:r>
+            <a:endParaRPr lang="en-US" sz="1600" dirty="0">
+              <a:effectLst/>
+              <a:latin typeface="+mn-ea"/>
+              <a:cs typeface="Times New Roman" panose="02020603050405020304" pitchFamily="18" charset="0"/>
+            </a:endParaRPr>
+          </a:p>
+          <a:p>
+            <a:pPr lvl="1"/>
+            <a:r>
+              <a:rPr lang="zh-CN" altLang="en-US" dirty="0">
+                <a:effectLst/>
+                <a:latin typeface="+mn-ea"/>
+                <a:cs typeface="Times New Roman" panose="02020603050405020304" pitchFamily="18" charset="0"/>
+              </a:rPr>
+              <a:t>遍历</a:t>
+            </a:r>
+            <a:r>
+              <a:rPr lang="zh-CN" dirty="0">
+                <a:effectLst/>
+                <a:latin typeface="+mn-ea"/>
+                <a:cs typeface="Times New Roman" panose="02020603050405020304" pitchFamily="18" charset="0"/>
+              </a:rPr>
+              <a:t>查找通讯</a:t>
+            </a:r>
+            <a:r>
+              <a:rPr lang="en-US" altLang="zh-CN" dirty="0">
+                <a:latin typeface="+mn-ea"/>
+                <a:cs typeface="Times New Roman" panose="02020603050405020304" pitchFamily="18" charset="0"/>
+              </a:rPr>
+              <a:t>IP</a:t>
+            </a:r>
+            <a:r>
+              <a:rPr lang="zh-CN" dirty="0">
+                <a:effectLst/>
+                <a:latin typeface="+mn-ea"/>
+                <a:cs typeface="Times New Roman" panose="02020603050405020304" pitchFamily="18" charset="0"/>
+              </a:rPr>
+              <a:t>是否已经被储存</a:t>
+            </a:r>
+            <a:r>
+              <a:rPr lang="zh-CN" altLang="en-US" dirty="0">
+                <a:effectLst/>
+                <a:latin typeface="+mn-ea"/>
+                <a:cs typeface="Times New Roman" panose="02020603050405020304" pitchFamily="18" charset="0"/>
+              </a:rPr>
+              <a:t>。</a:t>
+            </a:r>
+            <a:endParaRPr lang="en-MY" altLang="zh-CN" dirty="0">
+              <a:effectLst/>
+              <a:latin typeface="+mn-ea"/>
+              <a:cs typeface="Times New Roman" panose="02020603050405020304" pitchFamily="18" charset="0"/>
+            </a:endParaRPr>
+          </a:p>
+          <a:p>
+            <a:pPr lvl="1"/>
+            <a:r>
+              <a:rPr lang="zh-CN" altLang="en-US" dirty="0">
+                <a:latin typeface="+mn-ea"/>
+                <a:cs typeface="Times New Roman" panose="02020603050405020304" pitchFamily="18" charset="0"/>
+              </a:rPr>
+              <a:t>未储存</a:t>
+            </a:r>
+            <a:r>
+              <a:rPr lang="zh-CN" altLang="en-US" dirty="0">
+                <a:effectLst/>
+                <a:latin typeface="+mn-ea"/>
+                <a:cs typeface="Times New Roman" panose="02020603050405020304" pitchFamily="18" charset="0"/>
+              </a:rPr>
+              <a:t>：</a:t>
+            </a:r>
+            <a:r>
+              <a:rPr lang="zh-CN" dirty="0">
+                <a:effectLst/>
+                <a:latin typeface="+mn-ea"/>
+                <a:cs typeface="Times New Roman" panose="02020603050405020304" pitchFamily="18" charset="0"/>
+              </a:rPr>
+              <a:t>则在数组尾部新增</a:t>
+            </a:r>
+            <a:r>
+              <a:rPr lang="en-US" altLang="zh-CN" dirty="0">
+                <a:latin typeface="+mn-ea"/>
+                <a:cs typeface="Times New Roman" panose="02020603050405020304" pitchFamily="18" charset="0"/>
+              </a:rPr>
+              <a:t>IP</a:t>
+            </a:r>
+            <a:r>
+              <a:rPr lang="zh-CN" dirty="0">
+                <a:effectLst/>
+                <a:latin typeface="+mn-ea"/>
+                <a:cs typeface="Times New Roman" panose="02020603050405020304" pitchFamily="18" charset="0"/>
+              </a:rPr>
+              <a:t>为通讯</a:t>
+            </a:r>
+            <a:r>
+              <a:rPr lang="en-US" altLang="zh-CN" dirty="0">
+                <a:latin typeface="+mn-ea"/>
+                <a:cs typeface="Times New Roman" panose="02020603050405020304" pitchFamily="18" charset="0"/>
+              </a:rPr>
+              <a:t>IP</a:t>
+            </a:r>
+            <a:r>
+              <a:rPr lang="zh-CN" dirty="0">
+                <a:effectLst/>
+                <a:latin typeface="+mn-ea"/>
+                <a:cs typeface="Times New Roman" panose="02020603050405020304" pitchFamily="18" charset="0"/>
+              </a:rPr>
+              <a:t>，并更新该元素；</a:t>
+            </a:r>
+            <a:endParaRPr lang="en-MY" altLang="zh-CN" dirty="0">
+              <a:effectLst/>
+              <a:latin typeface="+mn-ea"/>
+              <a:cs typeface="Times New Roman" panose="02020603050405020304" pitchFamily="18" charset="0"/>
+            </a:endParaRPr>
+          </a:p>
+          <a:p>
+            <a:pPr lvl="1"/>
+            <a:r>
+              <a:rPr lang="zh-CN" altLang="en-US" dirty="0">
+                <a:effectLst/>
+                <a:latin typeface="+mn-ea"/>
+                <a:cs typeface="Times New Roman" panose="02020603050405020304" pitchFamily="18" charset="0"/>
+              </a:rPr>
+              <a:t>已储存：</a:t>
+            </a:r>
+            <a:r>
+              <a:rPr lang="zh-CN" dirty="0">
+                <a:effectLst/>
+                <a:latin typeface="+mn-ea"/>
+                <a:cs typeface="Times New Roman" panose="02020603050405020304" pitchFamily="18" charset="0"/>
+              </a:rPr>
+              <a:t>则更新数组该元素</a:t>
+            </a:r>
+            <a:r>
+              <a:rPr lang="zh-CN" altLang="en-US" dirty="0">
+                <a:effectLst/>
+                <a:latin typeface="+mn-ea"/>
+                <a:cs typeface="Times New Roman" panose="02020603050405020304" pitchFamily="18" charset="0"/>
+              </a:rPr>
+              <a:t>。</a:t>
+            </a:r>
+            <a:endParaRPr lang="en-MY" altLang="zh-CN" dirty="0">
+              <a:effectLst/>
+              <a:latin typeface="+mn-ea"/>
+              <a:cs typeface="Times New Roman" panose="02020603050405020304" pitchFamily="18" charset="0"/>
+            </a:endParaRPr>
+          </a:p>
+          <a:p>
+            <a:pPr marL="457200" indent="-457200">
+              <a:buFont typeface="+mj-lt"/>
+              <a:buAutoNum type="arabicPeriod"/>
+            </a:pPr>
+            <a:r>
+              <a:rPr lang="zh-CN" sz="1600" dirty="0">
+                <a:effectLst/>
+                <a:latin typeface="+mn-ea"/>
+                <a:cs typeface="Times New Roman" panose="02020603050405020304" pitchFamily="18" charset="0"/>
+              </a:rPr>
+              <a:t>更新数组元素 </a:t>
+            </a:r>
+            <a:endParaRPr lang="en-MY" altLang="zh-CN" sz="1600" dirty="0">
+              <a:effectLst/>
+              <a:latin typeface="+mn-ea"/>
+              <a:cs typeface="Times New Roman" panose="02020603050405020304" pitchFamily="18" charset="0"/>
+            </a:endParaRPr>
+          </a:p>
+          <a:p>
+            <a:pPr lvl="1"/>
+            <a:r>
+              <a:rPr lang="zh-CN" dirty="0">
+                <a:effectLst/>
+                <a:latin typeface="+mn-ea"/>
+                <a:cs typeface="Times New Roman" panose="02020603050405020304" pitchFamily="18" charset="0"/>
+              </a:rPr>
+              <a:t>首先判断该包是本机发送的包还是收到的包</a:t>
+            </a:r>
+            <a:r>
+              <a:rPr lang="zh-CN" altLang="en-US" dirty="0">
+                <a:effectLst/>
+                <a:latin typeface="+mn-ea"/>
+                <a:cs typeface="Times New Roman" panose="02020603050405020304" pitchFamily="18" charset="0"/>
+              </a:rPr>
+              <a:t>。</a:t>
+            </a:r>
+            <a:endParaRPr lang="en-MY" altLang="zh-CN" dirty="0">
+              <a:effectLst/>
+              <a:latin typeface="+mn-ea"/>
+              <a:cs typeface="Times New Roman" panose="02020603050405020304" pitchFamily="18" charset="0"/>
+            </a:endParaRPr>
+          </a:p>
+          <a:p>
+            <a:pPr lvl="1"/>
+            <a:r>
+              <a:rPr lang="zh-CN" dirty="0">
+                <a:effectLst/>
+                <a:latin typeface="+mn-ea"/>
+                <a:cs typeface="Times New Roman" panose="02020603050405020304" pitchFamily="18" charset="0"/>
+              </a:rPr>
+              <a:t>发送包</a:t>
+            </a:r>
+            <a:r>
+              <a:rPr lang="zh-CN" altLang="en-US" dirty="0">
+                <a:effectLst/>
+                <a:latin typeface="+mn-ea"/>
+                <a:cs typeface="Times New Roman" panose="02020603050405020304" pitchFamily="18" charset="0"/>
+              </a:rPr>
+              <a:t>：</a:t>
+            </a:r>
+            <a:r>
+              <a:rPr lang="zh-CN" dirty="0">
+                <a:effectLst/>
+                <a:latin typeface="+mn-ea"/>
+                <a:cs typeface="Times New Roman" panose="02020603050405020304" pitchFamily="18" charset="0"/>
+              </a:rPr>
+              <a:t>用</a:t>
+            </a:r>
+            <a:r>
+              <a:rPr lang="en-US" dirty="0">
+                <a:effectLst/>
+                <a:latin typeface="+mn-ea"/>
+                <a:cs typeface="Times New Roman" panose="02020603050405020304" pitchFamily="18" charset="0"/>
+              </a:rPr>
+              <a:t>ack</a:t>
+            </a:r>
+            <a:r>
+              <a:rPr lang="zh-CN" dirty="0">
+                <a:effectLst/>
+                <a:latin typeface="+mn-ea"/>
+                <a:cs typeface="Times New Roman" panose="02020603050405020304" pitchFamily="18" charset="0"/>
+              </a:rPr>
+              <a:t>，</a:t>
+            </a:r>
+            <a:r>
+              <a:rPr lang="en-US" dirty="0">
+                <a:effectLst/>
+                <a:latin typeface="+mn-ea"/>
+                <a:cs typeface="Times New Roman" panose="02020603050405020304" pitchFamily="18" charset="0"/>
+              </a:rPr>
+              <a:t>seq</a:t>
+            </a:r>
+            <a:r>
+              <a:rPr lang="zh-CN" dirty="0">
+                <a:effectLst/>
+                <a:latin typeface="+mn-ea"/>
+                <a:cs typeface="Times New Roman" panose="02020603050405020304" pitchFamily="18" charset="0"/>
+              </a:rPr>
+              <a:t>的值更新</a:t>
+            </a:r>
+            <a:r>
+              <a:rPr lang="en-US" dirty="0" err="1">
+                <a:effectLst/>
+                <a:latin typeface="+mn-ea"/>
+                <a:cs typeface="Times New Roman" panose="02020603050405020304" pitchFamily="18" charset="0"/>
+              </a:rPr>
+              <a:t>send_packet_ack</a:t>
+            </a:r>
+            <a:r>
+              <a:rPr lang="zh-CN" dirty="0">
+                <a:effectLst/>
+                <a:latin typeface="+mn-ea"/>
+                <a:cs typeface="Times New Roman" panose="02020603050405020304" pitchFamily="18" charset="0"/>
+              </a:rPr>
+              <a:t>与</a:t>
+            </a:r>
+            <a:r>
+              <a:rPr lang="en-US" dirty="0" err="1">
+                <a:effectLst/>
+                <a:latin typeface="+mn-ea"/>
+                <a:cs typeface="Times New Roman" panose="02020603050405020304" pitchFamily="18" charset="0"/>
+              </a:rPr>
+              <a:t>send_packet_seq</a:t>
+            </a:r>
+            <a:r>
+              <a:rPr lang="zh-CN" altLang="en-US" dirty="0">
+                <a:effectLst/>
+                <a:latin typeface="+mn-ea"/>
+                <a:cs typeface="Times New Roman" panose="02020603050405020304" pitchFamily="18" charset="0"/>
+              </a:rPr>
+              <a:t>；</a:t>
+            </a:r>
+            <a:endParaRPr lang="en-MY" altLang="zh-CN" dirty="0">
+              <a:effectLst/>
+              <a:latin typeface="+mn-ea"/>
+              <a:cs typeface="Times New Roman" panose="02020603050405020304" pitchFamily="18" charset="0"/>
+            </a:endParaRPr>
+          </a:p>
+          <a:p>
+            <a:pPr lvl="1"/>
+            <a:r>
+              <a:rPr lang="zh-CN" altLang="en-US" dirty="0">
+                <a:latin typeface="+mn-ea"/>
+                <a:cs typeface="Times New Roman" panose="02020603050405020304" pitchFamily="18" charset="0"/>
+              </a:rPr>
+              <a:t>接收</a:t>
+            </a:r>
+            <a:r>
+              <a:rPr lang="zh-CN" dirty="0">
+                <a:effectLst/>
+                <a:latin typeface="+mn-ea"/>
+                <a:cs typeface="Times New Roman" panose="02020603050405020304" pitchFamily="18" charset="0"/>
+              </a:rPr>
+              <a:t>包，用</a:t>
+            </a:r>
+            <a:r>
+              <a:rPr lang="en-US" dirty="0">
+                <a:effectLst/>
+                <a:latin typeface="+mn-ea"/>
+                <a:cs typeface="Times New Roman" panose="02020603050405020304" pitchFamily="18" charset="0"/>
+              </a:rPr>
+              <a:t>ack</a:t>
+            </a:r>
+            <a:r>
+              <a:rPr lang="zh-CN" dirty="0">
+                <a:effectLst/>
+                <a:latin typeface="+mn-ea"/>
+                <a:cs typeface="Times New Roman" panose="02020603050405020304" pitchFamily="18" charset="0"/>
+              </a:rPr>
+              <a:t>，</a:t>
+            </a:r>
+            <a:r>
+              <a:rPr lang="en-US" dirty="0">
+                <a:effectLst/>
+                <a:latin typeface="+mn-ea"/>
+                <a:cs typeface="Times New Roman" panose="02020603050405020304" pitchFamily="18" charset="0"/>
+              </a:rPr>
+              <a:t>seq</a:t>
+            </a:r>
+            <a:r>
+              <a:rPr lang="zh-CN" dirty="0">
+                <a:effectLst/>
+                <a:latin typeface="+mn-ea"/>
+                <a:cs typeface="Times New Roman" panose="02020603050405020304" pitchFamily="18" charset="0"/>
+              </a:rPr>
+              <a:t>的值</a:t>
+            </a:r>
+            <a:r>
+              <a:rPr lang="zh-CN" altLang="en-US" dirty="0">
+                <a:effectLst/>
+                <a:latin typeface="+mn-ea"/>
+                <a:cs typeface="Times New Roman" panose="02020603050405020304" pitchFamily="18" charset="0"/>
+              </a:rPr>
+              <a:t>更新</a:t>
+            </a:r>
+            <a:r>
+              <a:rPr lang="en-US" dirty="0" err="1">
+                <a:effectLst/>
+                <a:latin typeface="+mn-ea"/>
+                <a:cs typeface="Times New Roman" panose="02020603050405020304" pitchFamily="18" charset="0"/>
+              </a:rPr>
+              <a:t>rcvd_packet_ack</a:t>
+            </a:r>
+            <a:r>
+              <a:rPr lang="zh-CN" dirty="0">
+                <a:effectLst/>
+                <a:latin typeface="+mn-ea"/>
+                <a:cs typeface="Times New Roman" panose="02020603050405020304" pitchFamily="18" charset="0"/>
+              </a:rPr>
+              <a:t>与</a:t>
+            </a:r>
+            <a:r>
+              <a:rPr lang="en-US" dirty="0" err="1">
+                <a:effectLst/>
+                <a:latin typeface="+mn-ea"/>
+                <a:cs typeface="Times New Roman" panose="02020603050405020304" pitchFamily="18" charset="0"/>
+              </a:rPr>
+              <a:t>rcvd_packet_seq</a:t>
+            </a:r>
+            <a:r>
+              <a:rPr lang="zh-CN" altLang="en-US" dirty="0">
+                <a:effectLst/>
+                <a:latin typeface="+mn-ea"/>
+                <a:cs typeface="Times New Roman" panose="02020603050405020304" pitchFamily="18" charset="0"/>
+              </a:rPr>
+              <a:t>。</a:t>
+            </a:r>
+            <a:endParaRPr lang="en-MY" altLang="zh-CN" dirty="0">
+              <a:effectLst/>
+              <a:latin typeface="+mn-ea"/>
+              <a:cs typeface="Times New Roman" panose="02020603050405020304" pitchFamily="18" charset="0"/>
+            </a:endParaRPr>
+          </a:p>
+          <a:p>
+            <a:pPr>
+              <a:buFont typeface="+mj-lt"/>
+              <a:buAutoNum type="arabicPeriod"/>
+            </a:pPr>
+            <a:r>
+              <a:rPr lang="zh-CN" sz="1600" dirty="0">
+                <a:effectLst/>
+                <a:latin typeface="+mn-ea"/>
+                <a:cs typeface="Times New Roman" panose="02020603050405020304" pitchFamily="18" charset="0"/>
+              </a:rPr>
+              <a:t>状态更新 </a:t>
+            </a:r>
+            <a:endParaRPr lang="en-MY" altLang="zh-CN" sz="1600" dirty="0">
+              <a:effectLst/>
+              <a:latin typeface="+mn-ea"/>
+              <a:cs typeface="Times New Roman" panose="02020603050405020304" pitchFamily="18" charset="0"/>
+            </a:endParaRPr>
+          </a:p>
+          <a:p>
+            <a:pPr lvl="1"/>
+            <a:r>
+              <a:rPr lang="zh-CN" dirty="0">
+                <a:effectLst/>
+                <a:latin typeface="+mn-ea"/>
+                <a:cs typeface="Times New Roman" panose="02020603050405020304" pitchFamily="18" charset="0"/>
+              </a:rPr>
+              <a:t>在更新数组元素的同时，判断另外两个元素是否被更新过（</a:t>
+            </a:r>
+            <a:r>
+              <a:rPr lang="zh-CN" altLang="en-US" dirty="0">
+                <a:effectLst/>
+                <a:latin typeface="+mn-ea"/>
+                <a:cs typeface="Times New Roman" panose="02020603050405020304" pitchFamily="18" charset="0"/>
+              </a:rPr>
+              <a:t>发送</a:t>
+            </a:r>
+            <a:r>
+              <a:rPr lang="zh-CN" dirty="0">
+                <a:effectLst/>
+                <a:latin typeface="+mn-ea"/>
+                <a:cs typeface="Times New Roman" panose="02020603050405020304" pitchFamily="18" charset="0"/>
+              </a:rPr>
+              <a:t>包</a:t>
+            </a:r>
+            <a:r>
+              <a:rPr lang="zh-CN" altLang="en-US" dirty="0">
+                <a:effectLst/>
+                <a:latin typeface="+mn-ea"/>
+                <a:cs typeface="Times New Roman" panose="02020603050405020304" pitchFamily="18" charset="0"/>
+              </a:rPr>
+              <a:t>查接收包</a:t>
+            </a:r>
+            <a:r>
+              <a:rPr lang="en-MY" altLang="zh-CN" dirty="0" err="1">
+                <a:effectLst/>
+                <a:latin typeface="+mn-ea"/>
+                <a:cs typeface="Times New Roman" panose="02020603050405020304" pitchFamily="18" charset="0"/>
+              </a:rPr>
+              <a:t>rcvd</a:t>
+            </a:r>
+            <a:r>
+              <a:rPr lang="zh-CN" altLang="en-US" dirty="0">
+                <a:effectLst/>
+                <a:latin typeface="+mn-ea"/>
+                <a:cs typeface="Times New Roman" panose="02020603050405020304" pitchFamily="18" charset="0"/>
+              </a:rPr>
+              <a:t>参数</a:t>
+            </a:r>
+            <a:r>
+              <a:rPr lang="zh-CN" dirty="0">
+                <a:effectLst/>
+                <a:latin typeface="+mn-ea"/>
+                <a:cs typeface="Times New Roman" panose="02020603050405020304" pitchFamily="18" charset="0"/>
+              </a:rPr>
+              <a:t>，</a:t>
+            </a:r>
+            <a:r>
+              <a:rPr lang="en-US" dirty="0">
+                <a:effectLst/>
+                <a:latin typeface="+mn-ea"/>
+                <a:cs typeface="Times New Roman" panose="02020603050405020304" pitchFamily="18" charset="0"/>
+              </a:rPr>
+              <a:t> </a:t>
+            </a:r>
+            <a:r>
+              <a:rPr lang="zh-CN" altLang="en-US" dirty="0">
+                <a:effectLst/>
+                <a:latin typeface="+mn-ea"/>
+                <a:cs typeface="Times New Roman" panose="02020603050405020304" pitchFamily="18" charset="0"/>
+              </a:rPr>
+              <a:t>接收包</a:t>
+            </a:r>
+            <a:r>
+              <a:rPr lang="zh-CN" altLang="en-US" dirty="0">
+                <a:latin typeface="+mn-ea"/>
+                <a:cs typeface="Times New Roman" panose="02020603050405020304" pitchFamily="18" charset="0"/>
+              </a:rPr>
+              <a:t>查</a:t>
+            </a:r>
+            <a:r>
+              <a:rPr lang="en-MY" altLang="zh-CN" dirty="0">
+                <a:latin typeface="+mn-ea"/>
+                <a:cs typeface="Times New Roman" panose="02020603050405020304" pitchFamily="18" charset="0"/>
+              </a:rPr>
+              <a:t>send</a:t>
+            </a:r>
+            <a:r>
+              <a:rPr lang="zh-CN" altLang="en-US" dirty="0">
+                <a:latin typeface="+mn-ea"/>
+                <a:cs typeface="Times New Roman" panose="02020603050405020304" pitchFamily="18" charset="0"/>
+              </a:rPr>
+              <a:t>参数</a:t>
+            </a:r>
+            <a:r>
+              <a:rPr lang="zh-CN" dirty="0">
+                <a:effectLst/>
+                <a:latin typeface="+mn-ea"/>
+                <a:cs typeface="Times New Roman" panose="02020603050405020304" pitchFamily="18" charset="0"/>
+              </a:rPr>
+              <a:t>）</a:t>
+            </a:r>
+            <a:r>
+              <a:rPr lang="zh-CN" altLang="en-US" dirty="0">
+                <a:effectLst/>
+                <a:latin typeface="+mn-ea"/>
+                <a:cs typeface="Times New Roman" panose="02020603050405020304" pitchFamily="18" charset="0"/>
+              </a:rPr>
+              <a:t>。</a:t>
+            </a:r>
+            <a:endParaRPr lang="en-MY" altLang="zh-CN" dirty="0">
+              <a:effectLst/>
+              <a:latin typeface="+mn-ea"/>
+              <a:cs typeface="Times New Roman" panose="02020603050405020304" pitchFamily="18" charset="0"/>
+            </a:endParaRPr>
+          </a:p>
+          <a:p>
+            <a:pPr lvl="1"/>
+            <a:r>
+              <a:rPr lang="zh-CN" dirty="0">
+                <a:effectLst/>
+                <a:latin typeface="+mn-ea"/>
+                <a:cs typeface="Times New Roman" panose="02020603050405020304" pitchFamily="18" charset="0"/>
+              </a:rPr>
+              <a:t>未更新</a:t>
+            </a:r>
+            <a:r>
+              <a:rPr lang="zh-CN" altLang="en-US" dirty="0">
+                <a:effectLst/>
+                <a:latin typeface="+mn-ea"/>
+                <a:cs typeface="Times New Roman" panose="02020603050405020304" pitchFamily="18" charset="0"/>
+              </a:rPr>
+              <a:t>：</a:t>
+            </a:r>
+            <a:r>
+              <a:rPr lang="zh-CN" dirty="0">
+                <a:effectLst/>
+                <a:latin typeface="+mn-ea"/>
+                <a:cs typeface="Times New Roman" panose="02020603050405020304" pitchFamily="18" charset="0"/>
+              </a:rPr>
+              <a:t>不做比较，</a:t>
+            </a:r>
+            <a:endParaRPr lang="en-MY" altLang="zh-CN" dirty="0">
+              <a:effectLst/>
+              <a:latin typeface="+mn-ea"/>
+              <a:cs typeface="Times New Roman" panose="02020603050405020304" pitchFamily="18" charset="0"/>
+            </a:endParaRPr>
+          </a:p>
+          <a:p>
+            <a:pPr lvl="1"/>
+            <a:r>
+              <a:rPr lang="zh-CN" dirty="0">
+                <a:effectLst/>
+                <a:latin typeface="+mn-ea"/>
+                <a:cs typeface="Times New Roman" panose="02020603050405020304" pitchFamily="18" charset="0"/>
+              </a:rPr>
+              <a:t>更新过</a:t>
+            </a:r>
+            <a:r>
+              <a:rPr lang="zh-CN" altLang="en-US" dirty="0">
+                <a:effectLst/>
+                <a:latin typeface="+mn-ea"/>
+                <a:cs typeface="Times New Roman" panose="02020603050405020304" pitchFamily="18" charset="0"/>
+              </a:rPr>
+              <a:t>：</a:t>
+            </a:r>
+            <a:r>
+              <a:rPr lang="zh-CN" dirty="0">
+                <a:effectLst/>
+                <a:latin typeface="+mn-ea"/>
+                <a:cs typeface="Times New Roman" panose="02020603050405020304" pitchFamily="18" charset="0"/>
+              </a:rPr>
+              <a:t>根据状态转换的规则进行比较，并修改</a:t>
+            </a:r>
+            <a:r>
+              <a:rPr lang="en-US" dirty="0">
+                <a:effectLst/>
+                <a:latin typeface="+mn-ea"/>
+                <a:cs typeface="Times New Roman" panose="02020603050405020304" pitchFamily="18" charset="0"/>
+              </a:rPr>
+              <a:t>status</a:t>
+            </a:r>
+            <a:r>
+              <a:rPr lang="zh-CN" dirty="0">
+                <a:effectLst/>
+                <a:latin typeface="+mn-ea"/>
+                <a:cs typeface="Times New Roman" panose="02020603050405020304" pitchFamily="18" charset="0"/>
+              </a:rPr>
+              <a:t>参数进行状态转换</a:t>
+            </a:r>
+            <a:endParaRPr lang="en-MY" dirty="0">
+              <a:latin typeface="+mn-ea"/>
+              <a:cs typeface="Times New Roman" panose="02020603050405020304" pitchFamily="18" charset="0"/>
+            </a:endParaRPr>
           </a:p>
         </p:txBody>
       </p:sp>
     </p:spTree>
-    <p:extLst>
-      <p:ext uri="{BB962C8B-B14F-4D97-AF65-F5344CB8AC3E}">
-        <p14:creationId xmlns:p14="http://schemas.microsoft.com/office/powerpoint/2010/main" val="3977739039"/>
-      </p:ext>
-    </p:extLst>
   </p:cSld>
   <p:clrMapOvr>
     <a:masterClrMapping/>
@@ -7118,13 +7670,88 @@
       </p:grpSpPr>
       <p:sp>
         <p:nvSpPr>
-          <p:cNvPr id="2" name="Title 1">
+          <p:cNvPr id="2" name="Title 1"/>
+          <p:cNvSpPr>
+            <a:spLocks noGrp="1"/>
+          </p:cNvSpPr>
+          <p:nvPr>
+            <p:ph type="title"/>
+          </p:nvPr>
+        </p:nvSpPr>
+        <p:spPr/>
+        <p:txBody>
+          <a:bodyPr/>
+          <a:lstStyle/>
+          <a:p>
+            <a:r>
+              <a:rPr lang="en-MY" dirty="0"/>
+              <a:t>TCP</a:t>
+            </a:r>
+            <a:r>
+              <a:rPr lang="zh-CN" altLang="en-US" dirty="0"/>
+              <a:t>包分析</a:t>
+            </a:r>
+            <a:endParaRPr lang="en-MY" dirty="0"/>
+          </a:p>
+        </p:txBody>
+      </p:sp>
+      <p:pic>
+        <p:nvPicPr>
+          <p:cNvPr id="5" name="Content Placeholder 4"/>
+          <p:cNvPicPr>
+            <a:picLocks noGrp="1" noChangeAspect="1"/>
+          </p:cNvPicPr>
+          <p:nvPr>
+            <p:ph idx="1"/>
+          </p:nvPr>
+        </p:nvPicPr>
+        <p:blipFill>
+          <a:blip r:embed="rId1">
             <a:extLst>
-              <a:ext uri="{FF2B5EF4-FFF2-40B4-BE49-F238E27FC236}">
-                <a16:creationId xmlns:a16="http://schemas.microsoft.com/office/drawing/2014/main" id="{2254B056-0DB5-4901-A673-C1A3ECD8ED4B}"/>
+              <a:ext uri="{28A0092B-C50C-407E-A947-70E740481C1C}">
+                <a14:useLocalDpi xmlns:a14="http://schemas.microsoft.com/office/drawing/2010/main" val="0"/>
               </a:ext>
             </a:extLst>
-          </p:cNvPr>
+          </a:blip>
+          <a:stretch>
+            <a:fillRect/>
+          </a:stretch>
+        </p:blipFill>
+        <p:spPr>
+          <a:xfrm>
+            <a:off x="677334" y="1342253"/>
+            <a:ext cx="8466666" cy="5434217"/>
+          </a:xfrm>
+        </p:spPr>
+      </p:pic>
+    </p:spTree>
+  </p:cSld>
+  <p:clrMapOvr>
+    <a:masterClrMapping/>
+  </p:clrMapOvr>
+</p:sld>
+</file>
+
+<file path=ppt/slides/slide16.xml><?xml version="1.0" encoding="utf-8"?>
+<p:sld xmlns:a="http://schemas.openxmlformats.org/drawingml/2006/main" xmlns:r="http://schemas.openxmlformats.org/officeDocument/2006/relationships" xmlns:p="http://schemas.openxmlformats.org/presentationml/2006/main">
+  <p:cSld>
+    <p:spTree>
+      <p:nvGrpSpPr>
+        <p:cNvPr id="1" name=""/>
+        <p:cNvGrpSpPr/>
+        <p:nvPr/>
+      </p:nvGrpSpPr>
+      <p:grpSpPr>
+        <a:xfrm>
+          <a:off x="0" y="0"/>
+          <a:ext cx="0" cy="0"/>
+          <a:chOff x="0" y="0"/>
+          <a:chExt cx="0" cy="0"/>
+        </a:xfrm>
+      </p:grpSpPr>
+      <p:sp>
+        <p:nvSpPr>
+          <p:cNvPr id="2" name="Title 1"/>
           <p:cNvSpPr>
             <a:spLocks noGrp="1"/>
           </p:cNvSpPr>
@@ -7139,21 +7766,1014 @@
           <a:p>
             <a:r>
               <a:rPr lang="zh-CN" altLang="en-US" dirty="0"/>
-              <a:t>实现步骤</a:t>
+              <a:t>过滤后的</a:t>
+            </a:r>
+            <a:r>
+              <a:rPr lang="en-MY" altLang="zh-CN" dirty="0"/>
+              <a:t>TCP</a:t>
+            </a:r>
+            <a:r>
+              <a:rPr lang="zh-CN" altLang="en-US" dirty="0"/>
+              <a:t>包</a:t>
             </a:r>
             <a:endParaRPr lang="en-MY" dirty="0"/>
           </a:p>
         </p:txBody>
       </p:sp>
-      <p:sp>
-        <p:nvSpPr>
-          <p:cNvPr id="3" name="Content Placeholder 2">
+      <p:pic>
+        <p:nvPicPr>
+          <p:cNvPr id="5" name="Content Placeholder 4"/>
+          <p:cNvPicPr>
+            <a:picLocks noGrp="1" noChangeAspect="1"/>
+          </p:cNvPicPr>
+          <p:nvPr>
+            <p:ph idx="1"/>
+          </p:nvPr>
+        </p:nvPicPr>
+        <p:blipFill>
+          <a:blip r:embed="rId1">
             <a:extLst>
-              <a:ext uri="{FF2B5EF4-FFF2-40B4-BE49-F238E27FC236}">
-                <a16:creationId xmlns:a16="http://schemas.microsoft.com/office/drawing/2014/main" id="{0A31F5F5-AE1B-44D6-9711-3BDB1D5E40CC}"/>
+              <a:ext uri="{28A0092B-C50C-407E-A947-70E740481C1C}">
+                <a14:useLocalDpi xmlns:a14="http://schemas.microsoft.com/office/drawing/2010/main" val="0"/>
               </a:ext>
             </a:extLst>
-          </p:cNvPr>
+          </a:blip>
+          <a:stretch>
+            <a:fillRect/>
+          </a:stretch>
+        </p:blipFill>
+        <p:spPr>
+          <a:xfrm>
+            <a:off x="830218" y="1430747"/>
+            <a:ext cx="8290899" cy="5079110"/>
+          </a:xfrm>
+        </p:spPr>
+      </p:pic>
+    </p:spTree>
+  </p:cSld>
+  <p:clrMapOvr>
+    <a:masterClrMapping/>
+  </p:clrMapOvr>
+</p:sld>
+</file>
+
+<file path=ppt/slides/slide17.xml><?xml version="1.0" encoding="utf-8"?>
+<p:sld xmlns:a="http://schemas.openxmlformats.org/drawingml/2006/main" xmlns:r="http://schemas.openxmlformats.org/officeDocument/2006/relationships" xmlns:p="http://schemas.openxmlformats.org/presentationml/2006/main">
+  <p:cSld>
+    <p:spTree>
+      <p:nvGrpSpPr>
+        <p:cNvPr id="1" name=""/>
+        <p:cNvGrpSpPr/>
+        <p:nvPr/>
+      </p:nvGrpSpPr>
+      <p:grpSpPr>
+        <a:xfrm>
+          <a:off x="0" y="0"/>
+          <a:ext cx="0" cy="0"/>
+          <a:chOff x="0" y="0"/>
+          <a:chExt cx="0" cy="0"/>
+        </a:xfrm>
+      </p:grpSpPr>
+      <p:sp>
+        <p:nvSpPr>
+          <p:cNvPr id="2" name="Title 1"/>
+          <p:cNvSpPr>
+            <a:spLocks noGrp="1"/>
+          </p:cNvSpPr>
+          <p:nvPr>
+            <p:ph type="ctrTitle"/>
+          </p:nvPr>
+        </p:nvSpPr>
+        <p:spPr/>
+        <p:txBody>
+          <a:bodyPr/>
+          <a:lstStyle/>
+          <a:p>
+            <a:r>
+              <a:rPr lang="en-MY" dirty="0"/>
+              <a:t>demo</a:t>
+            </a:r>
+            <a:endParaRPr lang="en-MY" dirty="0"/>
+          </a:p>
+        </p:txBody>
+      </p:sp>
+      <p:sp>
+        <p:nvSpPr>
+          <p:cNvPr id="3" name="Subtitle 2"/>
+          <p:cNvSpPr>
+            <a:spLocks noGrp="1"/>
+          </p:cNvSpPr>
+          <p:nvPr>
+            <p:ph type="subTitle" idx="1"/>
+          </p:nvPr>
+        </p:nvSpPr>
+        <p:spPr/>
+        <p:txBody>
+          <a:bodyPr/>
+          <a:lstStyle/>
+          <a:p>
+            <a:endParaRPr lang="en-MY" dirty="0"/>
+          </a:p>
+        </p:txBody>
+      </p:sp>
+    </p:spTree>
+  </p:cSld>
+  <p:clrMapOvr>
+    <a:masterClrMapping/>
+  </p:clrMapOvr>
+</p:sld>
+</file>
+
+<file path=ppt/slides/slide18.xml><?xml version="1.0" encoding="utf-8"?>
+<p:sld xmlns:a="http://schemas.openxmlformats.org/drawingml/2006/main" xmlns:r="http://schemas.openxmlformats.org/officeDocument/2006/relationships" xmlns:p="http://schemas.openxmlformats.org/presentationml/2006/main">
+  <p:cSld>
+    <p:spTree>
+      <p:nvGrpSpPr>
+        <p:cNvPr id="1" name=""/>
+        <p:cNvGrpSpPr/>
+        <p:nvPr/>
+      </p:nvGrpSpPr>
+      <p:grpSpPr>
+        <a:xfrm>
+          <a:off x="0" y="0"/>
+          <a:ext cx="0" cy="0"/>
+          <a:chOff x="0" y="0"/>
+          <a:chExt cx="0" cy="0"/>
+        </a:xfrm>
+      </p:grpSpPr>
+      <p:sp>
+        <p:nvSpPr>
+          <p:cNvPr id="2" name="Title 1"/>
+          <p:cNvSpPr>
+            <a:spLocks noGrp="1"/>
+          </p:cNvSpPr>
+          <p:nvPr>
+            <p:ph type="ctrTitle"/>
+          </p:nvPr>
+        </p:nvSpPr>
+        <p:spPr/>
+        <p:txBody>
+          <a:bodyPr/>
+          <a:lstStyle/>
+          <a:p>
+            <a:r>
+              <a:rPr lang="zh-CN" altLang="en-US" dirty="0"/>
+              <a:t>扩展</a:t>
+            </a:r>
+            <a:endParaRPr lang="en-MY" dirty="0"/>
+          </a:p>
+        </p:txBody>
+      </p:sp>
+      <p:sp>
+        <p:nvSpPr>
+          <p:cNvPr id="3" name="Subtitle 2"/>
+          <p:cNvSpPr>
+            <a:spLocks noGrp="1"/>
+          </p:cNvSpPr>
+          <p:nvPr>
+            <p:ph type="subTitle" idx="1"/>
+          </p:nvPr>
+        </p:nvSpPr>
+        <p:spPr/>
+        <p:txBody>
+          <a:bodyPr/>
+          <a:lstStyle/>
+          <a:p>
+            <a:pPr algn="l"/>
+            <a:r>
+              <a:rPr lang="zh-CN" sz="2800" kern="100" dirty="0">
+                <a:effectLst/>
+                <a:latin typeface="+mn-ea"/>
+                <a:cs typeface="Times New Roman" panose="02020603050405020304" pitchFamily="18" charset="0"/>
+              </a:rPr>
+              <a:t>尝试把状态机对</a:t>
+            </a:r>
+            <a:r>
+              <a:rPr lang="en-US" sz="2800" kern="100" dirty="0">
+                <a:effectLst/>
+                <a:latin typeface="+mn-ea"/>
+                <a:cs typeface="Times New Roman" panose="02020603050405020304" pitchFamily="18" charset="0"/>
+              </a:rPr>
+              <a:t>attack</a:t>
+            </a:r>
+            <a:r>
+              <a:rPr lang="zh-CN" sz="2800" kern="100" dirty="0">
+                <a:effectLst/>
+                <a:latin typeface="+mn-ea"/>
+                <a:cs typeface="Times New Roman" panose="02020603050405020304" pitchFamily="18" charset="0"/>
+              </a:rPr>
+              <a:t>的检测嵌入本机的</a:t>
+            </a:r>
+            <a:r>
+              <a:rPr lang="en-US" altLang="zh-CN" sz="2800" kern="100" dirty="0">
+                <a:latin typeface="+mn-ea"/>
+                <a:cs typeface="Times New Roman" panose="02020603050405020304" pitchFamily="18" charset="0"/>
+              </a:rPr>
+              <a:t>TCP</a:t>
+            </a:r>
+            <a:r>
+              <a:rPr lang="zh-CN" sz="2800" kern="100" dirty="0">
+                <a:effectLst/>
+                <a:latin typeface="+mn-ea"/>
+                <a:cs typeface="Times New Roman" panose="02020603050405020304" pitchFamily="18" charset="0"/>
+              </a:rPr>
+              <a:t>协议，在检测到攻击直接中断与对应</a:t>
+            </a:r>
+            <a:r>
+              <a:rPr lang="en-US" altLang="zh-CN" sz="2800" kern="100" dirty="0">
+                <a:latin typeface="+mn-ea"/>
+                <a:cs typeface="Times New Roman" panose="02020603050405020304" pitchFamily="18" charset="0"/>
+              </a:rPr>
+              <a:t>IP</a:t>
+            </a:r>
+            <a:r>
+              <a:rPr lang="zh-CN" sz="2800" kern="100" dirty="0">
+                <a:effectLst/>
+                <a:latin typeface="+mn-ea"/>
+                <a:cs typeface="Times New Roman" panose="02020603050405020304" pitchFamily="18" charset="0"/>
+              </a:rPr>
+              <a:t>的连接</a:t>
+            </a:r>
+            <a:endParaRPr lang="en-MY" sz="2800" kern="100" dirty="0">
+              <a:effectLst/>
+              <a:latin typeface="+mn-ea"/>
+              <a:cs typeface="Times New Roman" panose="02020603050405020304" pitchFamily="18" charset="0"/>
+            </a:endParaRPr>
+          </a:p>
+          <a:p>
+            <a:endParaRPr lang="en-MY" dirty="0"/>
+          </a:p>
+        </p:txBody>
+      </p:sp>
+    </p:spTree>
+  </p:cSld>
+  <p:clrMapOvr>
+    <a:masterClrMapping/>
+  </p:clrMapOvr>
+</p:sld>
+</file>
+
+<file path=ppt/slides/slide19.xml><?xml version="1.0" encoding="utf-8"?>
+<p:sld xmlns:a="http://schemas.openxmlformats.org/drawingml/2006/main" xmlns:r="http://schemas.openxmlformats.org/officeDocument/2006/relationships" xmlns:p="http://schemas.openxmlformats.org/presentationml/2006/main">
+  <p:cSld>
+    <p:spTree>
+      <p:nvGrpSpPr>
+        <p:cNvPr id="1" name=""/>
+        <p:cNvGrpSpPr/>
+        <p:nvPr/>
+      </p:nvGrpSpPr>
+      <p:grpSpPr>
+        <a:xfrm>
+          <a:off x="0" y="0"/>
+          <a:ext cx="0" cy="0"/>
+          <a:chOff x="0" y="0"/>
+          <a:chExt cx="0" cy="0"/>
+        </a:xfrm>
+      </p:grpSpPr>
+      <p:sp>
+        <p:nvSpPr>
+          <p:cNvPr id="2" name="Title 1"/>
+          <p:cNvSpPr>
+            <a:spLocks noGrp="1"/>
+          </p:cNvSpPr>
+          <p:nvPr>
+            <p:ph type="title"/>
+          </p:nvPr>
+        </p:nvSpPr>
+        <p:spPr/>
+        <p:txBody>
+          <a:bodyPr/>
+          <a:lstStyle/>
+          <a:p>
+            <a:r>
+              <a:rPr lang="zh-CN" altLang="en-US" dirty="0"/>
+              <a:t>收获</a:t>
+            </a:r>
+            <a:endParaRPr lang="en-MY" dirty="0"/>
+          </a:p>
+        </p:txBody>
+      </p:sp>
+      <p:sp>
+        <p:nvSpPr>
+          <p:cNvPr id="3" name="Content Placeholder 2"/>
+          <p:cNvSpPr>
+            <a:spLocks noGrp="1"/>
+          </p:cNvSpPr>
+          <p:nvPr>
+            <p:ph idx="1"/>
+          </p:nvPr>
+        </p:nvSpPr>
+        <p:spPr/>
+        <p:txBody>
+          <a:bodyPr>
+            <a:normAutofit/>
+          </a:bodyPr>
+          <a:lstStyle/>
+          <a:p>
+            <a:r>
+              <a:rPr lang="zh-CN" altLang="en-US" sz="3200" kern="100" dirty="0">
+                <a:effectLst/>
+                <a:latin typeface="+mn-ea"/>
+                <a:cs typeface="Times New Roman" panose="02020603050405020304" pitchFamily="18" charset="0"/>
+              </a:rPr>
+              <a:t>深入</a:t>
+            </a:r>
+            <a:r>
+              <a:rPr lang="zh-CN" sz="3200" kern="100" dirty="0">
+                <a:effectLst/>
+                <a:latin typeface="+mn-ea"/>
+                <a:cs typeface="Times New Roman" panose="02020603050405020304" pitchFamily="18" charset="0"/>
+              </a:rPr>
+              <a:t>了解</a:t>
+            </a:r>
+            <a:r>
+              <a:rPr lang="en-US" altLang="zh-CN" sz="3200" kern="100" dirty="0">
+                <a:latin typeface="+mn-ea"/>
+                <a:cs typeface="Times New Roman" panose="02020603050405020304" pitchFamily="18" charset="0"/>
+              </a:rPr>
+              <a:t>TCP</a:t>
+            </a:r>
+            <a:r>
+              <a:rPr lang="zh-CN" sz="3200" kern="100" dirty="0">
+                <a:effectLst/>
+                <a:latin typeface="+mn-ea"/>
+                <a:cs typeface="Times New Roman" panose="02020603050405020304" pitchFamily="18" charset="0"/>
+              </a:rPr>
+              <a:t>协议的三次握手规则</a:t>
+            </a:r>
+            <a:endParaRPr lang="en-MY" sz="3200" kern="100" dirty="0">
+              <a:effectLst/>
+              <a:latin typeface="+mn-ea"/>
+              <a:cs typeface="Times New Roman" panose="02020603050405020304" pitchFamily="18" charset="0"/>
+            </a:endParaRPr>
+          </a:p>
+          <a:p>
+            <a:r>
+              <a:rPr lang="zh-CN" altLang="en-US" sz="3200" dirty="0">
+                <a:effectLst/>
+                <a:latin typeface="+mn-ea"/>
+                <a:cs typeface="Times New Roman" panose="02020603050405020304" pitchFamily="18" charset="0"/>
+              </a:rPr>
+              <a:t>深入解读</a:t>
+            </a:r>
+            <a:r>
+              <a:rPr lang="zh-CN" sz="3200" dirty="0">
+                <a:effectLst/>
+                <a:latin typeface="+mn-ea"/>
+                <a:cs typeface="Times New Roman" panose="02020603050405020304" pitchFamily="18" charset="0"/>
+              </a:rPr>
+              <a:t>网络间通讯的</a:t>
+            </a:r>
+            <a:r>
+              <a:rPr lang="en-US" altLang="zh-CN" sz="3200" dirty="0">
+                <a:latin typeface="+mn-ea"/>
+                <a:cs typeface="Times New Roman" panose="02020603050405020304" pitchFamily="18" charset="0"/>
+              </a:rPr>
+              <a:t>IP</a:t>
+            </a:r>
+            <a:r>
+              <a:rPr lang="zh-CN" sz="3200" dirty="0">
+                <a:effectLst/>
+                <a:latin typeface="+mn-ea"/>
+                <a:cs typeface="Times New Roman" panose="02020603050405020304" pitchFamily="18" charset="0"/>
+              </a:rPr>
+              <a:t>数据包的格式与</a:t>
+            </a:r>
+            <a:r>
+              <a:rPr lang="en-US" altLang="zh-CN" sz="3200" dirty="0">
+                <a:latin typeface="+mn-ea"/>
+                <a:cs typeface="Times New Roman" panose="02020603050405020304" pitchFamily="18" charset="0"/>
+              </a:rPr>
+              <a:t>TCP</a:t>
+            </a:r>
+            <a:r>
+              <a:rPr lang="zh-CN" sz="3200" dirty="0">
+                <a:effectLst/>
+                <a:latin typeface="+mn-ea"/>
+                <a:cs typeface="Times New Roman" panose="02020603050405020304" pitchFamily="18" charset="0"/>
+              </a:rPr>
+              <a:t>数据包的格式</a:t>
+            </a:r>
+            <a:endParaRPr lang="en-MY" altLang="zh-CN" sz="3200" dirty="0">
+              <a:effectLst/>
+              <a:latin typeface="+mn-ea"/>
+              <a:cs typeface="Times New Roman" panose="02020603050405020304" pitchFamily="18" charset="0"/>
+            </a:endParaRPr>
+          </a:p>
+          <a:p>
+            <a:r>
+              <a:rPr lang="zh-CN" sz="3200" dirty="0">
+                <a:effectLst/>
+                <a:latin typeface="+mn-ea"/>
+                <a:cs typeface="Times New Roman" panose="02020603050405020304" pitchFamily="18" charset="0"/>
+              </a:rPr>
+              <a:t>掌握对数据包抓取，过滤，分析一系列的代码实现</a:t>
+            </a:r>
+            <a:endParaRPr lang="en-MY" sz="3200" dirty="0">
+              <a:latin typeface="+mn-ea"/>
+            </a:endParaRPr>
+          </a:p>
+        </p:txBody>
+      </p:sp>
+    </p:spTree>
+  </p:cSld>
+  <p:clrMapOvr>
+    <a:masterClrMapping/>
+  </p:clrMapOvr>
+</p:sld>
+</file>
+
+<file path=ppt/slides/slide2.xml><?xml version="1.0" encoding="utf-8"?>
+<p:sld xmlns:a="http://schemas.openxmlformats.org/drawingml/2006/main" xmlns:r="http://schemas.openxmlformats.org/officeDocument/2006/relationships" xmlns:p="http://schemas.openxmlformats.org/presentationml/2006/main">
+  <p:cSld>
+    <p:spTree>
+      <p:nvGrpSpPr>
+        <p:cNvPr id="1" name=""/>
+        <p:cNvGrpSpPr/>
+        <p:nvPr/>
+      </p:nvGrpSpPr>
+      <p:grpSpPr>
+        <a:xfrm>
+          <a:off x="0" y="0"/>
+          <a:ext cx="0" cy="0"/>
+          <a:chOff x="0" y="0"/>
+          <a:chExt cx="0" cy="0"/>
+        </a:xfrm>
+      </p:grpSpPr>
+      <p:sp>
+        <p:nvSpPr>
+          <p:cNvPr id="2" name="Title 1"/>
+          <p:cNvSpPr>
+            <a:spLocks noGrp="1"/>
+          </p:cNvSpPr>
+          <p:nvPr>
+            <p:ph type="ctrTitle"/>
+          </p:nvPr>
+        </p:nvSpPr>
+        <p:spPr/>
+        <p:txBody>
+          <a:bodyPr/>
+          <a:lstStyle/>
+          <a:p>
+            <a:r>
+              <a:rPr lang="zh-CN" altLang="en-US" dirty="0"/>
+              <a:t>回顾论文内容</a:t>
+            </a:r>
+            <a:endParaRPr lang="en-MY" dirty="0"/>
+          </a:p>
+        </p:txBody>
+      </p:sp>
+      <p:sp>
+        <p:nvSpPr>
+          <p:cNvPr id="3" name="Subtitle 2"/>
+          <p:cNvSpPr>
+            <a:spLocks noGrp="1"/>
+          </p:cNvSpPr>
+          <p:nvPr>
+            <p:ph type="subTitle" idx="1"/>
+          </p:nvPr>
+        </p:nvSpPr>
+        <p:spPr/>
+        <p:txBody>
+          <a:bodyPr/>
+          <a:lstStyle/>
+          <a:p>
+            <a:endParaRPr lang="en-MY" dirty="0"/>
+          </a:p>
+        </p:txBody>
+      </p:sp>
+    </p:spTree>
+  </p:cSld>
+  <p:clrMapOvr>
+    <a:masterClrMapping/>
+  </p:clrMapOvr>
+</p:sld>
+</file>
+
+<file path=ppt/slides/slide20.xml><?xml version="1.0" encoding="utf-8"?>
+<p:sld xmlns:a="http://schemas.openxmlformats.org/drawingml/2006/main" xmlns:r="http://schemas.openxmlformats.org/officeDocument/2006/relationships" xmlns:p="http://schemas.openxmlformats.org/presentationml/2006/main">
+  <p:cSld>
+    <p:spTree>
+      <p:nvGrpSpPr>
+        <p:cNvPr id="1" name=""/>
+        <p:cNvGrpSpPr/>
+        <p:nvPr/>
+      </p:nvGrpSpPr>
+      <p:grpSpPr>
+        <a:xfrm>
+          <a:off x="0" y="0"/>
+          <a:ext cx="0" cy="0"/>
+          <a:chOff x="0" y="0"/>
+          <a:chExt cx="0" cy="0"/>
+        </a:xfrm>
+      </p:grpSpPr>
+      <p:sp>
+        <p:nvSpPr>
+          <p:cNvPr id="2" name="Title 1"/>
+          <p:cNvSpPr>
+            <a:spLocks noGrp="1"/>
+          </p:cNvSpPr>
+          <p:nvPr>
+            <p:ph type="title"/>
+          </p:nvPr>
+        </p:nvSpPr>
+        <p:spPr/>
+        <p:txBody>
+          <a:bodyPr/>
+          <a:lstStyle/>
+          <a:p>
+            <a:r>
+              <a:rPr lang="zh-CN" altLang="en-US" dirty="0"/>
+              <a:t>分工</a:t>
+            </a:r>
+            <a:endParaRPr lang="en-MY" dirty="0"/>
+          </a:p>
+        </p:txBody>
+      </p:sp>
+      <p:sp>
+        <p:nvSpPr>
+          <p:cNvPr id="3" name="Content Placeholder 2"/>
+          <p:cNvSpPr>
+            <a:spLocks noGrp="1"/>
+          </p:cNvSpPr>
+          <p:nvPr>
+            <p:ph idx="1"/>
+          </p:nvPr>
+        </p:nvSpPr>
+        <p:spPr/>
+        <p:txBody>
+          <a:bodyPr/>
+          <a:lstStyle/>
+          <a:p>
+            <a:r>
+              <a:rPr lang="en-MY" sz="2000" dirty="0"/>
+              <a:t>KAR CHUN TEONG</a:t>
+            </a:r>
+            <a:endParaRPr lang="en-MY" sz="2000" dirty="0"/>
+          </a:p>
+          <a:p>
+            <a:pPr lvl="1"/>
+            <a:r>
+              <a:rPr lang="zh-CN" altLang="en-US" sz="2000" dirty="0"/>
+              <a:t>论文选题、制作中</a:t>
+            </a:r>
+            <a:r>
+              <a:rPr lang="zh-CN" altLang="en-US" sz="2000"/>
+              <a:t>期与期末汇</a:t>
+            </a:r>
+            <a:r>
+              <a:rPr lang="zh-CN" altLang="en-US" sz="2000" dirty="0"/>
+              <a:t>报的</a:t>
+            </a:r>
+            <a:r>
+              <a:rPr lang="en-MY" altLang="zh-CN" sz="2000" dirty="0"/>
+              <a:t>PPT</a:t>
+            </a:r>
+            <a:r>
+              <a:rPr lang="zh-CN" altLang="en-US" sz="2000" dirty="0"/>
+              <a:t>、编写期末报告</a:t>
+            </a:r>
+            <a:endParaRPr lang="en-MY" sz="2000" dirty="0"/>
+          </a:p>
+          <a:p>
+            <a:r>
+              <a:rPr lang="zh-CN" altLang="en-US" sz="2000" dirty="0"/>
+              <a:t>李洪旭</a:t>
+            </a:r>
+            <a:endParaRPr lang="en-MY" altLang="zh-CN" sz="2000" dirty="0"/>
+          </a:p>
+          <a:p>
+            <a:pPr lvl="1"/>
+            <a:endParaRPr lang="en-MY" altLang="zh-CN" sz="2000" dirty="0"/>
+          </a:p>
+          <a:p>
+            <a:r>
+              <a:rPr lang="zh-CN" altLang="en-US" sz="2000" dirty="0"/>
+              <a:t>胡天益</a:t>
+            </a:r>
+            <a:endParaRPr lang="en-MY" altLang="zh-CN" sz="2000" dirty="0"/>
+          </a:p>
+          <a:p>
+            <a:pPr lvl="1"/>
+            <a:endParaRPr lang="en-MY" altLang="zh-CN" sz="2000" dirty="0"/>
+          </a:p>
+          <a:p>
+            <a:r>
+              <a:rPr lang="zh-CN" altLang="en-US" sz="2000" dirty="0"/>
+              <a:t>黄中钰</a:t>
+            </a:r>
+            <a:endParaRPr lang="en-MY" altLang="zh-CN" sz="2000" dirty="0"/>
+          </a:p>
+          <a:p>
+            <a:pPr lvl="1"/>
+            <a:r>
+              <a:rPr lang="zh-CN" altLang="en-MY" dirty="0">
+                <a:ea typeface="宋体" panose="02010600030101010101" pitchFamily="2" charset="-122"/>
+              </a:rPr>
+              <a:t>中期汇报展示，实践</a:t>
+            </a:r>
+            <a:r>
+              <a:rPr lang="en-US" altLang="zh-CN" dirty="0">
+                <a:ea typeface="宋体" panose="02010600030101010101" pitchFamily="2" charset="-122"/>
+              </a:rPr>
+              <a:t>ack storm</a:t>
+            </a:r>
+            <a:endParaRPr lang="en-US" altLang="zh-CN" dirty="0">
+              <a:ea typeface="宋体" panose="02010600030101010101" pitchFamily="2" charset="-122"/>
+            </a:endParaRPr>
+          </a:p>
+        </p:txBody>
+      </p:sp>
+    </p:spTree>
+  </p:cSld>
+  <p:clrMapOvr>
+    <a:masterClrMapping/>
+  </p:clrMapOvr>
+</p:sld>
+</file>
+
+<file path=ppt/slides/slide21.xml><?xml version="1.0" encoding="utf-8"?>
+<p:sld xmlns:a="http://schemas.openxmlformats.org/drawingml/2006/main" xmlns:r="http://schemas.openxmlformats.org/officeDocument/2006/relationships" xmlns:p="http://schemas.openxmlformats.org/presentationml/2006/main">
+  <p:cSld>
+    <p:spTree>
+      <p:nvGrpSpPr>
+        <p:cNvPr id="1" name=""/>
+        <p:cNvGrpSpPr/>
+        <p:nvPr/>
+      </p:nvGrpSpPr>
+      <p:grpSpPr>
+        <a:xfrm>
+          <a:off x="0" y="0"/>
+          <a:ext cx="0" cy="0"/>
+          <a:chOff x="0" y="0"/>
+          <a:chExt cx="0" cy="0"/>
+        </a:xfrm>
+      </p:grpSpPr>
+      <p:sp>
+        <p:nvSpPr>
+          <p:cNvPr id="2" name="Title 1"/>
+          <p:cNvSpPr>
+            <a:spLocks noGrp="1"/>
+          </p:cNvSpPr>
+          <p:nvPr>
+            <p:ph type="ctrTitle"/>
+          </p:nvPr>
+        </p:nvSpPr>
+        <p:spPr/>
+        <p:txBody>
+          <a:bodyPr/>
+          <a:lstStyle/>
+          <a:p>
+            <a:r>
+              <a:rPr lang="zh-CN" altLang="en-US" dirty="0"/>
+              <a:t>谢谢！</a:t>
+            </a:r>
+            <a:endParaRPr lang="en-MY" dirty="0"/>
+          </a:p>
+        </p:txBody>
+      </p:sp>
+      <p:sp>
+        <p:nvSpPr>
+          <p:cNvPr id="3" name="Subtitle 2"/>
+          <p:cNvSpPr>
+            <a:spLocks noGrp="1"/>
+          </p:cNvSpPr>
+          <p:nvPr>
+            <p:ph type="subTitle" idx="1"/>
+          </p:nvPr>
+        </p:nvSpPr>
+        <p:spPr/>
+        <p:txBody>
+          <a:bodyPr/>
+          <a:lstStyle/>
+          <a:p>
+            <a:endParaRPr lang="en-MY" dirty="0"/>
+          </a:p>
+        </p:txBody>
+      </p:sp>
+    </p:spTree>
+  </p:cSld>
+  <p:clrMapOvr>
+    <a:masterClrMapping/>
+  </p:clrMapOvr>
+</p:sld>
+</file>
+
+<file path=ppt/slides/slide3.xml><?xml version="1.0" encoding="utf-8"?>
+<p:sld xmlns:a="http://schemas.openxmlformats.org/drawingml/2006/main" xmlns:r="http://schemas.openxmlformats.org/officeDocument/2006/relationships" xmlns:p="http://schemas.openxmlformats.org/presentationml/2006/main">
+  <p:cSld>
+    <p:spTree>
+      <p:nvGrpSpPr>
+        <p:cNvPr id="1" name=""/>
+        <p:cNvGrpSpPr/>
+        <p:nvPr/>
+      </p:nvGrpSpPr>
+      <p:grpSpPr>
+        <a:xfrm>
+          <a:off x="0" y="0"/>
+          <a:ext cx="0" cy="0"/>
+          <a:chOff x="0" y="0"/>
+          <a:chExt cx="0" cy="0"/>
+        </a:xfrm>
+      </p:grpSpPr>
+      <p:pic>
+        <p:nvPicPr>
+          <p:cNvPr id="4" name="图片 4"/>
+          <p:cNvPicPr>
+            <a:picLocks noGrp="1"/>
+          </p:cNvPicPr>
+          <p:nvPr>
+            <p:ph idx="1"/>
+          </p:nvPr>
+        </p:nvPicPr>
+        <p:blipFill>
+          <a:blip r:embed="rId1">
+            <a:extLst>
+              <a:ext uri="{28A0092B-C50C-407E-A947-70E740481C1C}">
+                <a14:useLocalDpi xmlns:a14="http://schemas.microsoft.com/office/drawing/2010/main" val="0"/>
+              </a:ext>
+            </a:extLst>
+          </a:blip>
+          <a:srcRect/>
+          <a:stretch>
+            <a:fillRect/>
+          </a:stretch>
+        </p:blipFill>
+        <p:spPr bwMode="auto">
+          <a:xfrm>
+            <a:off x="813732" y="293615"/>
+            <a:ext cx="7625593" cy="6098795"/>
+          </a:xfrm>
+          <a:prstGeom prst="rect">
+            <a:avLst/>
+          </a:prstGeom>
+          <a:noFill/>
+          <a:ln>
+            <a:noFill/>
+          </a:ln>
+        </p:spPr>
+      </p:pic>
+    </p:spTree>
+  </p:cSld>
+  <p:clrMapOvr>
+    <a:masterClrMapping/>
+  </p:clrMapOvr>
+</p:sld>
+</file>
+
+<file path=ppt/slides/slide4.xml><?xml version="1.0" encoding="utf-8"?>
+<p:sld xmlns:a="http://schemas.openxmlformats.org/drawingml/2006/main" xmlns:r="http://schemas.openxmlformats.org/officeDocument/2006/relationships" xmlns:p="http://schemas.openxmlformats.org/presentationml/2006/main">
+  <p:cSld>
+    <p:spTree>
+      <p:nvGrpSpPr>
+        <p:cNvPr id="1" name=""/>
+        <p:cNvGrpSpPr/>
+        <p:nvPr/>
+      </p:nvGrpSpPr>
+      <p:grpSpPr>
+        <a:xfrm>
+          <a:off x="0" y="0"/>
+          <a:ext cx="0" cy="0"/>
+          <a:chOff x="0" y="0"/>
+          <a:chExt cx="0" cy="0"/>
+        </a:xfrm>
+      </p:grpSpPr>
+      <p:pic>
+        <p:nvPicPr>
+          <p:cNvPr id="4" name="图片 3"/>
+          <p:cNvPicPr>
+            <a:picLocks noGrp="1"/>
+          </p:cNvPicPr>
+          <p:nvPr>
+            <p:ph idx="1"/>
+          </p:nvPr>
+        </p:nvPicPr>
+        <p:blipFill>
+          <a:blip r:embed="rId1">
+            <a:extLst>
+              <a:ext uri="{28A0092B-C50C-407E-A947-70E740481C1C}">
+                <a14:useLocalDpi xmlns:a14="http://schemas.microsoft.com/office/drawing/2010/main" val="0"/>
+              </a:ext>
+            </a:extLst>
+          </a:blip>
+          <a:srcRect/>
+          <a:stretch>
+            <a:fillRect/>
+          </a:stretch>
+        </p:blipFill>
+        <p:spPr bwMode="auto">
+          <a:xfrm>
+            <a:off x="830511" y="678110"/>
+            <a:ext cx="7902428" cy="5501780"/>
+          </a:xfrm>
+          <a:prstGeom prst="rect">
+            <a:avLst/>
+          </a:prstGeom>
+          <a:noFill/>
+          <a:ln>
+            <a:noFill/>
+          </a:ln>
+        </p:spPr>
+      </p:pic>
+    </p:spTree>
+  </p:cSld>
+  <p:clrMapOvr>
+    <a:masterClrMapping/>
+  </p:clrMapOvr>
+</p:sld>
+</file>
+
+<file path=ppt/slides/slide5.xml><?xml version="1.0" encoding="utf-8"?>
+<p:sld xmlns:a="http://schemas.openxmlformats.org/drawingml/2006/main" xmlns:r="http://schemas.openxmlformats.org/officeDocument/2006/relationships" xmlns:p="http://schemas.openxmlformats.org/presentationml/2006/main">
+  <p:cSld>
+    <p:spTree>
+      <p:nvGrpSpPr>
+        <p:cNvPr id="1" name=""/>
+        <p:cNvGrpSpPr/>
+        <p:nvPr/>
+      </p:nvGrpSpPr>
+      <p:grpSpPr>
+        <a:xfrm>
+          <a:off x="0" y="0"/>
+          <a:ext cx="0" cy="0"/>
+          <a:chOff x="0" y="0"/>
+          <a:chExt cx="0" cy="0"/>
+        </a:xfrm>
+      </p:grpSpPr>
+      <p:sp>
+        <p:nvSpPr>
+          <p:cNvPr id="2" name="Title 1"/>
+          <p:cNvSpPr>
+            <a:spLocks noGrp="1"/>
+          </p:cNvSpPr>
+          <p:nvPr>
+            <p:ph type="ctrTitle"/>
+          </p:nvPr>
+        </p:nvSpPr>
+        <p:spPr>
+          <a:xfrm>
+            <a:off x="1507067" y="2404531"/>
+            <a:ext cx="7766936" cy="1646302"/>
+          </a:xfrm>
+        </p:spPr>
+        <p:txBody>
+          <a:bodyPr/>
+          <a:lstStyle/>
+          <a:p>
+            <a:r>
+              <a:rPr lang="zh-CN" altLang="en-US" dirty="0"/>
+              <a:t>实现过程</a:t>
+            </a:r>
+            <a:endParaRPr lang="en-MY" dirty="0"/>
+          </a:p>
+        </p:txBody>
+      </p:sp>
+      <p:sp>
+        <p:nvSpPr>
+          <p:cNvPr id="3" name="Subtitle 2"/>
+          <p:cNvSpPr>
+            <a:spLocks noGrp="1"/>
+          </p:cNvSpPr>
+          <p:nvPr>
+            <p:ph type="subTitle" idx="1"/>
+          </p:nvPr>
+        </p:nvSpPr>
+        <p:spPr/>
+        <p:txBody>
+          <a:bodyPr/>
+          <a:lstStyle/>
+          <a:p>
+            <a:endParaRPr lang="en-MY" dirty="0"/>
+          </a:p>
+        </p:txBody>
+      </p:sp>
+    </p:spTree>
+  </p:cSld>
+  <p:clrMapOvr>
+    <a:masterClrMapping/>
+  </p:clrMapOvr>
+</p:sld>
+</file>
+
+<file path=ppt/slides/slide6.xml><?xml version="1.0" encoding="utf-8"?>
+<p:sld xmlns:a="http://schemas.openxmlformats.org/drawingml/2006/main" xmlns:r="http://schemas.openxmlformats.org/officeDocument/2006/relationships" xmlns:p="http://schemas.openxmlformats.org/presentationml/2006/main">
+  <p:cSld>
+    <p:spTree>
+      <p:nvGrpSpPr>
+        <p:cNvPr id="1" name=""/>
+        <p:cNvGrpSpPr/>
+        <p:nvPr/>
+      </p:nvGrpSpPr>
+      <p:grpSpPr>
+        <a:xfrm>
+          <a:off x="0" y="0"/>
+          <a:ext cx="0" cy="0"/>
+          <a:chOff x="0" y="0"/>
+          <a:chExt cx="0" cy="0"/>
+        </a:xfrm>
+      </p:grpSpPr>
+      <p:sp>
+        <p:nvSpPr>
+          <p:cNvPr id="2" name="Title 1"/>
+          <p:cNvSpPr>
+            <a:spLocks noGrp="1"/>
+          </p:cNvSpPr>
+          <p:nvPr>
+            <p:ph type="ctrTitle"/>
+          </p:nvPr>
+        </p:nvSpPr>
+        <p:spPr>
+          <a:xfrm>
+            <a:off x="1507067" y="2404531"/>
+            <a:ext cx="7766936" cy="1646302"/>
+          </a:xfrm>
+        </p:spPr>
+        <p:txBody>
+          <a:bodyPr/>
+          <a:lstStyle/>
+          <a:p>
+            <a:r>
+              <a:rPr lang="zh-CN" altLang="en-US" sz="4800" dirty="0"/>
+              <a:t>实现</a:t>
+            </a:r>
+            <a:r>
+              <a:rPr lang="en-US" altLang="zh-CN" sz="4800" dirty="0"/>
+              <a:t>ACK Storm</a:t>
+            </a:r>
+            <a:endParaRPr lang="en-MY" sz="4800" dirty="0"/>
+          </a:p>
+        </p:txBody>
+      </p:sp>
+      <p:sp>
+        <p:nvSpPr>
+          <p:cNvPr id="3" name="Subtitle 2"/>
+          <p:cNvSpPr>
+            <a:spLocks noGrp="1"/>
+          </p:cNvSpPr>
+          <p:nvPr>
+            <p:ph type="subTitle" idx="1"/>
+          </p:nvPr>
+        </p:nvSpPr>
+        <p:spPr/>
+        <p:txBody>
+          <a:bodyPr/>
+          <a:lstStyle/>
+          <a:p>
+            <a:endParaRPr lang="en-MY" dirty="0"/>
+          </a:p>
+        </p:txBody>
+      </p:sp>
+    </p:spTree>
+  </p:cSld>
+  <p:clrMapOvr>
+    <a:masterClrMapping/>
+  </p:clrMapOvr>
+</p:sld>
+</file>
+
+<file path=ppt/slides/slide7.xml><?xml version="1.0" encoding="utf-8"?>
+<p:sld xmlns:a="http://schemas.openxmlformats.org/drawingml/2006/main" xmlns:r="http://schemas.openxmlformats.org/officeDocument/2006/relationships" xmlns:p="http://schemas.openxmlformats.org/presentationml/2006/main">
+  <p:cSld>
+    <p:spTree>
+      <p:nvGrpSpPr>
+        <p:cNvPr id="1" name=""/>
+        <p:cNvGrpSpPr/>
+        <p:nvPr/>
+      </p:nvGrpSpPr>
+      <p:grpSpPr>
+        <a:xfrm>
+          <a:off x="0" y="0"/>
+          <a:ext cx="0" cy="0"/>
+          <a:chOff x="0" y="0"/>
+          <a:chExt cx="0" cy="0"/>
+        </a:xfrm>
+      </p:grpSpPr>
+      <p:sp>
+        <p:nvSpPr>
+          <p:cNvPr id="2" name="Title 1"/>
+          <p:cNvSpPr>
+            <a:spLocks noGrp="1"/>
+          </p:cNvSpPr>
+          <p:nvPr>
+            <p:ph type="title"/>
+          </p:nvPr>
+        </p:nvSpPr>
+        <p:spPr/>
+        <p:txBody>
+          <a:bodyPr/>
+          <a:lstStyle/>
+          <a:p>
+            <a:r>
+              <a:rPr lang="zh-CN" altLang="en-US" dirty="0"/>
+              <a:t>实现步骤</a:t>
+            </a:r>
+            <a:endParaRPr lang="en-MY" dirty="0"/>
+          </a:p>
+        </p:txBody>
+      </p:sp>
+      <p:sp>
+        <p:nvSpPr>
+          <p:cNvPr id="3" name="Content Placeholder 2"/>
           <p:cNvSpPr>
             <a:spLocks noGrp="1"/>
           </p:cNvSpPr>
@@ -7283,6 +8903,11 @@
               </a:rPr>
               <a:t> -p 9090 192.168.213.129 8080</a:t>
             </a:r>
+            <a:endParaRPr lang="en-US" dirty="0">
+              <a:effectLst/>
+              <a:latin typeface="+mn-ea"/>
+              <a:cs typeface="Times New Roman" panose="02020603050405020304" pitchFamily="18" charset="0"/>
+            </a:endParaRPr>
           </a:p>
           <a:p>
             <a:pPr marL="457200" indent="-457200">
@@ -7662,18 +9287,12 @@
       </p:sp>
       <p:pic>
         <p:nvPicPr>
-          <p:cNvPr id="4" name="Picture 3">
-            <a:extLst>
-              <a:ext uri="{FF2B5EF4-FFF2-40B4-BE49-F238E27FC236}">
-                <a16:creationId xmlns:a16="http://schemas.microsoft.com/office/drawing/2014/main" id="{087D9DEF-FAEF-4D22-8384-CC6E0678103A}"/>
-              </a:ext>
-            </a:extLst>
-          </p:cNvPr>
+          <p:cNvPr id="4" name="Picture 3"/>
           <p:cNvPicPr/>
           <p:nvPr/>
         </p:nvPicPr>
         <p:blipFill>
-          <a:blip r:embed="rId2"/>
+          <a:blip r:embed="rId1"/>
           <a:stretch>
             <a:fillRect/>
           </a:stretch>
@@ -7694,18 +9313,12 @@
       </p:pic>
       <p:pic>
         <p:nvPicPr>
-          <p:cNvPr id="5" name="Picture 4">
-            <a:extLst>
-              <a:ext uri="{FF2B5EF4-FFF2-40B4-BE49-F238E27FC236}">
-                <a16:creationId xmlns:a16="http://schemas.microsoft.com/office/drawing/2014/main" id="{2A4713D7-7271-4449-8EE4-AB47F36B494C}"/>
-              </a:ext>
-            </a:extLst>
-          </p:cNvPr>
+          <p:cNvPr id="5" name="Picture 4"/>
           <p:cNvPicPr/>
           <p:nvPr/>
         </p:nvPicPr>
         <p:blipFill>
-          <a:blip r:embed="rId3"/>
+          <a:blip r:embed="rId2"/>
           <a:stretch>
             <a:fillRect/>
           </a:stretch>
@@ -7726,18 +9339,12 @@
       </p:pic>
       <p:pic>
         <p:nvPicPr>
-          <p:cNvPr id="6" name="Picture 5" descr="f4ccfb6b7f0feaa2fc289dd31cb21b7">
-            <a:extLst>
-              <a:ext uri="{FF2B5EF4-FFF2-40B4-BE49-F238E27FC236}">
-                <a16:creationId xmlns:a16="http://schemas.microsoft.com/office/drawing/2014/main" id="{73300848-2A03-47C1-999F-8F19B8E61C56}"/>
-              </a:ext>
-            </a:extLst>
-          </p:cNvPr>
+          <p:cNvPr id="6" name="Picture 5" descr="f4ccfb6b7f0feaa2fc289dd31cb21b7"/>
           <p:cNvPicPr/>
           <p:nvPr/>
         </p:nvPicPr>
         <p:blipFill>
-          <a:blip r:embed="rId4"/>
+          <a:blip r:embed="rId3"/>
           <a:stretch>
             <a:fillRect/>
           </a:stretch>
@@ -7754,18 +9361,12 @@
       </p:pic>
       <p:pic>
         <p:nvPicPr>
-          <p:cNvPr id="7" name="Picture 6">
-            <a:extLst>
-              <a:ext uri="{FF2B5EF4-FFF2-40B4-BE49-F238E27FC236}">
-                <a16:creationId xmlns:a16="http://schemas.microsoft.com/office/drawing/2014/main" id="{28AB1990-B024-4A6B-AC15-90DF958E9E0C}"/>
-              </a:ext>
-            </a:extLst>
-          </p:cNvPr>
+          <p:cNvPr id="7" name="Picture 6"/>
           <p:cNvPicPr/>
           <p:nvPr/>
         </p:nvPicPr>
         <p:blipFill>
-          <a:blip r:embed="rId5"/>
+          <a:blip r:embed="rId4"/>
           <a:stretch>
             <a:fillRect/>
           </a:stretch>
@@ -7786,18 +9387,12 @@
       </p:pic>
       <p:pic>
         <p:nvPicPr>
-          <p:cNvPr id="8" name="Picture 7" descr="bd25e2ebfc4fd9930fd729778a69a63">
-            <a:extLst>
-              <a:ext uri="{FF2B5EF4-FFF2-40B4-BE49-F238E27FC236}">
-                <a16:creationId xmlns:a16="http://schemas.microsoft.com/office/drawing/2014/main" id="{34BAA56C-9B38-49C2-A88F-C3C5630F6DE1}"/>
-              </a:ext>
-            </a:extLst>
-          </p:cNvPr>
+          <p:cNvPr id="8" name="Picture 7" descr="bd25e2ebfc4fd9930fd729778a69a63"/>
           <p:cNvPicPr/>
           <p:nvPr/>
         </p:nvPicPr>
         <p:blipFill>
-          <a:blip r:embed="rId6"/>
+          <a:blip r:embed="rId5"/>
           <a:stretch>
             <a:fillRect/>
           </a:stretch>
@@ -7813,11 +9408,6 @@
         </p:spPr>
       </p:pic>
     </p:spTree>
-    <p:extLst>
-      <p:ext uri="{BB962C8B-B14F-4D97-AF65-F5344CB8AC3E}">
-        <p14:creationId xmlns:p14="http://schemas.microsoft.com/office/powerpoint/2010/main" val="3496455267"/>
-      </p:ext>
-    </p:extLst>
   </p:cSld>
   <p:clrMapOvr>
     <a:masterClrMapping/>
@@ -8269,7 +9859,7 @@
 </p:sld>
 </file>
 
-<file path=ppt/slides/slide16.xml><?xml version="1.0" encoding="utf-8"?>
+<file path=ppt/slides/slide8.xml><?xml version="1.0" encoding="utf-8"?>
 <p:sld xmlns:a="http://schemas.openxmlformats.org/drawingml/2006/main" xmlns:r="http://schemas.openxmlformats.org/officeDocument/2006/relationships" xmlns:p="http://schemas.openxmlformats.org/presentationml/2006/main">
   <p:cSld>
     <p:spTree>
@@ -8288,13 +9878,7 @@
       </p:grpSpPr>
       <p:sp>
         <p:nvSpPr>
-          <p:cNvPr id="2" name="Title 1">
-            <a:extLst>
-              <a:ext uri="{FF2B5EF4-FFF2-40B4-BE49-F238E27FC236}">
-                <a16:creationId xmlns:a16="http://schemas.microsoft.com/office/drawing/2014/main" id="{8D29C68A-8E56-42ED-A4AC-751979184822}"/>
-              </a:ext>
-            </a:extLst>
-          </p:cNvPr>
+          <p:cNvPr id="2" name="Title 1"/>
           <p:cNvSpPr>
             <a:spLocks noGrp="1"/>
           </p:cNvSpPr>
@@ -8315,18 +9899,13 @@
               <a:rPr lang="en-MY" dirty="0"/>
               <a:t>ACK Storm</a:t>
             </a:r>
+            <a:endParaRPr lang="en-MY" dirty="0"/>
           </a:p>
         </p:txBody>
       </p:sp>
       <p:pic>
         <p:nvPicPr>
-          <p:cNvPr id="4" name="Content Placeholder 3">
-            <a:extLst>
-              <a:ext uri="{FF2B5EF4-FFF2-40B4-BE49-F238E27FC236}">
-                <a16:creationId xmlns:a16="http://schemas.microsoft.com/office/drawing/2014/main" id="{E21CD1FA-825B-43C4-8F85-9048092CDA40}"/>
-              </a:ext>
-            </a:extLst>
-          </p:cNvPr>
+          <p:cNvPr id="4" name="Content Placeholder 3"/>
           <p:cNvPicPr>
             <a:picLocks noGrp="1"/>
           </p:cNvPicPr>
@@ -8335,7 +9914,7 @@
           </p:nvPr>
         </p:nvPicPr>
         <p:blipFill>
-          <a:blip r:embed="rId2"/>
+          <a:blip r:embed="rId1"/>
           <a:stretch>
             <a:fillRect/>
           </a:stretch>
@@ -8355,1939 +9934,6 @@
         </p:spPr>
       </p:pic>
     </p:spTree>
-    <p:extLst>
-      <p:ext uri="{BB962C8B-B14F-4D97-AF65-F5344CB8AC3E}">
-        <p14:creationId xmlns:p14="http://schemas.microsoft.com/office/powerpoint/2010/main" val="2226281445"/>
-      </p:ext>
-    </p:extLst>
-  </p:cSld>
-  <p:clrMapOvr>
-    <a:masterClrMapping/>
-  </p:clrMapOvr>
-</p:sld>
-</file>
-
-<file path=ppt/slides/slide17.xml><?xml version="1.0" encoding="utf-8"?>
-<p:sld xmlns:a="http://schemas.openxmlformats.org/drawingml/2006/main" xmlns:r="http://schemas.openxmlformats.org/officeDocument/2006/relationships" xmlns:p="http://schemas.openxmlformats.org/presentationml/2006/main">
-  <p:cSld>
-    <p:spTree>
-      <p:nvGrpSpPr>
-        <p:cNvPr id="1" name=""/>
-        <p:cNvGrpSpPr/>
-        <p:nvPr/>
-      </p:nvGrpSpPr>
-      <p:grpSpPr>
-        <a:xfrm>
-          <a:off x="0" y="0"/>
-          <a:ext cx="0" cy="0"/>
-          <a:chOff x="0" y="0"/>
-          <a:chExt cx="0" cy="0"/>
-        </a:xfrm>
-      </p:grpSpPr>
-      <p:sp>
-        <p:nvSpPr>
-          <p:cNvPr id="2" name="Title 1">
-            <a:extLst>
-              <a:ext uri="{FF2B5EF4-FFF2-40B4-BE49-F238E27FC236}">
-                <a16:creationId xmlns:a16="http://schemas.microsoft.com/office/drawing/2014/main" id="{13EBCDCC-AC0E-4224-98FD-2780A74AE843}"/>
-              </a:ext>
-            </a:extLst>
-          </p:cNvPr>
-          <p:cNvSpPr>
-            <a:spLocks noGrp="1"/>
-          </p:cNvSpPr>
-          <p:nvPr>
-            <p:ph type="ctrTitle"/>
-          </p:nvPr>
-        </p:nvSpPr>
-        <p:spPr/>
-        <p:txBody>
-          <a:bodyPr/>
-          <a:lstStyle/>
-          <a:p>
-            <a:r>
-              <a:rPr lang="en-MY" dirty="0"/>
-              <a:t>demo</a:t>
-            </a:r>
-          </a:p>
-        </p:txBody>
-      </p:sp>
-      <p:sp>
-        <p:nvSpPr>
-          <p:cNvPr id="3" name="Subtitle 2">
-            <a:extLst>
-              <a:ext uri="{FF2B5EF4-FFF2-40B4-BE49-F238E27FC236}">
-                <a16:creationId xmlns:a16="http://schemas.microsoft.com/office/drawing/2014/main" id="{C8ACB5B7-FC3C-43ED-BB53-3FBA32F7AAAA}"/>
-              </a:ext>
-            </a:extLst>
-          </p:cNvPr>
-          <p:cNvSpPr>
-            <a:spLocks noGrp="1"/>
-          </p:cNvSpPr>
-          <p:nvPr>
-            <p:ph type="subTitle" idx="1"/>
-          </p:nvPr>
-        </p:nvSpPr>
-        <p:spPr/>
-        <p:txBody>
-          <a:bodyPr/>
-          <a:lstStyle/>
-          <a:p>
-            <a:endParaRPr lang="en-MY" dirty="0"/>
-          </a:p>
-        </p:txBody>
-      </p:sp>
-    </p:spTree>
-    <p:extLst>
-      <p:ext uri="{BB962C8B-B14F-4D97-AF65-F5344CB8AC3E}">
-        <p14:creationId xmlns:p14="http://schemas.microsoft.com/office/powerpoint/2010/main" val="4082229886"/>
-      </p:ext>
-    </p:extLst>
-  </p:cSld>
-  <p:clrMapOvr>
-    <a:masterClrMapping/>
-  </p:clrMapOvr>
-</p:sld>
-</file>
-
-<file path=ppt/slides/slide18.xml><?xml version="1.0" encoding="utf-8"?>
-<p:sld xmlns:a="http://schemas.openxmlformats.org/drawingml/2006/main" xmlns:r="http://schemas.openxmlformats.org/officeDocument/2006/relationships" xmlns:p="http://schemas.openxmlformats.org/presentationml/2006/main">
-  <p:cSld>
-    <p:spTree>
-      <p:nvGrpSpPr>
-        <p:cNvPr id="1" name=""/>
-        <p:cNvGrpSpPr/>
-        <p:nvPr/>
-      </p:nvGrpSpPr>
-      <p:grpSpPr>
-        <a:xfrm>
-          <a:off x="0" y="0"/>
-          <a:ext cx="0" cy="0"/>
-          <a:chOff x="0" y="0"/>
-          <a:chExt cx="0" cy="0"/>
-        </a:xfrm>
-      </p:grpSpPr>
-      <p:sp>
-        <p:nvSpPr>
-          <p:cNvPr id="2" name="Title 1">
-            <a:extLst>
-              <a:ext uri="{FF2B5EF4-FFF2-40B4-BE49-F238E27FC236}">
-                <a16:creationId xmlns:a16="http://schemas.microsoft.com/office/drawing/2014/main" id="{13EBCDCC-AC0E-4224-98FD-2780A74AE843}"/>
-              </a:ext>
-            </a:extLst>
-          </p:cNvPr>
-          <p:cNvSpPr>
-            <a:spLocks noGrp="1"/>
-          </p:cNvSpPr>
-          <p:nvPr>
-            <p:ph type="ctrTitle"/>
-          </p:nvPr>
-        </p:nvSpPr>
-        <p:spPr/>
-        <p:txBody>
-          <a:bodyPr/>
-          <a:lstStyle/>
-          <a:p>
-            <a:r>
-              <a:rPr lang="zh-CN" altLang="en-US" dirty="0"/>
-              <a:t>扩展</a:t>
-            </a:r>
-            <a:endParaRPr lang="en-MY" dirty="0"/>
-          </a:p>
-        </p:txBody>
-      </p:sp>
-      <p:sp>
-        <p:nvSpPr>
-          <p:cNvPr id="3" name="Subtitle 2">
-            <a:extLst>
-              <a:ext uri="{FF2B5EF4-FFF2-40B4-BE49-F238E27FC236}">
-                <a16:creationId xmlns:a16="http://schemas.microsoft.com/office/drawing/2014/main" id="{C8ACB5B7-FC3C-43ED-BB53-3FBA32F7AAAA}"/>
-              </a:ext>
-            </a:extLst>
-          </p:cNvPr>
-          <p:cNvSpPr>
-            <a:spLocks noGrp="1"/>
-          </p:cNvSpPr>
-          <p:nvPr>
-            <p:ph type="subTitle" idx="1"/>
-          </p:nvPr>
-        </p:nvSpPr>
-        <p:spPr/>
-        <p:txBody>
-          <a:bodyPr/>
-          <a:lstStyle/>
-          <a:p>
-            <a:pPr algn="l"/>
-            <a:r>
-              <a:rPr lang="zh-CN" sz="2800" kern="100" dirty="0">
-                <a:effectLst/>
-                <a:latin typeface="+mn-ea"/>
-                <a:cs typeface="Times New Roman" panose="02020603050405020304" pitchFamily="18" charset="0"/>
-              </a:rPr>
-              <a:t>尝试把状态机对</a:t>
-            </a:r>
-            <a:r>
-              <a:rPr lang="en-US" sz="2800" kern="100" dirty="0">
-                <a:effectLst/>
-                <a:latin typeface="+mn-ea"/>
-                <a:cs typeface="Times New Roman" panose="02020603050405020304" pitchFamily="18" charset="0"/>
-              </a:rPr>
-              <a:t>attack</a:t>
-            </a:r>
-            <a:r>
-              <a:rPr lang="zh-CN" sz="2800" kern="100" dirty="0">
-                <a:effectLst/>
-                <a:latin typeface="+mn-ea"/>
-                <a:cs typeface="Times New Roman" panose="02020603050405020304" pitchFamily="18" charset="0"/>
-              </a:rPr>
-              <a:t>的检测嵌入本机的</a:t>
-            </a:r>
-            <a:r>
-              <a:rPr lang="en-US" altLang="zh-CN" sz="2800" kern="100" dirty="0">
-                <a:latin typeface="+mn-ea"/>
-                <a:cs typeface="Times New Roman" panose="02020603050405020304" pitchFamily="18" charset="0"/>
-              </a:rPr>
-              <a:t>TCP</a:t>
-            </a:r>
-            <a:r>
-              <a:rPr lang="zh-CN" sz="2800" kern="100" dirty="0">
-                <a:effectLst/>
-                <a:latin typeface="+mn-ea"/>
-                <a:cs typeface="Times New Roman" panose="02020603050405020304" pitchFamily="18" charset="0"/>
-              </a:rPr>
-              <a:t>协议，在检测到攻击直接中断与对应</a:t>
-            </a:r>
-            <a:r>
-              <a:rPr lang="en-US" altLang="zh-CN" sz="2800" kern="100" dirty="0">
-                <a:latin typeface="+mn-ea"/>
-                <a:cs typeface="Times New Roman" panose="02020603050405020304" pitchFamily="18" charset="0"/>
-              </a:rPr>
-              <a:t>IP</a:t>
-            </a:r>
-            <a:r>
-              <a:rPr lang="zh-CN" sz="2800" kern="100" dirty="0">
-                <a:effectLst/>
-                <a:latin typeface="+mn-ea"/>
-                <a:cs typeface="Times New Roman" panose="02020603050405020304" pitchFamily="18" charset="0"/>
-              </a:rPr>
-              <a:t>的连接</a:t>
-            </a:r>
-            <a:endParaRPr lang="en-MY" sz="2800" kern="100" dirty="0">
-              <a:effectLst/>
-              <a:latin typeface="+mn-ea"/>
-              <a:cs typeface="Times New Roman" panose="02020603050405020304" pitchFamily="18" charset="0"/>
-            </a:endParaRPr>
-          </a:p>
-          <a:p>
-            <a:endParaRPr lang="en-MY" dirty="0"/>
-          </a:p>
-        </p:txBody>
-      </p:sp>
-    </p:spTree>
-    <p:extLst>
-      <p:ext uri="{BB962C8B-B14F-4D97-AF65-F5344CB8AC3E}">
-        <p14:creationId xmlns:p14="http://schemas.microsoft.com/office/powerpoint/2010/main" val="4007365856"/>
-      </p:ext>
-    </p:extLst>
-  </p:cSld>
-  <p:clrMapOvr>
-    <a:masterClrMapping/>
-  </p:clrMapOvr>
-</p:sld>
-</file>
-
-<file path=ppt/slides/slide19.xml><?xml version="1.0" encoding="utf-8"?>
-<p:sld xmlns:a="http://schemas.openxmlformats.org/drawingml/2006/main" xmlns:r="http://schemas.openxmlformats.org/officeDocument/2006/relationships" xmlns:p="http://schemas.openxmlformats.org/presentationml/2006/main">
-  <p:cSld>
-    <p:spTree>
-      <p:nvGrpSpPr>
-        <p:cNvPr id="1" name=""/>
-        <p:cNvGrpSpPr/>
-        <p:nvPr/>
-      </p:nvGrpSpPr>
-      <p:grpSpPr>
-        <a:xfrm>
-          <a:off x="0" y="0"/>
-          <a:ext cx="0" cy="0"/>
-          <a:chOff x="0" y="0"/>
-          <a:chExt cx="0" cy="0"/>
-        </a:xfrm>
-      </p:grpSpPr>
-      <p:sp>
-        <p:nvSpPr>
-          <p:cNvPr id="2" name="Title 1">
-            <a:extLst>
-              <a:ext uri="{FF2B5EF4-FFF2-40B4-BE49-F238E27FC236}">
-                <a16:creationId xmlns:a16="http://schemas.microsoft.com/office/drawing/2014/main" id="{FD7B50CE-A10E-411B-B248-FC78F47ED7A6}"/>
-              </a:ext>
-            </a:extLst>
-          </p:cNvPr>
-          <p:cNvSpPr>
-            <a:spLocks noGrp="1"/>
-          </p:cNvSpPr>
-          <p:nvPr>
-            <p:ph type="title"/>
-          </p:nvPr>
-        </p:nvSpPr>
-        <p:spPr/>
-        <p:txBody>
-          <a:bodyPr/>
-          <a:lstStyle/>
-          <a:p>
-            <a:r>
-              <a:rPr lang="zh-CN" altLang="en-US" dirty="0"/>
-              <a:t>收获</a:t>
-            </a:r>
-            <a:endParaRPr lang="en-MY" dirty="0"/>
-          </a:p>
-        </p:txBody>
-      </p:sp>
-      <p:sp>
-        <p:nvSpPr>
-          <p:cNvPr id="3" name="Content Placeholder 2">
-            <a:extLst>
-              <a:ext uri="{FF2B5EF4-FFF2-40B4-BE49-F238E27FC236}">
-                <a16:creationId xmlns:a16="http://schemas.microsoft.com/office/drawing/2014/main" id="{3F9E8DA4-0094-4B74-8041-C67E6CA98851}"/>
-              </a:ext>
-            </a:extLst>
-          </p:cNvPr>
-          <p:cNvSpPr>
-            <a:spLocks noGrp="1"/>
-          </p:cNvSpPr>
-          <p:nvPr>
-            <p:ph idx="1"/>
-          </p:nvPr>
-        </p:nvSpPr>
-        <p:spPr/>
-        <p:txBody>
-          <a:bodyPr>
-            <a:normAutofit/>
-          </a:bodyPr>
-          <a:lstStyle/>
-          <a:p>
-            <a:r>
-              <a:rPr lang="zh-CN" altLang="en-US" sz="3200" kern="100" dirty="0">
-                <a:effectLst/>
-                <a:latin typeface="+mn-ea"/>
-                <a:cs typeface="Times New Roman" panose="02020603050405020304" pitchFamily="18" charset="0"/>
-              </a:rPr>
-              <a:t>深入</a:t>
-            </a:r>
-            <a:r>
-              <a:rPr lang="zh-CN" sz="3200" kern="100" dirty="0">
-                <a:effectLst/>
-                <a:latin typeface="+mn-ea"/>
-                <a:cs typeface="Times New Roman" panose="02020603050405020304" pitchFamily="18" charset="0"/>
-              </a:rPr>
-              <a:t>了解</a:t>
-            </a:r>
-            <a:r>
-              <a:rPr lang="en-US" altLang="zh-CN" sz="3200" kern="100" dirty="0">
-                <a:latin typeface="+mn-ea"/>
-                <a:cs typeface="Times New Roman" panose="02020603050405020304" pitchFamily="18" charset="0"/>
-              </a:rPr>
-              <a:t>TCP</a:t>
-            </a:r>
-            <a:r>
-              <a:rPr lang="zh-CN" sz="3200" kern="100" dirty="0">
-                <a:effectLst/>
-                <a:latin typeface="+mn-ea"/>
-                <a:cs typeface="Times New Roman" panose="02020603050405020304" pitchFamily="18" charset="0"/>
-              </a:rPr>
-              <a:t>协议的三次握手规则</a:t>
-            </a:r>
-            <a:endParaRPr lang="en-MY" sz="3200" kern="100" dirty="0">
-              <a:effectLst/>
-              <a:latin typeface="+mn-ea"/>
-              <a:cs typeface="Times New Roman" panose="02020603050405020304" pitchFamily="18" charset="0"/>
-            </a:endParaRPr>
-          </a:p>
-          <a:p>
-            <a:r>
-              <a:rPr lang="zh-CN" altLang="en-US" sz="3200" dirty="0">
-                <a:effectLst/>
-                <a:latin typeface="+mn-ea"/>
-                <a:cs typeface="Times New Roman" panose="02020603050405020304" pitchFamily="18" charset="0"/>
-              </a:rPr>
-              <a:t>深入解读</a:t>
-            </a:r>
-            <a:r>
-              <a:rPr lang="zh-CN" sz="3200" dirty="0">
-                <a:effectLst/>
-                <a:latin typeface="+mn-ea"/>
-                <a:cs typeface="Times New Roman" panose="02020603050405020304" pitchFamily="18" charset="0"/>
-              </a:rPr>
-              <a:t>网络间通讯的</a:t>
-            </a:r>
-            <a:r>
-              <a:rPr lang="en-US" altLang="zh-CN" sz="3200" dirty="0">
-                <a:latin typeface="+mn-ea"/>
-                <a:cs typeface="Times New Roman" panose="02020603050405020304" pitchFamily="18" charset="0"/>
-              </a:rPr>
-              <a:t>IP</a:t>
-            </a:r>
-            <a:r>
-              <a:rPr lang="zh-CN" sz="3200" dirty="0">
-                <a:effectLst/>
-                <a:latin typeface="+mn-ea"/>
-                <a:cs typeface="Times New Roman" panose="02020603050405020304" pitchFamily="18" charset="0"/>
-              </a:rPr>
-              <a:t>数据包的格式与</a:t>
-            </a:r>
-            <a:r>
-              <a:rPr lang="en-US" altLang="zh-CN" sz="3200" dirty="0">
-                <a:latin typeface="+mn-ea"/>
-                <a:cs typeface="Times New Roman" panose="02020603050405020304" pitchFamily="18" charset="0"/>
-              </a:rPr>
-              <a:t>TCP</a:t>
-            </a:r>
-            <a:r>
-              <a:rPr lang="zh-CN" sz="3200" dirty="0">
-                <a:effectLst/>
-                <a:latin typeface="+mn-ea"/>
-                <a:cs typeface="Times New Roman" panose="02020603050405020304" pitchFamily="18" charset="0"/>
-              </a:rPr>
-              <a:t>数据包的格式</a:t>
-            </a:r>
-            <a:endParaRPr lang="en-MY" altLang="zh-CN" sz="3200" dirty="0">
-              <a:effectLst/>
-              <a:latin typeface="+mn-ea"/>
-              <a:cs typeface="Times New Roman" panose="02020603050405020304" pitchFamily="18" charset="0"/>
-            </a:endParaRPr>
-          </a:p>
-          <a:p>
-            <a:r>
-              <a:rPr lang="zh-CN" sz="3200" dirty="0">
-                <a:effectLst/>
-                <a:latin typeface="+mn-ea"/>
-                <a:cs typeface="Times New Roman" panose="02020603050405020304" pitchFamily="18" charset="0"/>
-              </a:rPr>
-              <a:t>掌握对数据包抓取，过滤，分析一系列的代码实现</a:t>
-            </a:r>
-            <a:endParaRPr lang="en-MY" sz="3200" dirty="0">
-              <a:latin typeface="+mn-ea"/>
-            </a:endParaRPr>
-          </a:p>
-        </p:txBody>
-      </p:sp>
-    </p:spTree>
-    <p:extLst>
-      <p:ext uri="{BB962C8B-B14F-4D97-AF65-F5344CB8AC3E}">
-        <p14:creationId xmlns:p14="http://schemas.microsoft.com/office/powerpoint/2010/main" val="1233028883"/>
-      </p:ext>
-    </p:extLst>
-  </p:cSld>
-  <p:clrMapOvr>
-    <a:masterClrMapping/>
-  </p:clrMapOvr>
-</p:sld>
-</file>
-
-<file path=ppt/slides/slide2.xml><?xml version="1.0" encoding="utf-8"?>
-<p:sld xmlns:a="http://schemas.openxmlformats.org/drawingml/2006/main" xmlns:r="http://schemas.openxmlformats.org/officeDocument/2006/relationships" xmlns:p="http://schemas.openxmlformats.org/presentationml/2006/main">
-  <p:cSld>
-    <p:spTree>
-      <p:nvGrpSpPr>
-        <p:cNvPr id="1" name=""/>
-        <p:cNvGrpSpPr/>
-        <p:nvPr/>
-      </p:nvGrpSpPr>
-      <p:grpSpPr>
-        <a:xfrm>
-          <a:off x="0" y="0"/>
-          <a:ext cx="0" cy="0"/>
-          <a:chOff x="0" y="0"/>
-          <a:chExt cx="0" cy="0"/>
-        </a:xfrm>
-      </p:grpSpPr>
-      <p:sp>
-        <p:nvSpPr>
-          <p:cNvPr id="2" name="Title 1">
-            <a:extLst>
-              <a:ext uri="{FF2B5EF4-FFF2-40B4-BE49-F238E27FC236}">
-                <a16:creationId xmlns:a16="http://schemas.microsoft.com/office/drawing/2014/main" id="{13EBCDCC-AC0E-4224-98FD-2780A74AE843}"/>
-              </a:ext>
-            </a:extLst>
-          </p:cNvPr>
-          <p:cNvSpPr>
-            <a:spLocks noGrp="1"/>
-          </p:cNvSpPr>
-          <p:nvPr>
-            <p:ph type="ctrTitle"/>
-          </p:nvPr>
-        </p:nvSpPr>
-        <p:spPr/>
-        <p:txBody>
-          <a:bodyPr/>
-          <a:lstStyle/>
-          <a:p>
-            <a:r>
-              <a:rPr lang="zh-CN" altLang="en-US" dirty="0"/>
-              <a:t>回顾论文内容</a:t>
-            </a:r>
-            <a:endParaRPr lang="en-MY" dirty="0"/>
-          </a:p>
-        </p:txBody>
-      </p:sp>
-      <p:sp>
-        <p:nvSpPr>
-          <p:cNvPr id="3" name="Subtitle 2">
-            <a:extLst>
-              <a:ext uri="{FF2B5EF4-FFF2-40B4-BE49-F238E27FC236}">
-                <a16:creationId xmlns:a16="http://schemas.microsoft.com/office/drawing/2014/main" id="{C8ACB5B7-FC3C-43ED-BB53-3FBA32F7AAAA}"/>
-              </a:ext>
-            </a:extLst>
-          </p:cNvPr>
-          <p:cNvSpPr>
-            <a:spLocks noGrp="1"/>
-          </p:cNvSpPr>
-          <p:nvPr>
-            <p:ph type="subTitle" idx="1"/>
-          </p:nvPr>
-        </p:nvSpPr>
-        <p:spPr/>
-        <p:txBody>
-          <a:bodyPr/>
-          <a:lstStyle/>
-          <a:p>
-            <a:endParaRPr lang="en-MY" dirty="0"/>
-          </a:p>
-        </p:txBody>
-      </p:sp>
-    </p:spTree>
-    <p:extLst>
-      <p:ext uri="{BB962C8B-B14F-4D97-AF65-F5344CB8AC3E}">
-        <p14:creationId xmlns:p14="http://schemas.microsoft.com/office/powerpoint/2010/main" val="2900036805"/>
-      </p:ext>
-    </p:extLst>
-  </p:cSld>
-  <p:clrMapOvr>
-    <a:masterClrMapping/>
-  </p:clrMapOvr>
-</p:sld>
-</file>
-
-<file path=ppt/slides/slide20.xml><?xml version="1.0" encoding="utf-8"?>
-<p:sld xmlns:a="http://schemas.openxmlformats.org/drawingml/2006/main" xmlns:r="http://schemas.openxmlformats.org/officeDocument/2006/relationships" xmlns:p="http://schemas.openxmlformats.org/presentationml/2006/main">
-  <p:cSld>
-    <p:spTree>
-      <p:nvGrpSpPr>
-        <p:cNvPr id="1" name=""/>
-        <p:cNvGrpSpPr/>
-        <p:nvPr/>
-      </p:nvGrpSpPr>
-      <p:grpSpPr>
-        <a:xfrm>
-          <a:off x="0" y="0"/>
-          <a:ext cx="0" cy="0"/>
-          <a:chOff x="0" y="0"/>
-          <a:chExt cx="0" cy="0"/>
-        </a:xfrm>
-      </p:grpSpPr>
-      <p:sp>
-        <p:nvSpPr>
-          <p:cNvPr id="2" name="Title 1">
-            <a:extLst>
-              <a:ext uri="{FF2B5EF4-FFF2-40B4-BE49-F238E27FC236}">
-                <a16:creationId xmlns:a16="http://schemas.microsoft.com/office/drawing/2014/main" id="{EF8EB9E3-ADAA-4D6C-9F1D-BE1D244915C5}"/>
-              </a:ext>
-            </a:extLst>
-          </p:cNvPr>
-          <p:cNvSpPr>
-            <a:spLocks noGrp="1"/>
-          </p:cNvSpPr>
-          <p:nvPr>
-            <p:ph type="title"/>
-          </p:nvPr>
-        </p:nvSpPr>
-        <p:spPr/>
-        <p:txBody>
-          <a:bodyPr/>
-          <a:lstStyle/>
-          <a:p>
-            <a:r>
-              <a:rPr lang="zh-CN" altLang="en-US" dirty="0"/>
-              <a:t>分工</a:t>
-            </a:r>
-            <a:endParaRPr lang="en-MY" dirty="0"/>
-          </a:p>
-        </p:txBody>
-      </p:sp>
-      <p:sp>
-        <p:nvSpPr>
-          <p:cNvPr id="3" name="Content Placeholder 2">
-            <a:extLst>
-              <a:ext uri="{FF2B5EF4-FFF2-40B4-BE49-F238E27FC236}">
-                <a16:creationId xmlns:a16="http://schemas.microsoft.com/office/drawing/2014/main" id="{C5518FFE-CD7C-49A5-B5C6-324FC9F30D6A}"/>
-              </a:ext>
-            </a:extLst>
-          </p:cNvPr>
-          <p:cNvSpPr>
-            <a:spLocks noGrp="1"/>
-          </p:cNvSpPr>
-          <p:nvPr>
-            <p:ph idx="1"/>
-          </p:nvPr>
-        </p:nvSpPr>
-        <p:spPr/>
-        <p:txBody>
-          <a:bodyPr/>
-          <a:lstStyle/>
-          <a:p>
-            <a:r>
-              <a:rPr lang="en-MY" sz="2000" dirty="0"/>
-              <a:t>KAR CHUN TEONG</a:t>
-            </a:r>
-          </a:p>
-          <a:p>
-            <a:pPr lvl="1"/>
-            <a:r>
-              <a:rPr lang="zh-CN" altLang="en-US" sz="2000" dirty="0"/>
-              <a:t>论文选题、制作中</a:t>
-            </a:r>
-            <a:r>
-              <a:rPr lang="zh-CN" altLang="en-US" sz="2000"/>
-              <a:t>期与期末汇</a:t>
-            </a:r>
-            <a:r>
-              <a:rPr lang="zh-CN" altLang="en-US" sz="2000" dirty="0"/>
-              <a:t>报的</a:t>
-            </a:r>
-            <a:r>
-              <a:rPr lang="en-MY" altLang="zh-CN" sz="2000" dirty="0"/>
-              <a:t>PPT</a:t>
-            </a:r>
-            <a:r>
-              <a:rPr lang="zh-CN" altLang="en-US" sz="2000" dirty="0"/>
-              <a:t>、编写期末报告</a:t>
-            </a:r>
-            <a:endParaRPr lang="en-MY" sz="2000" dirty="0"/>
-          </a:p>
-          <a:p>
-            <a:r>
-              <a:rPr lang="zh-CN" altLang="en-US" sz="2000" dirty="0"/>
-              <a:t>李洪旭</a:t>
-            </a:r>
-            <a:endParaRPr lang="en-MY" altLang="zh-CN" sz="2000" dirty="0"/>
-          </a:p>
-          <a:p>
-            <a:pPr lvl="1"/>
-            <a:endParaRPr lang="en-MY" altLang="zh-CN" sz="2000" dirty="0"/>
-          </a:p>
-          <a:p>
-            <a:r>
-              <a:rPr lang="zh-CN" altLang="en-US" sz="2000" dirty="0"/>
-              <a:t>胡天益</a:t>
-            </a:r>
-            <a:endParaRPr lang="en-MY" altLang="zh-CN" sz="2000" dirty="0"/>
-          </a:p>
-          <a:p>
-            <a:pPr lvl="1"/>
-            <a:endParaRPr lang="en-MY" altLang="zh-CN" sz="2000" dirty="0"/>
-          </a:p>
-          <a:p>
-            <a:r>
-              <a:rPr lang="zh-CN" altLang="en-US" sz="2000" dirty="0"/>
-              <a:t>黄中钰</a:t>
-            </a:r>
-            <a:endParaRPr lang="en-MY" altLang="zh-CN" sz="2000" dirty="0"/>
-          </a:p>
-          <a:p>
-            <a:pPr lvl="1"/>
-            <a:endParaRPr lang="en-MY" dirty="0"/>
-          </a:p>
-        </p:txBody>
-      </p:sp>
-    </p:spTree>
-    <p:extLst>
-      <p:ext uri="{BB962C8B-B14F-4D97-AF65-F5344CB8AC3E}">
-        <p14:creationId xmlns:p14="http://schemas.microsoft.com/office/powerpoint/2010/main" val="634147495"/>
-      </p:ext>
-    </p:extLst>
-  </p:cSld>
-  <p:clrMapOvr>
-    <a:masterClrMapping/>
-  </p:clrMapOvr>
-</p:sld>
-</file>
-
-<file path=ppt/slides/slide21.xml><?xml version="1.0" encoding="utf-8"?>
-<p:sld xmlns:a="http://schemas.openxmlformats.org/drawingml/2006/main" xmlns:r="http://schemas.openxmlformats.org/officeDocument/2006/relationships" xmlns:p="http://schemas.openxmlformats.org/presentationml/2006/main">
-  <p:cSld>
-    <p:spTree>
-      <p:nvGrpSpPr>
-        <p:cNvPr id="1" name=""/>
-        <p:cNvGrpSpPr/>
-        <p:nvPr/>
-      </p:nvGrpSpPr>
-      <p:grpSpPr>
-        <a:xfrm>
-          <a:off x="0" y="0"/>
-          <a:ext cx="0" cy="0"/>
-          <a:chOff x="0" y="0"/>
-          <a:chExt cx="0" cy="0"/>
-        </a:xfrm>
-      </p:grpSpPr>
-      <p:sp>
-        <p:nvSpPr>
-          <p:cNvPr id="2" name="Title 1">
-            <a:extLst>
-              <a:ext uri="{FF2B5EF4-FFF2-40B4-BE49-F238E27FC236}">
-                <a16:creationId xmlns:a16="http://schemas.microsoft.com/office/drawing/2014/main" id="{13EBCDCC-AC0E-4224-98FD-2780A74AE843}"/>
-              </a:ext>
-            </a:extLst>
-          </p:cNvPr>
-          <p:cNvSpPr>
-            <a:spLocks noGrp="1"/>
-          </p:cNvSpPr>
-          <p:nvPr>
-            <p:ph type="ctrTitle"/>
-          </p:nvPr>
-        </p:nvSpPr>
-        <p:spPr/>
-        <p:txBody>
-          <a:bodyPr/>
-          <a:lstStyle/>
-          <a:p>
-            <a:r>
-              <a:rPr lang="zh-CN" altLang="en-US" dirty="0"/>
-              <a:t>谢谢！</a:t>
-            </a:r>
-            <a:endParaRPr lang="en-MY" dirty="0"/>
-          </a:p>
-        </p:txBody>
-      </p:sp>
-      <p:sp>
-        <p:nvSpPr>
-          <p:cNvPr id="3" name="Subtitle 2">
-            <a:extLst>
-              <a:ext uri="{FF2B5EF4-FFF2-40B4-BE49-F238E27FC236}">
-                <a16:creationId xmlns:a16="http://schemas.microsoft.com/office/drawing/2014/main" id="{C8ACB5B7-FC3C-43ED-BB53-3FBA32F7AAAA}"/>
-              </a:ext>
-            </a:extLst>
-          </p:cNvPr>
-          <p:cNvSpPr>
-            <a:spLocks noGrp="1"/>
-          </p:cNvSpPr>
-          <p:nvPr>
-            <p:ph type="subTitle" idx="1"/>
-          </p:nvPr>
-        </p:nvSpPr>
-        <p:spPr/>
-        <p:txBody>
-          <a:bodyPr/>
-          <a:lstStyle/>
-          <a:p>
-            <a:endParaRPr lang="en-MY" dirty="0"/>
-          </a:p>
-        </p:txBody>
-      </p:sp>
-    </p:spTree>
-    <p:extLst>
-      <p:ext uri="{BB962C8B-B14F-4D97-AF65-F5344CB8AC3E}">
-        <p14:creationId xmlns:p14="http://schemas.microsoft.com/office/powerpoint/2010/main" val="1089557770"/>
-      </p:ext>
-    </p:extLst>
-  </p:cSld>
-  <p:clrMapOvr>
-    <a:masterClrMapping/>
-  </p:clrMapOvr>
-</p:sld>
-</file>
-
-<file path=ppt/slides/slide3.xml><?xml version="1.0" encoding="utf-8"?>
-<p:sld xmlns:a="http://schemas.openxmlformats.org/drawingml/2006/main" xmlns:r="http://schemas.openxmlformats.org/officeDocument/2006/relationships" xmlns:p="http://schemas.openxmlformats.org/presentationml/2006/main">
-  <p:cSld>
-    <p:spTree>
-      <p:nvGrpSpPr>
-        <p:cNvPr id="1" name=""/>
-        <p:cNvGrpSpPr/>
-        <p:nvPr/>
-      </p:nvGrpSpPr>
-      <p:grpSpPr>
-        <a:xfrm>
-          <a:off x="0" y="0"/>
-          <a:ext cx="0" cy="0"/>
-          <a:chOff x="0" y="0"/>
-          <a:chExt cx="0" cy="0"/>
-        </a:xfrm>
-      </p:grpSpPr>
-      <p:pic>
-        <p:nvPicPr>
-          <p:cNvPr id="4" name="图片 4">
-            <a:extLst>
-              <a:ext uri="{FF2B5EF4-FFF2-40B4-BE49-F238E27FC236}">
-                <a16:creationId xmlns:a16="http://schemas.microsoft.com/office/drawing/2014/main" id="{84D6FCEF-EB53-4ED4-B616-453522D2173E}"/>
-              </a:ext>
-            </a:extLst>
-          </p:cNvPr>
-          <p:cNvPicPr>
-            <a:picLocks noGrp="1"/>
-          </p:cNvPicPr>
-          <p:nvPr>
-            <p:ph idx="1"/>
-          </p:nvPr>
-        </p:nvPicPr>
-        <p:blipFill>
-          <a:blip r:embed="rId2">
-            <a:extLst>
-              <a:ext uri="{28A0092B-C50C-407E-A947-70E740481C1C}">
-                <a14:useLocalDpi xmlns:a14="http://schemas.microsoft.com/office/drawing/2010/main" val="0"/>
-              </a:ext>
-            </a:extLst>
-          </a:blip>
-          <a:srcRect/>
-          <a:stretch>
-            <a:fillRect/>
-          </a:stretch>
-        </p:blipFill>
-        <p:spPr bwMode="auto">
-          <a:xfrm>
-            <a:off x="813732" y="293615"/>
-            <a:ext cx="7625593" cy="6098795"/>
-          </a:xfrm>
-          <a:prstGeom prst="rect">
-            <a:avLst/>
-          </a:prstGeom>
-          <a:noFill/>
-          <a:ln>
-            <a:noFill/>
-          </a:ln>
-        </p:spPr>
-      </p:pic>
-    </p:spTree>
-    <p:extLst>
-      <p:ext uri="{BB962C8B-B14F-4D97-AF65-F5344CB8AC3E}">
-        <p14:creationId xmlns:p14="http://schemas.microsoft.com/office/powerpoint/2010/main" val="3549105554"/>
-      </p:ext>
-    </p:extLst>
-  </p:cSld>
-  <p:clrMapOvr>
-    <a:masterClrMapping/>
-  </p:clrMapOvr>
-</p:sld>
-</file>
-
-<file path=ppt/slides/slide4.xml><?xml version="1.0" encoding="utf-8"?>
-<p:sld xmlns:a="http://schemas.openxmlformats.org/drawingml/2006/main" xmlns:r="http://schemas.openxmlformats.org/officeDocument/2006/relationships" xmlns:p="http://schemas.openxmlformats.org/presentationml/2006/main">
-  <p:cSld>
-    <p:spTree>
-      <p:nvGrpSpPr>
-        <p:cNvPr id="1" name=""/>
-        <p:cNvGrpSpPr/>
-        <p:nvPr/>
-      </p:nvGrpSpPr>
-      <p:grpSpPr>
-        <a:xfrm>
-          <a:off x="0" y="0"/>
-          <a:ext cx="0" cy="0"/>
-          <a:chOff x="0" y="0"/>
-          <a:chExt cx="0" cy="0"/>
-        </a:xfrm>
-      </p:grpSpPr>
-      <p:pic>
-        <p:nvPicPr>
-          <p:cNvPr id="4" name="图片 3">
-            <a:extLst>
-              <a:ext uri="{FF2B5EF4-FFF2-40B4-BE49-F238E27FC236}">
-                <a16:creationId xmlns:a16="http://schemas.microsoft.com/office/drawing/2014/main" id="{0D3355E0-6341-43DD-8CDA-E11DDBCABC21}"/>
-              </a:ext>
-            </a:extLst>
-          </p:cNvPr>
-          <p:cNvPicPr>
-            <a:picLocks noGrp="1"/>
-          </p:cNvPicPr>
-          <p:nvPr>
-            <p:ph idx="1"/>
-          </p:nvPr>
-        </p:nvPicPr>
-        <p:blipFill>
-          <a:blip r:embed="rId2">
-            <a:extLst>
-              <a:ext uri="{28A0092B-C50C-407E-A947-70E740481C1C}">
-                <a14:useLocalDpi xmlns:a14="http://schemas.microsoft.com/office/drawing/2010/main" val="0"/>
-              </a:ext>
-            </a:extLst>
-          </a:blip>
-          <a:srcRect/>
-          <a:stretch>
-            <a:fillRect/>
-          </a:stretch>
-        </p:blipFill>
-        <p:spPr bwMode="auto">
-          <a:xfrm>
-            <a:off x="830511" y="678110"/>
-            <a:ext cx="7902428" cy="5501780"/>
-          </a:xfrm>
-          <a:prstGeom prst="rect">
-            <a:avLst/>
-          </a:prstGeom>
-          <a:noFill/>
-          <a:ln>
-            <a:noFill/>
-          </a:ln>
-        </p:spPr>
-      </p:pic>
-    </p:spTree>
-    <p:extLst>
-      <p:ext uri="{BB962C8B-B14F-4D97-AF65-F5344CB8AC3E}">
-        <p14:creationId xmlns:p14="http://schemas.microsoft.com/office/powerpoint/2010/main" val="700566767"/>
-      </p:ext>
-    </p:extLst>
-  </p:cSld>
-  <p:clrMapOvr>
-    <a:masterClrMapping/>
-  </p:clrMapOvr>
-</p:sld>
-</file>
-
-<file path=ppt/slides/slide5.xml><?xml version="1.0" encoding="utf-8"?>
-<p:sld xmlns:a="http://schemas.openxmlformats.org/drawingml/2006/main" xmlns:r="http://schemas.openxmlformats.org/officeDocument/2006/relationships" xmlns:p="http://schemas.openxmlformats.org/presentationml/2006/main">
-  <p:cSld>
-    <p:spTree>
-      <p:nvGrpSpPr>
-        <p:cNvPr id="1" name=""/>
-        <p:cNvGrpSpPr/>
-        <p:nvPr/>
-      </p:nvGrpSpPr>
-      <p:grpSpPr>
-        <a:xfrm>
-          <a:off x="0" y="0"/>
-          <a:ext cx="0" cy="0"/>
-          <a:chOff x="0" y="0"/>
-          <a:chExt cx="0" cy="0"/>
-        </a:xfrm>
-      </p:grpSpPr>
-      <p:sp>
-        <p:nvSpPr>
-          <p:cNvPr id="2" name="Title 1">
-            <a:extLst>
-              <a:ext uri="{FF2B5EF4-FFF2-40B4-BE49-F238E27FC236}">
-                <a16:creationId xmlns:a16="http://schemas.microsoft.com/office/drawing/2014/main" id="{13EBCDCC-AC0E-4224-98FD-2780A74AE843}"/>
-              </a:ext>
-            </a:extLst>
-          </p:cNvPr>
-          <p:cNvSpPr>
-            <a:spLocks noGrp="1"/>
-          </p:cNvSpPr>
-          <p:nvPr>
-            <p:ph type="ctrTitle"/>
-          </p:nvPr>
-        </p:nvSpPr>
-        <p:spPr>
-          <a:xfrm>
-            <a:off x="1507067" y="2404531"/>
-            <a:ext cx="7766936" cy="1646302"/>
-          </a:xfrm>
-        </p:spPr>
-        <p:txBody>
-          <a:bodyPr/>
-          <a:lstStyle/>
-          <a:p>
-            <a:r>
-              <a:rPr lang="zh-CN" altLang="en-US" dirty="0"/>
-              <a:t>实现过程</a:t>
-            </a:r>
-            <a:endParaRPr lang="en-MY" dirty="0"/>
-          </a:p>
-        </p:txBody>
-      </p:sp>
-      <p:sp>
-        <p:nvSpPr>
-          <p:cNvPr id="3" name="Subtitle 2">
-            <a:extLst>
-              <a:ext uri="{FF2B5EF4-FFF2-40B4-BE49-F238E27FC236}">
-                <a16:creationId xmlns:a16="http://schemas.microsoft.com/office/drawing/2014/main" id="{C8ACB5B7-FC3C-43ED-BB53-3FBA32F7AAAA}"/>
-              </a:ext>
-            </a:extLst>
-          </p:cNvPr>
-          <p:cNvSpPr>
-            <a:spLocks noGrp="1"/>
-          </p:cNvSpPr>
-          <p:nvPr>
-            <p:ph type="subTitle" idx="1"/>
-          </p:nvPr>
-        </p:nvSpPr>
-        <p:spPr/>
-        <p:txBody>
-          <a:bodyPr/>
-          <a:lstStyle/>
-          <a:p>
-            <a:endParaRPr lang="en-MY" dirty="0"/>
-          </a:p>
-        </p:txBody>
-      </p:sp>
-    </p:spTree>
-    <p:extLst>
-      <p:ext uri="{BB962C8B-B14F-4D97-AF65-F5344CB8AC3E}">
-        <p14:creationId xmlns:p14="http://schemas.microsoft.com/office/powerpoint/2010/main" val="486598866"/>
-      </p:ext>
-    </p:extLst>
-  </p:cSld>
-  <p:clrMapOvr>
-    <a:masterClrMapping/>
-  </p:clrMapOvr>
-</p:sld>
-</file>
-
-<file path=ppt/slides/slide6.xml><?xml version="1.0" encoding="utf-8"?>
-<p:sld xmlns:a="http://schemas.openxmlformats.org/drawingml/2006/main" xmlns:r="http://schemas.openxmlformats.org/officeDocument/2006/relationships" xmlns:p="http://schemas.openxmlformats.org/presentationml/2006/main">
-  <p:cSld>
-    <p:spTree>
-      <p:nvGrpSpPr>
-        <p:cNvPr id="1" name=""/>
-        <p:cNvGrpSpPr/>
-        <p:nvPr/>
-      </p:nvGrpSpPr>
-      <p:grpSpPr>
-        <a:xfrm>
-          <a:off x="0" y="0"/>
-          <a:ext cx="0" cy="0"/>
-          <a:chOff x="0" y="0"/>
-          <a:chExt cx="0" cy="0"/>
-        </a:xfrm>
-      </p:grpSpPr>
-      <p:sp>
-        <p:nvSpPr>
-          <p:cNvPr id="2" name="Title 1">
-            <a:extLst>
-              <a:ext uri="{FF2B5EF4-FFF2-40B4-BE49-F238E27FC236}">
-                <a16:creationId xmlns:a16="http://schemas.microsoft.com/office/drawing/2014/main" id="{13EBCDCC-AC0E-4224-98FD-2780A74AE843}"/>
-              </a:ext>
-            </a:extLst>
-          </p:cNvPr>
-          <p:cNvSpPr>
-            <a:spLocks noGrp="1"/>
-          </p:cNvSpPr>
-          <p:nvPr>
-            <p:ph type="ctrTitle"/>
-          </p:nvPr>
-        </p:nvSpPr>
-        <p:spPr>
-          <a:xfrm>
-            <a:off x="1507067" y="2404531"/>
-            <a:ext cx="7766936" cy="1646302"/>
-          </a:xfrm>
-        </p:spPr>
-        <p:txBody>
-          <a:bodyPr/>
-          <a:lstStyle/>
-          <a:p>
-            <a:r>
-              <a:rPr lang="zh-CN" altLang="en-US" sz="4800" dirty="0"/>
-              <a:t>实现状态机</a:t>
-            </a:r>
-            <a:r>
-              <a:rPr lang="en-US" altLang="zh-CN" sz="4800" dirty="0"/>
-              <a:t>+</a:t>
-            </a:r>
-            <a:r>
-              <a:rPr lang="zh-CN" altLang="en-US" sz="4800" dirty="0"/>
-              <a:t>抓</a:t>
-            </a:r>
-            <a:r>
-              <a:rPr lang="en-MY" altLang="zh-CN" sz="4800" dirty="0"/>
-              <a:t>TCP</a:t>
-            </a:r>
-            <a:r>
-              <a:rPr lang="zh-CN" altLang="en-US" sz="4800" dirty="0"/>
-              <a:t>包分析</a:t>
-            </a:r>
-            <a:endParaRPr lang="en-MY" sz="4800" dirty="0"/>
-          </a:p>
-        </p:txBody>
-      </p:sp>
-      <p:sp>
-        <p:nvSpPr>
-          <p:cNvPr id="3" name="Subtitle 2">
-            <a:extLst>
-              <a:ext uri="{FF2B5EF4-FFF2-40B4-BE49-F238E27FC236}">
-                <a16:creationId xmlns:a16="http://schemas.microsoft.com/office/drawing/2014/main" id="{C8ACB5B7-FC3C-43ED-BB53-3FBA32F7AAAA}"/>
-              </a:ext>
-            </a:extLst>
-          </p:cNvPr>
-          <p:cNvSpPr>
-            <a:spLocks noGrp="1"/>
-          </p:cNvSpPr>
-          <p:nvPr>
-            <p:ph type="subTitle" idx="1"/>
-          </p:nvPr>
-        </p:nvSpPr>
-        <p:spPr/>
-        <p:txBody>
-          <a:bodyPr/>
-          <a:lstStyle/>
-          <a:p>
-            <a:endParaRPr lang="en-MY" dirty="0"/>
-          </a:p>
-        </p:txBody>
-      </p:sp>
-    </p:spTree>
-    <p:extLst>
-      <p:ext uri="{BB962C8B-B14F-4D97-AF65-F5344CB8AC3E}">
-        <p14:creationId xmlns:p14="http://schemas.microsoft.com/office/powerpoint/2010/main" val="3547272461"/>
-      </p:ext>
-    </p:extLst>
-  </p:cSld>
-  <p:clrMapOvr>
-    <a:masterClrMapping/>
-  </p:clrMapOvr>
-</p:sld>
-</file>
-
-<file path=ppt/slides/slide7.xml><?xml version="1.0" encoding="utf-8"?>
-<p:sld xmlns:a="http://schemas.openxmlformats.org/drawingml/2006/main" xmlns:r="http://schemas.openxmlformats.org/officeDocument/2006/relationships" xmlns:p="http://schemas.openxmlformats.org/presentationml/2006/main">
-  <p:cSld>
-    <p:spTree>
-      <p:nvGrpSpPr>
-        <p:cNvPr id="1" name=""/>
-        <p:cNvGrpSpPr/>
-        <p:nvPr/>
-      </p:nvGrpSpPr>
-      <p:grpSpPr>
-        <a:xfrm>
-          <a:off x="0" y="0"/>
-          <a:ext cx="0" cy="0"/>
-          <a:chOff x="0" y="0"/>
-          <a:chExt cx="0" cy="0"/>
-        </a:xfrm>
-      </p:grpSpPr>
-      <p:sp>
-        <p:nvSpPr>
-          <p:cNvPr id="2" name="Title 1">
-            <a:extLst>
-              <a:ext uri="{FF2B5EF4-FFF2-40B4-BE49-F238E27FC236}">
-                <a16:creationId xmlns:a16="http://schemas.microsoft.com/office/drawing/2014/main" id="{D24BD206-4C4A-49A6-9213-AED2971DB0BC}"/>
-              </a:ext>
-            </a:extLst>
-          </p:cNvPr>
-          <p:cNvSpPr>
-            <a:spLocks noGrp="1"/>
-          </p:cNvSpPr>
-          <p:nvPr>
-            <p:ph type="title"/>
-          </p:nvPr>
-        </p:nvSpPr>
-        <p:spPr/>
-        <p:txBody>
-          <a:bodyPr/>
-          <a:lstStyle/>
-          <a:p>
-            <a:r>
-              <a:rPr lang="zh-CN" altLang="en-US" dirty="0"/>
-              <a:t>实现过程学习到的内容</a:t>
-            </a:r>
-            <a:endParaRPr lang="en-MY" dirty="0"/>
-          </a:p>
-        </p:txBody>
-      </p:sp>
-      <p:sp>
-        <p:nvSpPr>
-          <p:cNvPr id="3" name="Content Placeholder 2">
-            <a:extLst>
-              <a:ext uri="{FF2B5EF4-FFF2-40B4-BE49-F238E27FC236}">
-                <a16:creationId xmlns:a16="http://schemas.microsoft.com/office/drawing/2014/main" id="{26659AD2-1778-4A33-BDA2-DA922C0C3785}"/>
-              </a:ext>
-            </a:extLst>
-          </p:cNvPr>
-          <p:cNvSpPr>
-            <a:spLocks noGrp="1"/>
-          </p:cNvSpPr>
-          <p:nvPr>
-            <p:ph idx="1"/>
-          </p:nvPr>
-        </p:nvSpPr>
-        <p:spPr/>
-        <p:txBody>
-          <a:bodyPr>
-            <a:normAutofit/>
-          </a:bodyPr>
-          <a:lstStyle/>
-          <a:p>
-            <a:r>
-              <a:rPr lang="en-MY" sz="2800" dirty="0" err="1">
-                <a:latin typeface="+mn-ea"/>
-              </a:rPr>
-              <a:t>libpcap</a:t>
-            </a:r>
-            <a:r>
-              <a:rPr lang="zh-CN" altLang="en-US" sz="2800" dirty="0">
-                <a:latin typeface="+mn-ea"/>
-              </a:rPr>
-              <a:t>库的使用</a:t>
-            </a:r>
-            <a:endParaRPr lang="en-MY" altLang="zh-CN" sz="2800" dirty="0">
-              <a:latin typeface="+mn-ea"/>
-            </a:endParaRPr>
-          </a:p>
-          <a:p>
-            <a:pPr lvl="1"/>
-            <a:r>
-              <a:rPr lang="zh-CN" altLang="en-US" sz="2800" dirty="0">
-                <a:latin typeface="+mn-ea"/>
-              </a:rPr>
-              <a:t>包的抓取、过滤、分析</a:t>
-            </a:r>
-            <a:endParaRPr lang="en-MY" altLang="zh-CN" sz="2800" dirty="0">
-              <a:latin typeface="+mn-ea"/>
-            </a:endParaRPr>
-          </a:p>
-          <a:p>
-            <a:r>
-              <a:rPr lang="en-US" altLang="zh-CN" sz="2800" dirty="0">
-                <a:latin typeface="+mn-ea"/>
-                <a:cs typeface="Times New Roman" panose="02020603050405020304" pitchFamily="18" charset="0"/>
-              </a:rPr>
-              <a:t>IP</a:t>
-            </a:r>
-            <a:r>
-              <a:rPr lang="zh-CN" sz="2800" dirty="0">
-                <a:effectLst/>
-                <a:latin typeface="+mn-ea"/>
-                <a:cs typeface="Times New Roman" panose="02020603050405020304" pitchFamily="18" charset="0"/>
-              </a:rPr>
-              <a:t>数据包的格式</a:t>
-            </a:r>
-            <a:endParaRPr lang="en-MY" altLang="zh-CN" sz="2800" dirty="0">
-              <a:effectLst/>
-              <a:latin typeface="+mn-ea"/>
-              <a:cs typeface="Times New Roman" panose="02020603050405020304" pitchFamily="18" charset="0"/>
-            </a:endParaRPr>
-          </a:p>
-          <a:p>
-            <a:r>
-              <a:rPr lang="en-US" altLang="zh-CN" sz="2800" dirty="0">
-                <a:latin typeface="+mn-ea"/>
-                <a:cs typeface="Times New Roman" panose="02020603050405020304" pitchFamily="18" charset="0"/>
-              </a:rPr>
-              <a:t>TCP</a:t>
-            </a:r>
-            <a:r>
-              <a:rPr lang="zh-CN" sz="2800" dirty="0">
-                <a:effectLst/>
-                <a:latin typeface="+mn-ea"/>
-                <a:cs typeface="Times New Roman" panose="02020603050405020304" pitchFamily="18" charset="0"/>
-              </a:rPr>
-              <a:t>数据包的格式</a:t>
-            </a:r>
-            <a:endParaRPr lang="en-MY" altLang="zh-CN" sz="2800" dirty="0">
-              <a:effectLst/>
-              <a:latin typeface="+mn-ea"/>
-              <a:cs typeface="Times New Roman" panose="02020603050405020304" pitchFamily="18" charset="0"/>
-            </a:endParaRPr>
-          </a:p>
-          <a:p>
-            <a:r>
-              <a:rPr lang="zh-CN" altLang="en-US" sz="2800" dirty="0">
-                <a:latin typeface="+mn-ea"/>
-              </a:rPr>
-              <a:t>搭建论文所述的状态机</a:t>
-            </a:r>
-            <a:endParaRPr lang="en-MY" altLang="zh-CN" sz="2800" dirty="0">
-              <a:latin typeface="+mn-ea"/>
-            </a:endParaRPr>
-          </a:p>
-          <a:p>
-            <a:pPr lvl="1"/>
-            <a:r>
-              <a:rPr lang="zh-CN" altLang="en-US" sz="2800" dirty="0">
-                <a:latin typeface="+mn-ea"/>
-              </a:rPr>
-              <a:t>检测是否发生</a:t>
-            </a:r>
-            <a:r>
-              <a:rPr lang="en-US" sz="2800" dirty="0">
-                <a:latin typeface="+mn-ea"/>
-              </a:rPr>
-              <a:t>TCP ACK storm attack</a:t>
-            </a:r>
-            <a:endParaRPr lang="en-MY" sz="2800" dirty="0">
-              <a:latin typeface="+mn-ea"/>
-            </a:endParaRPr>
-          </a:p>
-        </p:txBody>
-      </p:sp>
-      <p:pic>
-        <p:nvPicPr>
-          <p:cNvPr id="4" name="图片 8">
-            <a:extLst>
-              <a:ext uri="{FF2B5EF4-FFF2-40B4-BE49-F238E27FC236}">
-                <a16:creationId xmlns:a16="http://schemas.microsoft.com/office/drawing/2014/main" id="{9AD4E3DB-F204-4B27-BE8E-72B6F65EB5FA}"/>
-              </a:ext>
-            </a:extLst>
-          </p:cNvPr>
-          <p:cNvPicPr/>
-          <p:nvPr/>
-        </p:nvPicPr>
-        <p:blipFill>
-          <a:blip r:embed="rId2">
-            <a:extLst>
-              <a:ext uri="{28A0092B-C50C-407E-A947-70E740481C1C}">
-                <a14:useLocalDpi xmlns:a14="http://schemas.microsoft.com/office/drawing/2010/main" val="0"/>
-              </a:ext>
-            </a:extLst>
-          </a:blip>
-          <a:srcRect/>
-          <a:stretch>
-            <a:fillRect/>
-          </a:stretch>
-        </p:blipFill>
-        <p:spPr bwMode="auto">
-          <a:xfrm>
-            <a:off x="529634" y="1748099"/>
-            <a:ext cx="8055821" cy="4316495"/>
-          </a:xfrm>
-          <a:prstGeom prst="rect">
-            <a:avLst/>
-          </a:prstGeom>
-          <a:noFill/>
-          <a:ln>
-            <a:noFill/>
-          </a:ln>
-        </p:spPr>
-      </p:pic>
-      <p:pic>
-        <p:nvPicPr>
-          <p:cNvPr id="5" name="图片 7">
-            <a:extLst>
-              <a:ext uri="{FF2B5EF4-FFF2-40B4-BE49-F238E27FC236}">
-                <a16:creationId xmlns:a16="http://schemas.microsoft.com/office/drawing/2014/main" id="{0466BAF0-7EA8-45F4-AD2D-88096434C826}"/>
-              </a:ext>
-            </a:extLst>
-          </p:cNvPr>
-          <p:cNvPicPr/>
-          <p:nvPr/>
-        </p:nvPicPr>
-        <p:blipFill>
-          <a:blip r:embed="rId3">
-            <a:extLst>
-              <a:ext uri="{28A0092B-C50C-407E-A947-70E740481C1C}">
-                <a14:useLocalDpi xmlns:a14="http://schemas.microsoft.com/office/drawing/2010/main" val="0"/>
-              </a:ext>
-            </a:extLst>
-          </a:blip>
-          <a:srcRect/>
-          <a:stretch>
-            <a:fillRect/>
-          </a:stretch>
-        </p:blipFill>
-        <p:spPr bwMode="auto">
-          <a:xfrm>
-            <a:off x="485718" y="2015573"/>
-            <a:ext cx="8055821" cy="4025789"/>
-          </a:xfrm>
-          <a:prstGeom prst="rect">
-            <a:avLst/>
-          </a:prstGeom>
-          <a:noFill/>
-          <a:ln>
-            <a:noFill/>
-          </a:ln>
-        </p:spPr>
-      </p:pic>
-      <p:pic>
-        <p:nvPicPr>
-          <p:cNvPr id="6" name="图片 6">
-            <a:extLst>
-              <a:ext uri="{FF2B5EF4-FFF2-40B4-BE49-F238E27FC236}">
-                <a16:creationId xmlns:a16="http://schemas.microsoft.com/office/drawing/2014/main" id="{9401C176-F5FA-478C-B82A-A94780EF9A31}"/>
-              </a:ext>
-            </a:extLst>
-          </p:cNvPr>
-          <p:cNvPicPr/>
-          <p:nvPr/>
-        </p:nvPicPr>
-        <p:blipFill>
-          <a:blip r:embed="rId4">
-            <a:extLst>
-              <a:ext uri="{28A0092B-C50C-407E-A947-70E740481C1C}">
-                <a14:useLocalDpi xmlns:a14="http://schemas.microsoft.com/office/drawing/2010/main" val="0"/>
-              </a:ext>
-            </a:extLst>
-          </a:blip>
-          <a:srcRect/>
-          <a:stretch>
-            <a:fillRect/>
-          </a:stretch>
-        </p:blipFill>
-        <p:spPr bwMode="auto">
-          <a:xfrm>
-            <a:off x="441802" y="1930400"/>
-            <a:ext cx="8055821" cy="3951895"/>
-          </a:xfrm>
-          <a:prstGeom prst="rect">
-            <a:avLst/>
-          </a:prstGeom>
-          <a:noFill/>
-          <a:ln>
-            <a:noFill/>
-          </a:ln>
-        </p:spPr>
-      </p:pic>
-    </p:spTree>
-    <p:extLst>
-      <p:ext uri="{BB962C8B-B14F-4D97-AF65-F5344CB8AC3E}">
-        <p14:creationId xmlns:p14="http://schemas.microsoft.com/office/powerpoint/2010/main" val="2589517868"/>
-      </p:ext>
-    </p:extLst>
-  </p:cSld>
-  <p:clrMapOvr>
-    <a:masterClrMapping/>
-  </p:clrMapOvr>
-  <p:timing>
-    <p:tnLst>
-      <p:par>
-        <p:cTn id="1" dur="indefinite" restart="never" nodeType="tmRoot">
-          <p:childTnLst>
-            <p:seq concurrent="1" nextAc="seek">
-              <p:cTn id="2" dur="indefinite" nodeType="mainSeq">
-                <p:childTnLst>
-                  <p:par>
-                    <p:cTn id="3" fill="hold">
-                      <p:stCondLst>
-                        <p:cond delay="indefinite"/>
-                      </p:stCondLst>
-                      <p:childTnLst>
-                        <p:par>
-                          <p:cTn id="4" fill="hold">
-                            <p:stCondLst>
-                              <p:cond delay="0"/>
-                            </p:stCondLst>
-                            <p:childTnLst>
-                              <p:par>
-                                <p:cTn id="5" presetID="1" presetClass="entr" presetSubtype="0" fill="hold" nodeType="clickEffect">
-                                  <p:stCondLst>
-                                    <p:cond delay="0"/>
-                                  </p:stCondLst>
-                                  <p:childTnLst>
-                                    <p:set>
-                                      <p:cBhvr>
-                                        <p:cTn id="6" dur="1" fill="hold">
-                                          <p:stCondLst>
-                                            <p:cond delay="0"/>
-                                          </p:stCondLst>
-                                        </p:cTn>
-                                        <p:tgtEl>
-                                          <p:spTgt spid="4"/>
-                                        </p:tgtEl>
-                                        <p:attrNameLst>
-                                          <p:attrName>style.visibility</p:attrName>
-                                        </p:attrNameLst>
-                                      </p:cBhvr>
-                                      <p:to>
-                                        <p:strVal val="visible"/>
-                                      </p:to>
-                                    </p:set>
-                                  </p:childTnLst>
-                                </p:cTn>
-                              </p:par>
-                            </p:childTnLst>
-                          </p:cTn>
-                        </p:par>
-                      </p:childTnLst>
-                    </p:cTn>
-                  </p:par>
-                  <p:par>
-                    <p:cTn id="7" fill="hold">
-                      <p:stCondLst>
-                        <p:cond delay="indefinite"/>
-                      </p:stCondLst>
-                      <p:childTnLst>
-                        <p:par>
-                          <p:cTn id="8" fill="hold">
-                            <p:stCondLst>
-                              <p:cond delay="0"/>
-                            </p:stCondLst>
-                            <p:childTnLst>
-                              <p:par>
-                                <p:cTn id="9" presetID="1" presetClass="exit" presetSubtype="0" fill="hold" nodeType="clickEffect">
-                                  <p:stCondLst>
-                                    <p:cond delay="0"/>
-                                  </p:stCondLst>
-                                  <p:childTnLst>
-                                    <p:set>
-                                      <p:cBhvr>
-                                        <p:cTn id="10" dur="1" fill="hold">
-                                          <p:stCondLst>
-                                            <p:cond delay="0"/>
-                                          </p:stCondLst>
-                                        </p:cTn>
-                                        <p:tgtEl>
-                                          <p:spTgt spid="4"/>
-                                        </p:tgtEl>
-                                        <p:attrNameLst>
-                                          <p:attrName>style.visibility</p:attrName>
-                                        </p:attrNameLst>
-                                      </p:cBhvr>
-                                      <p:to>
-                                        <p:strVal val="hidden"/>
-                                      </p:to>
-                                    </p:set>
-                                  </p:childTnLst>
-                                </p:cTn>
-                              </p:par>
-                            </p:childTnLst>
-                          </p:cTn>
-                        </p:par>
-                      </p:childTnLst>
-                    </p:cTn>
-                  </p:par>
-                  <p:par>
-                    <p:cTn id="11" fill="hold">
-                      <p:stCondLst>
-                        <p:cond delay="indefinite"/>
-                      </p:stCondLst>
-                      <p:childTnLst>
-                        <p:par>
-                          <p:cTn id="12" fill="hold">
-                            <p:stCondLst>
-                              <p:cond delay="0"/>
-                            </p:stCondLst>
-                            <p:childTnLst>
-                              <p:par>
-                                <p:cTn id="13" presetID="1" presetClass="entr" presetSubtype="0" fill="hold" nodeType="clickEffect">
-                                  <p:stCondLst>
-                                    <p:cond delay="0"/>
-                                  </p:stCondLst>
-                                  <p:childTnLst>
-                                    <p:set>
-                                      <p:cBhvr>
-                                        <p:cTn id="14" dur="1" fill="hold">
-                                          <p:stCondLst>
-                                            <p:cond delay="0"/>
-                                          </p:stCondLst>
-                                        </p:cTn>
-                                        <p:tgtEl>
-                                          <p:spTgt spid="5"/>
-                                        </p:tgtEl>
-                                        <p:attrNameLst>
-                                          <p:attrName>style.visibility</p:attrName>
-                                        </p:attrNameLst>
-                                      </p:cBhvr>
-                                      <p:to>
-                                        <p:strVal val="visible"/>
-                                      </p:to>
-                                    </p:set>
-                                  </p:childTnLst>
-                                </p:cTn>
-                              </p:par>
-                            </p:childTnLst>
-                          </p:cTn>
-                        </p:par>
-                      </p:childTnLst>
-                    </p:cTn>
-                  </p:par>
-                  <p:par>
-                    <p:cTn id="15" fill="hold">
-                      <p:stCondLst>
-                        <p:cond delay="indefinite"/>
-                      </p:stCondLst>
-                      <p:childTnLst>
-                        <p:par>
-                          <p:cTn id="16" fill="hold">
-                            <p:stCondLst>
-                              <p:cond delay="0"/>
-                            </p:stCondLst>
-                            <p:childTnLst>
-                              <p:par>
-                                <p:cTn id="17" presetID="1" presetClass="exit" presetSubtype="0" fill="hold" nodeType="clickEffect">
-                                  <p:stCondLst>
-                                    <p:cond delay="0"/>
-                                  </p:stCondLst>
-                                  <p:childTnLst>
-                                    <p:set>
-                                      <p:cBhvr>
-                                        <p:cTn id="18" dur="1" fill="hold">
-                                          <p:stCondLst>
-                                            <p:cond delay="0"/>
-                                          </p:stCondLst>
-                                        </p:cTn>
-                                        <p:tgtEl>
-                                          <p:spTgt spid="5"/>
-                                        </p:tgtEl>
-                                        <p:attrNameLst>
-                                          <p:attrName>style.visibility</p:attrName>
-                                        </p:attrNameLst>
-                                      </p:cBhvr>
-                                      <p:to>
-                                        <p:strVal val="hidden"/>
-                                      </p:to>
-                                    </p:set>
-                                  </p:childTnLst>
-                                </p:cTn>
-                              </p:par>
-                            </p:childTnLst>
-                          </p:cTn>
-                        </p:par>
-                      </p:childTnLst>
-                    </p:cTn>
-                  </p:par>
-                  <p:par>
-                    <p:cTn id="19" fill="hold">
-                      <p:stCondLst>
-                        <p:cond delay="indefinite"/>
-                      </p:stCondLst>
-                      <p:childTnLst>
-                        <p:par>
-                          <p:cTn id="20" fill="hold">
-                            <p:stCondLst>
-                              <p:cond delay="0"/>
-                            </p:stCondLst>
-                            <p:childTnLst>
-                              <p:par>
-                                <p:cTn id="21" presetID="1" presetClass="entr" presetSubtype="0" fill="hold" nodeType="clickEffect">
-                                  <p:stCondLst>
-                                    <p:cond delay="0"/>
-                                  </p:stCondLst>
-                                  <p:childTnLst>
-                                    <p:set>
-                                      <p:cBhvr>
-                                        <p:cTn id="22" dur="1" fill="hold">
-                                          <p:stCondLst>
-                                            <p:cond delay="0"/>
-                                          </p:stCondLst>
-                                        </p:cTn>
-                                        <p:tgtEl>
-                                          <p:spTgt spid="6"/>
-                                        </p:tgtEl>
-                                        <p:attrNameLst>
-                                          <p:attrName>style.visibility</p:attrName>
-                                        </p:attrNameLst>
-                                      </p:cBhvr>
-                                      <p:to>
-                                        <p:strVal val="visible"/>
-                                      </p:to>
-                                    </p:set>
-                                  </p:childTnLst>
-                                </p:cTn>
-                              </p:par>
-                            </p:childTnLst>
-                          </p:cTn>
-                        </p:par>
-                      </p:childTnLst>
-                    </p:cTn>
-                  </p:par>
-                  <p:par>
-                    <p:cTn id="23" fill="hold">
-                      <p:stCondLst>
-                        <p:cond delay="indefinite"/>
-                      </p:stCondLst>
-                      <p:childTnLst>
-                        <p:par>
-                          <p:cTn id="24" fill="hold">
-                            <p:stCondLst>
-                              <p:cond delay="0"/>
-                            </p:stCondLst>
-                            <p:childTnLst>
-                              <p:par>
-                                <p:cTn id="25" presetID="1" presetClass="exit" presetSubtype="0" fill="hold" nodeType="clickEffect">
-                                  <p:stCondLst>
-                                    <p:cond delay="0"/>
-                                  </p:stCondLst>
-                                  <p:childTnLst>
-                                    <p:set>
-                                      <p:cBhvr>
-                                        <p:cTn id="26" dur="1" fill="hold">
-                                          <p:stCondLst>
-                                            <p:cond delay="0"/>
-                                          </p:stCondLst>
-                                        </p:cTn>
-                                        <p:tgtEl>
-                                          <p:spTgt spid="6"/>
-                                        </p:tgtEl>
-                                        <p:attrNameLst>
-                                          <p:attrName>style.visibility</p:attrName>
-                                        </p:attrNameLst>
-                                      </p:cBhvr>
-                                      <p:to>
-                                        <p:strVal val="hidden"/>
-                                      </p:to>
-                                    </p:set>
-                                  </p:childTnLst>
-                                </p:cTn>
-                              </p:par>
-                            </p:childTnLst>
-                          </p:cTn>
-                        </p:par>
-                      </p:childTnLst>
-                    </p:cTn>
-                  </p:par>
-                </p:childTnLst>
-              </p:cTn>
-              <p:prevCondLst>
-                <p:cond evt="onPrev" delay="0">
-                  <p:tgtEl>
-                    <p:sldTgt/>
-                  </p:tgtEl>
-                </p:cond>
-              </p:prevCondLst>
-              <p:nextCondLst>
-                <p:cond evt="onNext" delay="0">
-                  <p:tgtEl>
-                    <p:sldTgt/>
-                  </p:tgtEl>
-                </p:cond>
-              </p:nextCondLst>
-            </p:seq>
-          </p:childTnLst>
-        </p:cTn>
-      </p:par>
-    </p:tnLst>
-  </p:timing>
-</p:sld>
-</file>
-
-<file path=ppt/slides/slide8.xml><?xml version="1.0" encoding="utf-8"?>
-<p:sld xmlns:a="http://schemas.openxmlformats.org/drawingml/2006/main" xmlns:r="http://schemas.openxmlformats.org/officeDocument/2006/relationships" xmlns:p="http://schemas.openxmlformats.org/presentationml/2006/main">
-  <p:cSld>
-    <p:spTree>
-      <p:nvGrpSpPr>
-        <p:cNvPr id="1" name=""/>
-        <p:cNvGrpSpPr/>
-        <p:nvPr/>
-      </p:nvGrpSpPr>
-      <p:grpSpPr>
-        <a:xfrm>
-          <a:off x="0" y="0"/>
-          <a:ext cx="0" cy="0"/>
-          <a:chOff x="0" y="0"/>
-          <a:chExt cx="0" cy="0"/>
-        </a:xfrm>
-      </p:grpSpPr>
-      <p:sp>
-        <p:nvSpPr>
-          <p:cNvPr id="2" name="Title 1">
-            <a:extLst>
-              <a:ext uri="{FF2B5EF4-FFF2-40B4-BE49-F238E27FC236}">
-                <a16:creationId xmlns:a16="http://schemas.microsoft.com/office/drawing/2014/main" id="{9E9E4AEC-42AA-41CB-982E-C3341953FFA9}"/>
-              </a:ext>
-            </a:extLst>
-          </p:cNvPr>
-          <p:cNvSpPr>
-            <a:spLocks noGrp="1"/>
-          </p:cNvSpPr>
-          <p:nvPr>
-            <p:ph type="title"/>
-          </p:nvPr>
-        </p:nvSpPr>
-        <p:spPr/>
-        <p:txBody>
-          <a:bodyPr/>
-          <a:lstStyle/>
-          <a:p>
-            <a:r>
-              <a:rPr lang="zh-CN" altLang="en-US" dirty="0"/>
-              <a:t>遇到的困难</a:t>
-            </a:r>
-            <a:endParaRPr lang="en-MY" dirty="0"/>
-          </a:p>
-        </p:txBody>
-      </p:sp>
-      <p:sp>
-        <p:nvSpPr>
-          <p:cNvPr id="3" name="Content Placeholder 2">
-            <a:extLst>
-              <a:ext uri="{FF2B5EF4-FFF2-40B4-BE49-F238E27FC236}">
-                <a16:creationId xmlns:a16="http://schemas.microsoft.com/office/drawing/2014/main" id="{911E698B-5E20-438D-B393-F09813540E6F}"/>
-              </a:ext>
-            </a:extLst>
-          </p:cNvPr>
-          <p:cNvSpPr>
-            <a:spLocks noGrp="1"/>
-          </p:cNvSpPr>
-          <p:nvPr>
-            <p:ph idx="1"/>
-          </p:nvPr>
-        </p:nvSpPr>
-        <p:spPr/>
-        <p:txBody>
-          <a:bodyPr/>
-          <a:lstStyle/>
-          <a:p>
-            <a:r>
-              <a:rPr lang="zh-CN" altLang="en-US" sz="2400" dirty="0">
-                <a:latin typeface="+mn-ea"/>
-              </a:rPr>
-              <a:t>抓到的</a:t>
-            </a:r>
-            <a:r>
-              <a:rPr lang="en-MY" altLang="zh-CN" sz="2400" dirty="0">
-                <a:latin typeface="+mn-ea"/>
-              </a:rPr>
-              <a:t>TCP</a:t>
-            </a:r>
-            <a:r>
-              <a:rPr lang="zh-CN" altLang="en-US" sz="2400" dirty="0">
-                <a:latin typeface="+mn-ea"/>
-              </a:rPr>
-              <a:t>包杂乱无章</a:t>
-            </a:r>
-            <a:endParaRPr lang="en-MY" altLang="zh-CN" sz="2400" dirty="0">
-              <a:latin typeface="+mn-ea"/>
-            </a:endParaRPr>
-          </a:p>
-          <a:p>
-            <a:pPr lvl="1"/>
-            <a:r>
-              <a:rPr lang="zh-CN" altLang="en-US" sz="2400" dirty="0">
-                <a:latin typeface="+mn-ea"/>
-              </a:rPr>
-              <a:t>原因：同时和不同</a:t>
-            </a:r>
-            <a:r>
-              <a:rPr lang="en-MY" altLang="zh-CN" sz="2400" dirty="0">
-                <a:latin typeface="+mn-ea"/>
-              </a:rPr>
-              <a:t>IP</a:t>
-            </a:r>
-            <a:r>
-              <a:rPr lang="zh-CN" altLang="en-US" sz="2400" dirty="0">
-                <a:latin typeface="+mn-ea"/>
-              </a:rPr>
-              <a:t>通讯，导致相邻包的通讯对象不一样</a:t>
-            </a:r>
-            <a:endParaRPr lang="en-MY" altLang="zh-CN" sz="2400" dirty="0">
-              <a:latin typeface="+mn-ea"/>
-            </a:endParaRPr>
-          </a:p>
-          <a:p>
-            <a:r>
-              <a:rPr lang="zh-CN" sz="2400" dirty="0">
-                <a:effectLst/>
-                <a:latin typeface="+mn-ea"/>
-                <a:cs typeface="Times New Roman" panose="02020603050405020304" pitchFamily="18" charset="0"/>
-              </a:rPr>
-              <a:t>判断一个包到底是本机向外发送的还是本机接收的</a:t>
-            </a:r>
-            <a:endParaRPr lang="en-MY" altLang="zh-CN" sz="2400" dirty="0">
-              <a:effectLst/>
-              <a:latin typeface="+mn-ea"/>
-              <a:cs typeface="Times New Roman" panose="02020603050405020304" pitchFamily="18" charset="0"/>
-            </a:endParaRPr>
-          </a:p>
-          <a:p>
-            <a:pPr lvl="1"/>
-            <a:r>
-              <a:rPr lang="zh-CN" altLang="en-US" sz="2400" dirty="0">
-                <a:latin typeface="+mn-ea"/>
-                <a:cs typeface="Times New Roman" panose="02020603050405020304" pitchFamily="18" charset="0"/>
-              </a:rPr>
-              <a:t>解决方法：查</a:t>
-            </a:r>
-            <a:r>
-              <a:rPr lang="en-MY" altLang="zh-CN" sz="2400" dirty="0">
-                <a:latin typeface="+mn-ea"/>
-                <a:cs typeface="Times New Roman" panose="02020603050405020304" pitchFamily="18" charset="0"/>
-              </a:rPr>
-              <a:t>source IP</a:t>
-            </a:r>
-          </a:p>
-          <a:p>
-            <a:r>
-              <a:rPr lang="zh-CN" sz="2400" dirty="0">
-                <a:effectLst/>
-                <a:latin typeface="+mn-ea"/>
-                <a:cs typeface="Times New Roman" panose="02020603050405020304" pitchFamily="18" charset="0"/>
-              </a:rPr>
-              <a:t>怎么在</a:t>
-            </a:r>
-            <a:r>
-              <a:rPr lang="zh-CN" altLang="en-US" sz="2400" dirty="0">
-                <a:effectLst/>
-                <a:latin typeface="+mn-ea"/>
-                <a:cs typeface="Times New Roman" panose="02020603050405020304" pitchFamily="18" charset="0"/>
-              </a:rPr>
-              <a:t>杂乱</a:t>
-            </a:r>
-            <a:r>
-              <a:rPr lang="zh-CN" sz="2400" dirty="0">
-                <a:effectLst/>
-                <a:latin typeface="+mn-ea"/>
-                <a:cs typeface="Times New Roman" panose="02020603050405020304" pitchFamily="18" charset="0"/>
-              </a:rPr>
-              <a:t>的</a:t>
-            </a:r>
-            <a:r>
-              <a:rPr lang="en-MY" altLang="zh-CN" sz="2400" dirty="0">
-                <a:effectLst/>
-                <a:latin typeface="+mn-ea"/>
-                <a:cs typeface="Times New Roman" panose="02020603050405020304" pitchFamily="18" charset="0"/>
-              </a:rPr>
-              <a:t>TCP</a:t>
-            </a:r>
-            <a:r>
-              <a:rPr lang="zh-CN" sz="2400" dirty="0">
-                <a:effectLst/>
-                <a:latin typeface="+mn-ea"/>
-                <a:cs typeface="Times New Roman" panose="02020603050405020304" pitchFamily="18" charset="0"/>
-              </a:rPr>
-              <a:t>包中找到状态需要比较的对应的两个包</a:t>
-            </a:r>
-            <a:r>
-              <a:rPr lang="zh-CN" altLang="en-US" sz="2400" dirty="0">
-                <a:effectLst/>
-                <a:latin typeface="+mn-ea"/>
-                <a:cs typeface="Times New Roman" panose="02020603050405020304" pitchFamily="18" charset="0"/>
-              </a:rPr>
-              <a:t>（接收包与发出包）</a:t>
-            </a:r>
-            <a:endParaRPr lang="en-MY" altLang="zh-CN" sz="2400" dirty="0">
-              <a:effectLst/>
-              <a:latin typeface="+mn-ea"/>
-              <a:cs typeface="Times New Roman" panose="02020603050405020304" pitchFamily="18" charset="0"/>
-            </a:endParaRPr>
-          </a:p>
-          <a:p>
-            <a:pPr lvl="1"/>
-            <a:r>
-              <a:rPr lang="zh-CN" altLang="en-US" sz="2400" dirty="0">
-                <a:latin typeface="+mn-ea"/>
-                <a:cs typeface="Times New Roman" panose="02020603050405020304" pitchFamily="18" charset="0"/>
-              </a:rPr>
-              <a:t>初始解决方法：</a:t>
-            </a:r>
-            <a:r>
-              <a:rPr lang="zh-CN" sz="2400" dirty="0">
-                <a:effectLst/>
-                <a:latin typeface="+mn-ea"/>
-                <a:cs typeface="Times New Roman" panose="02020603050405020304" pitchFamily="18" charset="0"/>
-              </a:rPr>
-              <a:t>用过滤表达式过滤抓到的包，单独判断</a:t>
-            </a:r>
-            <a:r>
-              <a:rPr lang="zh-CN" altLang="en-US" sz="2400" dirty="0">
-                <a:effectLst/>
-                <a:latin typeface="+mn-ea"/>
-                <a:cs typeface="Times New Roman" panose="02020603050405020304" pitchFamily="18" charset="0"/>
-              </a:rPr>
-              <a:t>与</a:t>
-            </a:r>
-            <a:r>
-              <a:rPr lang="zh-CN" sz="2400" dirty="0">
-                <a:effectLst/>
-                <a:latin typeface="+mn-ea"/>
-                <a:cs typeface="Times New Roman" panose="02020603050405020304" pitchFamily="18" charset="0"/>
-              </a:rPr>
-              <a:t>某个地址之间的通讯是否受到攻击</a:t>
-            </a:r>
-            <a:endParaRPr lang="en-MY" altLang="zh-CN" sz="2400" dirty="0">
-              <a:effectLst/>
-              <a:latin typeface="+mn-ea"/>
-              <a:cs typeface="Times New Roman" panose="02020603050405020304" pitchFamily="18" charset="0"/>
-            </a:endParaRPr>
-          </a:p>
-          <a:p>
-            <a:pPr lvl="1"/>
-            <a:endParaRPr lang="en-MY" altLang="zh-CN" dirty="0"/>
-          </a:p>
-        </p:txBody>
-      </p:sp>
-    </p:spTree>
-    <p:extLst>
-      <p:ext uri="{BB962C8B-B14F-4D97-AF65-F5344CB8AC3E}">
-        <p14:creationId xmlns:p14="http://schemas.microsoft.com/office/powerpoint/2010/main" val="2357392203"/>
-      </p:ext>
-    </p:extLst>
   </p:cSld>
   <p:clrMapOvr>
     <a:masterClrMapping/>
@@ -10314,118 +9960,68 @@
       </p:grpSpPr>
       <p:sp>
         <p:nvSpPr>
-          <p:cNvPr id="2" name="Title 1">
-            <a:extLst>
-              <a:ext uri="{FF2B5EF4-FFF2-40B4-BE49-F238E27FC236}">
-                <a16:creationId xmlns:a16="http://schemas.microsoft.com/office/drawing/2014/main" id="{E4C37421-DF39-4752-84FC-5D254D89CAB2}"/>
-              </a:ext>
-            </a:extLst>
-          </p:cNvPr>
-          <p:cNvSpPr>
-            <a:spLocks noGrp="1"/>
-          </p:cNvSpPr>
-          <p:nvPr>
-            <p:ph type="title"/>
+          <p:cNvPr id="2" name="Title 1"/>
+          <p:cNvSpPr>
+            <a:spLocks noGrp="1"/>
+          </p:cNvSpPr>
+          <p:nvPr>
+            <p:ph type="ctrTitle"/>
+          </p:nvPr>
+        </p:nvSpPr>
+        <p:spPr>
+          <a:xfrm>
+            <a:off x="1507067" y="2404531"/>
+            <a:ext cx="7766936" cy="1646302"/>
+          </a:xfrm>
+        </p:spPr>
+        <p:txBody>
+          <a:bodyPr/>
+          <a:lstStyle/>
+          <a:p>
+            <a:r>
+              <a:rPr lang="zh-CN" altLang="en-US" sz="4800" dirty="0"/>
+              <a:t>实现状态机</a:t>
+            </a:r>
+            <a:r>
+              <a:rPr lang="en-US" altLang="zh-CN" sz="4800" dirty="0"/>
+              <a:t>+</a:t>
+            </a:r>
+            <a:r>
+              <a:rPr lang="zh-CN" altLang="en-US" sz="4800" dirty="0"/>
+              <a:t>抓</a:t>
+            </a:r>
+            <a:r>
+              <a:rPr lang="en-MY" altLang="zh-CN" sz="4800" dirty="0"/>
+              <a:t>TCP</a:t>
+            </a:r>
+            <a:r>
+              <a:rPr lang="zh-CN" altLang="en-US" sz="4800" dirty="0"/>
+              <a:t>包分析</a:t>
+            </a:r>
+            <a:endParaRPr lang="en-MY" sz="4800" dirty="0"/>
+          </a:p>
+        </p:txBody>
+      </p:sp>
+      <p:sp>
+        <p:nvSpPr>
+          <p:cNvPr id="3" name="Subtitle 2"/>
+          <p:cNvSpPr>
+            <a:spLocks noGrp="1"/>
+          </p:cNvSpPr>
+          <p:nvPr>
+            <p:ph type="subTitle" idx="1"/>
           </p:nvPr>
         </p:nvSpPr>
         <p:spPr/>
         <p:txBody>
-          <a:bodyPr>
-            <a:normAutofit fontScale="90000"/>
-          </a:bodyPr>
+          <a:bodyPr/>
           <a:lstStyle/>
           <a:p>
-            <a:r>
-              <a:rPr lang="zh-CN" altLang="en-US" dirty="0"/>
-              <a:t>最终采用的解决方法：存储</a:t>
-            </a:r>
-            <a:r>
-              <a:rPr lang="zh-CN" altLang="en-US" sz="3600" dirty="0"/>
-              <a:t>维护一个结构体数组</a:t>
-            </a:r>
-            <a:br>
-              <a:rPr lang="en-MY" altLang="zh-CN" sz="3600" dirty="0"/>
-            </a:br>
             <a:endParaRPr lang="en-MY" dirty="0"/>
           </a:p>
         </p:txBody>
       </p:sp>
-      <p:sp>
-        <p:nvSpPr>
-          <p:cNvPr id="3" name="Content Placeholder 2">
-            <a:extLst>
-              <a:ext uri="{FF2B5EF4-FFF2-40B4-BE49-F238E27FC236}">
-                <a16:creationId xmlns:a16="http://schemas.microsoft.com/office/drawing/2014/main" id="{C9AEF79C-4B61-4BE8-A2AB-766D44E99850}"/>
-              </a:ext>
-            </a:extLst>
-          </p:cNvPr>
-          <p:cNvSpPr>
-            <a:spLocks noGrp="1"/>
-          </p:cNvSpPr>
-          <p:nvPr>
-            <p:ph idx="1"/>
-          </p:nvPr>
-        </p:nvSpPr>
-        <p:spPr/>
-        <p:txBody>
-          <a:bodyPr>
-            <a:normAutofit/>
-          </a:bodyPr>
-          <a:lstStyle/>
-          <a:p>
-            <a:r>
-              <a:rPr lang="zh-CN" altLang="en-US" sz="2800" dirty="0"/>
-              <a:t>结构体定义：</a:t>
-            </a:r>
-            <a:endParaRPr lang="en-MY" sz="2800" dirty="0"/>
-          </a:p>
-        </p:txBody>
-      </p:sp>
-      <p:pic>
-        <p:nvPicPr>
-          <p:cNvPr id="4" name="图片 1">
-            <a:extLst>
-              <a:ext uri="{FF2B5EF4-FFF2-40B4-BE49-F238E27FC236}">
-                <a16:creationId xmlns:a16="http://schemas.microsoft.com/office/drawing/2014/main" id="{9ECD2F3B-00BF-4395-BDAB-BE5835CC3D9E}"/>
-              </a:ext>
-            </a:extLst>
-          </p:cNvPr>
-          <p:cNvPicPr/>
-          <p:nvPr/>
-        </p:nvPicPr>
-        <p:blipFill>
-          <a:blip r:embed="rId2">
-            <a:extLst>
-              <a:ext uri="{28A0092B-C50C-407E-A947-70E740481C1C}">
-                <a14:useLocalDpi xmlns:a14="http://schemas.microsoft.com/office/drawing/2010/main" val="0"/>
-              </a:ext>
-            </a:extLst>
-          </a:blip>
-          <a:srcRect/>
-          <a:stretch>
-            <a:fillRect/>
-          </a:stretch>
-        </p:blipFill>
-        <p:spPr bwMode="auto">
-          <a:xfrm>
-            <a:off x="1223432" y="2834409"/>
-            <a:ext cx="6678997" cy="3297943"/>
-          </a:xfrm>
-          <a:prstGeom prst="rect">
-            <a:avLst/>
-          </a:prstGeom>
-          <a:noFill/>
-          <a:ln>
-            <a:noFill/>
-          </a:ln>
-        </p:spPr>
-      </p:pic>
     </p:spTree>
-    <p:extLst>
-      <p:ext uri="{BB962C8B-B14F-4D97-AF65-F5344CB8AC3E}">
-        <p14:creationId xmlns:p14="http://schemas.microsoft.com/office/powerpoint/2010/main" val="2462283557"/>
-      </p:ext>
-    </p:extLst>
   </p:cSld>
   <p:clrMapOvr>
     <a:masterClrMapping/>
@@ -10476,7 +10072,7 @@
     </a:clrScheme>
     <a:fontScheme name="Facet">
       <a:majorFont>
-        <a:latin typeface="Trebuchet MS" panose="020B0603020202020204"/>
+        <a:latin typeface="Trebuchet MS"/>
         <a:ea typeface=""/>
         <a:cs typeface=""/>
         <a:font script="Jpan" typeface="メイリオ"/>
@@ -10511,7 +10107,7 @@
         <a:font script="Geor" typeface="Sylfaen"/>
       </a:majorFont>
       <a:minorFont>
-        <a:latin typeface="Trebuchet MS" panose="020B0603020202020204"/>
+        <a:latin typeface="Trebuchet MS"/>
         <a:ea typeface=""/>
         <a:cs typeface=""/>
         <a:font script="Jpan" typeface="メイリオ"/>
@@ -10680,11 +10276,9 @@
       </a:bgFillStyleLst>
     </a:fmtScheme>
   </a:themeElements>
-  <a:objectDefaults/>
-  <a:extraClrSchemeLst/>
   <a:extLst>
     <a:ext uri="{05A4C25C-085E-4340-85A3-A5531E510DB2}">
-      <thm15:themeFamily xmlns:thm15="http://schemas.microsoft.com/office/thememl/2012/main" name="Facet" id="{C0C680CD-088A-49FC-A102-D699147F32B2}" vid="{CFBC31BA-B70F-4F30-BCAA-4F3011E16C4D}"/>
+      <thm15:themeFamily xmlns:thm15="http://schemas.microsoft.com/office/thememl/2012/main" name="Office Theme" id="{62F939B6-93AF-4DB8-9C6B-D6C7DFDC589F}" vid="{4A3C46E8-61CC-4603-A589-7422A47A8E4A}"/>
     </a:ext>
   </a:extLst>
 </a:theme>
